--- a/MidReport/中期汇报.pptx
+++ b/MidReport/中期汇报.pptx
@@ -6021,8 +6021,8 @@
         </p:nvSpPr>
         <p:spPr>
           <a:xfrm>
-            <a:off x="2950028" y="3105094"/>
-            <a:ext cx="6291944" cy="645160"/>
+            <a:off x="2700655" y="3100070"/>
+            <a:ext cx="6789420" cy="645160"/>
           </a:xfrm>
           <a:prstGeom prst="rect">
             <a:avLst/>
@@ -6050,7 +6050,7 @@
                 </a:effectLst>
                 <a:latin typeface="+mn-ea"/>
               </a:rPr>
-              <a:t>树状区块链测试与</a:t>
+              <a:t>树状区块链测试与改进中期</a:t>
             </a:r>
             <a:r>
               <a:rPr lang="zh-CN" altLang="en-US" sz="3600" dirty="0">
@@ -6066,7 +6066,7 @@
                 </a:effectLst>
                 <a:latin typeface="+mn-ea"/>
               </a:rPr>
-              <a:t>改进</a:t>
+              <a:t>汇报</a:t>
             </a:r>
             <a:endParaRPr lang="zh-CN" altLang="en-US" sz="3600" dirty="0">
               <a:solidFill>
@@ -6154,7 +6154,7 @@
         <p:spPr>
           <a:xfrm>
             <a:off x="3169920" y="3780587"/>
-            <a:ext cx="5852160" cy="275590"/>
+            <a:ext cx="5852160" cy="460375"/>
           </a:xfrm>
           <a:prstGeom prst="rect">
             <a:avLst/>
@@ -6182,7 +6182,39 @@
                 </a:effectLst>
                 <a:latin typeface="+mn-ea"/>
               </a:rPr>
-              <a:t>The Performance Test and Enhancement </a:t>
+              <a:t> The Mid-term Summary Report of </a:t>
+            </a:r>
+            <a:endParaRPr lang="en-US" altLang="zh-CN" sz="1200" dirty="0">
+              <a:solidFill>
+                <a:schemeClr val="bg1"/>
+              </a:solidFill>
+              <a:effectLst>
+                <a:outerShdw blurRad="127000" dist="25400" algn="ctr" rotWithShape="0">
+                  <a:schemeClr val="bg1">
+                    <a:alpha val="30000"/>
+                  </a:schemeClr>
+                </a:outerShdw>
+              </a:effectLst>
+              <a:latin typeface="+mn-ea"/>
+            </a:endParaRPr>
+          </a:p>
+          <a:p>
+            <a:pPr algn="ctr"/>
+            <a:r>
+              <a:rPr lang="en-US" altLang="zh-CN" sz="1200" dirty="0">
+                <a:solidFill>
+                  <a:schemeClr val="bg1"/>
+                </a:solidFill>
+                <a:effectLst>
+                  <a:outerShdw blurRad="127000" dist="25400" algn="ctr" rotWithShape="0">
+                    <a:schemeClr val="bg1">
+                      <a:alpha val="30000"/>
+                    </a:schemeClr>
+                  </a:outerShdw>
+                </a:effectLst>
+                <a:latin typeface="+mn-ea"/>
+              </a:rPr>
+              <a:t>the Performance Test and Enhancement </a:t>
             </a:r>
             <a:r>
               <a:rPr lang="en-US" altLang="zh-CN" sz="1200" dirty="0">
@@ -7765,9 +7797,9 @@
         <p:grpSpPr>
           <a:xfrm>
             <a:off x="7135552" y="3722097"/>
-            <a:ext cx="3423954" cy="1157850"/>
+            <a:ext cx="3423954" cy="1388355"/>
             <a:chOff x="849087" y="4237193"/>
-            <a:chExt cx="3423954" cy="1157850"/>
+            <a:chExt cx="3423954" cy="1388355"/>
           </a:xfrm>
         </p:grpSpPr>
         <p:sp>
@@ -7872,7 +7904,7 @@
           <p:spPr>
             <a:xfrm>
               <a:off x="849087" y="4841958"/>
-              <a:ext cx="3423954" cy="553085"/>
+              <a:ext cx="3423954" cy="783590"/>
             </a:xfrm>
             <a:prstGeom prst="rect">
               <a:avLst/>
@@ -7896,7 +7928,27 @@
                     <a:schemeClr val="bg1"/>
                   </a:solidFill>
                 </a:rPr>
-                <a:t>统计周转时间，单账户的平均响应时间等性能指标</a:t>
+                <a:t>在上一步的基础上，统计周转时间，单账户的平均响应时间等性能指标数据</a:t>
+              </a:r>
+              <a:endParaRPr lang="zh-CN" altLang="en-US" sz="1200" dirty="0">
+                <a:solidFill>
+                  <a:schemeClr val="bg1"/>
+                </a:solidFill>
+              </a:endParaRPr>
+            </a:p>
+            <a:p>
+              <a:pPr>
+                <a:lnSpc>
+                  <a:spcPct val="125000"/>
+                </a:lnSpc>
+              </a:pPr>
+              <a:r>
+                <a:rPr lang="en-US" altLang="zh-CN" sz="1200" dirty="0">
+                  <a:solidFill>
+                    <a:schemeClr val="bg1"/>
+                  </a:solidFill>
+                </a:rPr>
+                <a:t>5</a:t>
               </a:r>
               <a:r>
                 <a:rPr lang="zh-CN" altLang="en-US" sz="1200" dirty="0">
@@ -7904,7 +7956,15 @@
                     <a:schemeClr val="bg1"/>
                   </a:solidFill>
                 </a:rPr>
-                <a:t>数据</a:t>
+                <a:t>月上旬</a:t>
+              </a:r>
+              <a:r>
+                <a:rPr lang="zh-CN" altLang="en-US" sz="1200" dirty="0">
+                  <a:solidFill>
+                    <a:schemeClr val="bg1"/>
+                  </a:solidFill>
+                </a:rPr>
+                <a:t>完成</a:t>
               </a:r>
               <a:endParaRPr lang="zh-CN" altLang="en-US" sz="1200" dirty="0">
                 <a:solidFill>
@@ -7961,9 +8021,9 @@
         <p:grpSpPr>
           <a:xfrm>
             <a:off x="5637307" y="969443"/>
-            <a:ext cx="3423954" cy="933695"/>
+            <a:ext cx="3423954" cy="1164200"/>
             <a:chOff x="849087" y="4237193"/>
-            <a:chExt cx="3423954" cy="933695"/>
+            <a:chExt cx="3423954" cy="1164200"/>
           </a:xfrm>
         </p:grpSpPr>
         <p:sp>
@@ -8022,7 +8082,7 @@
           <p:spPr>
             <a:xfrm>
               <a:off x="849087" y="4617803"/>
-              <a:ext cx="3423954" cy="553085"/>
+              <a:ext cx="3423954" cy="783590"/>
             </a:xfrm>
             <a:prstGeom prst="rect">
               <a:avLst/>
@@ -8075,6 +8135,34 @@
                   </a:solidFill>
                 </a:rPr>
                 <a:t>数据</a:t>
+              </a:r>
+              <a:endParaRPr lang="zh-CN" altLang="en-US" sz="1200" dirty="0">
+                <a:solidFill>
+                  <a:schemeClr val="bg1"/>
+                </a:solidFill>
+              </a:endParaRPr>
+            </a:p>
+            <a:p>
+              <a:pPr algn="r">
+                <a:lnSpc>
+                  <a:spcPct val="125000"/>
+                </a:lnSpc>
+              </a:pPr>
+              <a:r>
+                <a:rPr lang="zh-CN" altLang="en-US" sz="1200" dirty="0">
+                  <a:solidFill>
+                    <a:schemeClr val="bg1"/>
+                  </a:solidFill>
+                </a:rPr>
+                <a:t>撰写</a:t>
+              </a:r>
+              <a:r>
+                <a:rPr lang="zh-CN" altLang="en-US" sz="1200" dirty="0">
+                  <a:solidFill>
+                    <a:schemeClr val="bg1"/>
+                  </a:solidFill>
+                </a:rPr>
+                <a:t>毕业论文</a:t>
               </a:r>
               <a:endParaRPr lang="zh-CN" altLang="en-US" sz="1200" dirty="0">
                 <a:solidFill>

--- a/MidReport/中期汇报.pptx
+++ b/MidReport/中期汇报.pptx
@@ -126,7 +126,7 @@
             <a:srgbClr val="A4A3A4"/>
           </p15:clr>
         </p15:guide>
-        <p15:guide id="2" pos="3839" userDrawn="1">
+        <p15:guide id="2" pos="3878" userDrawn="1">
           <p15:clr>
             <a:srgbClr val="A4A3A4"/>
           </p15:clr>
@@ -7601,7 +7601,7 @@
         </p:nvCxnSpPr>
         <p:spPr>
           <a:xfrm>
-            <a:off x="4694879" y="2581039"/>
+            <a:off x="2960059" y="3683399"/>
             <a:ext cx="0" cy="1188356"/>
           </a:xfrm>
           <a:prstGeom prst="line">
@@ -7638,10 +7638,10 @@
         </p:nvGrpSpPr>
         <p:grpSpPr>
           <a:xfrm>
-            <a:off x="1154809" y="2595553"/>
-            <a:ext cx="3423954" cy="702555"/>
+            <a:off x="220345" y="3697605"/>
+            <a:ext cx="2623820" cy="702422"/>
             <a:chOff x="849087" y="4237193"/>
-            <a:chExt cx="3423954" cy="702555"/>
+            <a:chExt cx="3423954" cy="702667"/>
           </a:xfrm>
         </p:grpSpPr>
         <p:sp>
@@ -7652,8 +7652,8 @@
           </p:nvSpPr>
           <p:spPr>
             <a:xfrm>
-              <a:off x="1676799" y="4237193"/>
-              <a:ext cx="2596242" cy="368300"/>
+              <a:off x="849916" y="4237193"/>
+              <a:ext cx="3423125" cy="368428"/>
             </a:xfrm>
             <a:prstGeom prst="rect">
               <a:avLst/>
@@ -7700,7 +7700,7 @@
           <p:spPr>
             <a:xfrm>
               <a:off x="849087" y="4617803"/>
-              <a:ext cx="3423954" cy="321945"/>
+              <a:ext cx="3423954" cy="322057"/>
             </a:xfrm>
             <a:prstGeom prst="rect">
               <a:avLst/>
@@ -7732,7 +7732,23 @@
                     <a:schemeClr val="bg1"/>
                   </a:solidFill>
                 </a:rPr>
-                <a:t>月中下旬前</a:t>
+                <a:t>月</a:t>
+              </a:r>
+              <a:r>
+                <a:rPr lang="en-US" altLang="zh-CN" sz="1200" dirty="0">
+                  <a:solidFill>
+                    <a:schemeClr val="bg1"/>
+                  </a:solidFill>
+                </a:rPr>
+                <a:t>16</a:t>
+              </a:r>
+              <a:r>
+                <a:rPr lang="zh-CN" altLang="en-US" sz="1200" dirty="0">
+                  <a:solidFill>
+                    <a:schemeClr val="bg1"/>
+                  </a:solidFill>
+                </a:rPr>
+                <a:t>日前</a:t>
               </a:r>
               <a:r>
                 <a:rPr lang="zh-CN" altLang="en-US" sz="1200" dirty="0">
@@ -7759,7 +7775,7 @@
         </p:nvCxnSpPr>
         <p:spPr>
           <a:xfrm flipV="1">
-            <a:off x="6980377" y="3143628"/>
+            <a:off x="4718507" y="3802123"/>
             <a:ext cx="0" cy="1727917"/>
           </a:xfrm>
           <a:prstGeom prst="line">
@@ -7796,10 +7812,10 @@
         </p:nvGrpSpPr>
         <p:grpSpPr>
           <a:xfrm>
-            <a:off x="7135552" y="3722097"/>
-            <a:ext cx="3423954" cy="1388355"/>
+            <a:off x="4873682" y="4399642"/>
+            <a:ext cx="3423954" cy="1364860"/>
             <a:chOff x="849087" y="4237193"/>
-            <a:chExt cx="3423954" cy="1388355"/>
+            <a:chExt cx="3423954" cy="1364860"/>
           </a:xfrm>
         </p:grpSpPr>
         <p:sp>
@@ -7830,15 +7846,7 @@
                     <a:schemeClr val="bg1"/>
                   </a:solidFill>
                 </a:rPr>
-                <a:t>进行</a:t>
-              </a:r>
-              <a:r>
-                <a:rPr lang="en-US" altLang="zh-CN" dirty="0">
-                  <a:solidFill>
-                    <a:schemeClr val="bg1"/>
-                  </a:solidFill>
-                </a:rPr>
-                <a:t>10</a:t>
+                <a:t>进行更大规模实验</a:t>
               </a:r>
               <a:r>
                 <a:rPr lang="zh-CN" altLang="en-US" dirty="0">
@@ -7846,46 +7854,7 @@
                     <a:schemeClr val="bg1"/>
                   </a:solidFill>
                 </a:rPr>
-                <a:t>个，</a:t>
-              </a:r>
-              <a:r>
-                <a:rPr lang="en-US" altLang="zh-CN" dirty="0">
-                  <a:solidFill>
-                    <a:schemeClr val="bg1"/>
-                  </a:solidFill>
-                </a:rPr>
-                <a:t>20</a:t>
-              </a:r>
-              <a:r>
-                <a:rPr lang="zh-CN" altLang="en-US" dirty="0">
-                  <a:solidFill>
-                    <a:schemeClr val="bg1"/>
-                  </a:solidFill>
-                </a:rPr>
-                <a:t>个账号的</a:t>
-              </a:r>
-              <a:endParaRPr lang="zh-CN" altLang="en-US" dirty="0">
-                <a:solidFill>
-                  <a:schemeClr val="bg1"/>
-                </a:solidFill>
-              </a:endParaRPr>
-            </a:p>
-            <a:p>
-              <a:r>
-                <a:rPr lang="zh-CN" altLang="en-US" dirty="0">
-                  <a:solidFill>
-                    <a:schemeClr val="bg1"/>
-                  </a:solidFill>
-                </a:rPr>
-                <a:t>大规模</a:t>
-              </a:r>
-              <a:r>
-                <a:rPr lang="zh-CN" altLang="en-US" dirty="0">
-                  <a:solidFill>
-                    <a:schemeClr val="bg1"/>
-                  </a:solidFill>
-                </a:rPr>
-                <a:t>实验</a:t>
+                <a:t>并与出租车调度系统对接</a:t>
               </a:r>
               <a:endParaRPr lang="zh-CN" altLang="en-US" dirty="0">
                 <a:solidFill>
@@ -7903,7 +7872,7 @@
           </p:nvSpPr>
           <p:spPr>
             <a:xfrm>
-              <a:off x="849087" y="4841958"/>
+              <a:off x="849087" y="4818463"/>
               <a:ext cx="3423954" cy="783590"/>
             </a:xfrm>
             <a:prstGeom prst="rect">
@@ -7943,12 +7912,12 @@
                 </a:lnSpc>
               </a:pPr>
               <a:r>
-                <a:rPr lang="en-US" altLang="zh-CN" sz="1200" dirty="0">
+                <a:rPr lang="en-US" sz="1200" dirty="0">
                   <a:solidFill>
                     <a:schemeClr val="bg1"/>
                   </a:solidFill>
                 </a:rPr>
-                <a:t>5</a:t>
+                <a:t>4</a:t>
               </a:r>
               <a:r>
                 <a:rPr lang="zh-CN" altLang="en-US" sz="1200" dirty="0">
@@ -7956,7 +7925,15 @@
                     <a:schemeClr val="bg1"/>
                   </a:solidFill>
                 </a:rPr>
-                <a:t>月上旬</a:t>
+                <a:t>月</a:t>
+              </a:r>
+              <a:r>
+                <a:rPr lang="en-US" altLang="zh-CN" sz="1200" dirty="0">
+                  <a:solidFill>
+                    <a:schemeClr val="bg1"/>
+                  </a:solidFill>
+                </a:rPr>
+                <a:t>20</a:t>
               </a:r>
               <a:r>
                 <a:rPr lang="zh-CN" altLang="en-US" sz="1200" dirty="0">
@@ -7964,7 +7941,7 @@
                     <a:schemeClr val="bg1"/>
                   </a:solidFill>
                 </a:rPr>
-                <a:t>完成</a:t>
+                <a:t>日前完成</a:t>
               </a:r>
               <a:endParaRPr lang="zh-CN" altLang="en-US" sz="1200" dirty="0">
                 <a:solidFill>
@@ -7983,7 +7960,7 @@
         </p:nvCxnSpPr>
         <p:spPr>
           <a:xfrm>
-            <a:off x="9177377" y="954929"/>
+            <a:off x="7047587" y="1898539"/>
             <a:ext cx="0" cy="1188356"/>
           </a:xfrm>
           <a:prstGeom prst="line">
@@ -8020,7 +7997,7 @@
         </p:nvGrpSpPr>
         <p:grpSpPr>
           <a:xfrm>
-            <a:off x="5637307" y="969443"/>
+            <a:off x="3507517" y="1913053"/>
             <a:ext cx="3423954" cy="1164200"/>
             <a:chOff x="849087" y="4237193"/>
             <a:chExt cx="3423954" cy="1164200"/>
@@ -8034,8 +8011,8 @@
           </p:nvSpPr>
           <p:spPr>
             <a:xfrm>
-              <a:off x="1676799" y="4237193"/>
-              <a:ext cx="2596242" cy="368300"/>
+              <a:off x="1115787" y="4237193"/>
+              <a:ext cx="3157220" cy="368300"/>
             </a:xfrm>
             <a:prstGeom prst="rect">
               <a:avLst/>
@@ -8055,7 +8032,15 @@
                     <a:schemeClr val="bg1"/>
                   </a:solidFill>
                 </a:rPr>
-                <a:t>与出租车调度系统</a:t>
+                <a:t>探究</a:t>
+              </a:r>
+              <a:r>
+                <a:rPr lang="en-US" altLang="zh-CN" dirty="0">
+                  <a:solidFill>
+                    <a:schemeClr val="bg1"/>
+                  </a:solidFill>
+                </a:rPr>
+                <a:t>Go-Ethereum</a:t>
               </a:r>
               <a:r>
                 <a:rPr lang="zh-CN" altLang="en-US" dirty="0">
@@ -8063,7 +8048,15 @@
                     <a:schemeClr val="bg1"/>
                   </a:solidFill>
                 </a:rPr>
-                <a:t>对接</a:t>
+                <a:t>的</a:t>
+              </a:r>
+              <a:r>
+                <a:rPr lang="zh-CN" altLang="en-US" dirty="0">
+                  <a:solidFill>
+                    <a:schemeClr val="bg1"/>
+                  </a:solidFill>
+                </a:rPr>
+                <a:t>部分实现</a:t>
               </a:r>
               <a:endParaRPr lang="zh-CN" altLang="en-US" dirty="0">
                 <a:solidFill>
@@ -8106,9 +8099,33 @@
                     <a:schemeClr val="bg1"/>
                   </a:solidFill>
                 </a:rPr>
-                <a:t>统计不同工况下，链上数据量、吞吐量等</a:t>
+                <a:t>探索轻节点在</a:t>
               </a:r>
-              <a:endParaRPr lang="zh-CN" altLang="en-US" sz="1200" dirty="0">
+              <a:r>
+                <a:rPr lang="en-US" altLang="zh-CN" sz="1200" dirty="0">
+                  <a:solidFill>
+                    <a:schemeClr val="bg1"/>
+                  </a:solidFill>
+                </a:rPr>
+                <a:t>Go-Ethereum</a:t>
+              </a:r>
+              <a:r>
+                <a:rPr lang="zh-CN" altLang="en-US" sz="1200" dirty="0">
+                  <a:solidFill>
+                    <a:schemeClr val="bg1"/>
+                  </a:solidFill>
+                </a:rPr>
+                <a:t>上的实现，并尝试移植到</a:t>
+              </a:r>
+              <a:r>
+                <a:rPr lang="en-US" altLang="zh-CN" sz="1200" dirty="0">
+                  <a:solidFill>
+                    <a:schemeClr val="bg1"/>
+                  </a:solidFill>
+                </a:rPr>
+                <a:t>Substrate</a:t>
+              </a:r>
+              <a:endParaRPr lang="en-US" altLang="zh-CN" sz="1200" dirty="0">
                 <a:solidFill>
                   <a:schemeClr val="bg1"/>
                 </a:solidFill>
@@ -8121,12 +8138,12 @@
                 </a:lnSpc>
               </a:pPr>
               <a:r>
-                <a:rPr lang="zh-CN" altLang="en-US" sz="1200" dirty="0">
+                <a:rPr lang="en-US" altLang="zh-CN" sz="1200" dirty="0">
                   <a:solidFill>
                     <a:schemeClr val="bg1"/>
                   </a:solidFill>
                 </a:rPr>
-                <a:t>性能指标</a:t>
+                <a:t>4</a:t>
               </a:r>
               <a:r>
                 <a:rPr lang="zh-CN" altLang="en-US" sz="1200" dirty="0">
@@ -8134,7 +8151,15 @@
                     <a:schemeClr val="bg1"/>
                   </a:solidFill>
                 </a:rPr>
-                <a:t>数据</a:t>
+                <a:t>月底前</a:t>
+              </a:r>
+              <a:r>
+                <a:rPr lang="zh-CN" altLang="en-US" sz="1200" dirty="0">
+                  <a:solidFill>
+                    <a:schemeClr val="bg1"/>
+                  </a:solidFill>
+                </a:rPr>
+                <a:t>完成</a:t>
               </a:r>
               <a:endParaRPr lang="zh-CN" altLang="en-US" sz="1200" dirty="0">
                 <a:solidFill>
@@ -8142,14 +8167,91 @@
                 </a:solidFill>
               </a:endParaRPr>
             </a:p>
+          </p:txBody>
+        </p:sp>
+      </p:grpSp>
+      <p:cxnSp>
+        <p:nvCxnSpPr>
+          <p:cNvPr id="3" name="直接连接符 2"/>
+          <p:cNvCxnSpPr/>
+          <p:nvPr>
+            <p:custDataLst>
+              <p:tags r:id="rId3"/>
+            </p:custDataLst>
+          </p:nvPr>
+        </p:nvCxnSpPr>
+        <p:spPr>
+          <a:xfrm>
+            <a:off x="9199702" y="2149218"/>
+            <a:ext cx="0" cy="1727200"/>
+          </a:xfrm>
+          <a:prstGeom prst="line">
+            <a:avLst/>
+          </a:prstGeom>
+          <a:ln w="12700">
+            <a:solidFill>
+              <a:srgbClr val="C00000"/>
+            </a:solidFill>
+            <a:prstDash val="sysDash"/>
+            <a:tailEnd type="oval"/>
+          </a:ln>
+        </p:spPr>
+        <p:style>
+          <a:lnRef idx="1">
+            <a:schemeClr val="accent1"/>
+          </a:lnRef>
+          <a:fillRef idx="0">
+            <a:schemeClr val="accent1"/>
+          </a:fillRef>
+          <a:effectRef idx="0">
+            <a:schemeClr val="accent1"/>
+          </a:effectRef>
+          <a:fontRef idx="minor">
+            <a:schemeClr val="tx1"/>
+          </a:fontRef>
+        </p:style>
+      </p:cxnSp>
+      <p:grpSp>
+        <p:nvGrpSpPr>
+          <p:cNvPr id="6" name="组合 5"/>
+          <p:cNvGrpSpPr/>
+          <p:nvPr/>
+        </p:nvGrpSpPr>
+        <p:grpSpPr>
+          <a:xfrm>
+            <a:off x="9354820" y="3186430"/>
+            <a:ext cx="2703830" cy="690386"/>
+            <a:chOff x="849087" y="4237193"/>
+            <a:chExt cx="3423954" cy="690510"/>
+          </a:xfrm>
+        </p:grpSpPr>
+        <p:sp>
+          <p:nvSpPr>
+            <p:cNvPr id="7" name="文本框 6"/>
+            <p:cNvSpPr txBox="1"/>
+            <p:nvPr>
+              <p:custDataLst>
+                <p:tags r:id="rId4"/>
+              </p:custDataLst>
+            </p:nvPr>
+          </p:nvSpPr>
+          <p:spPr>
+            <a:xfrm>
+              <a:off x="849087" y="4237193"/>
+              <a:ext cx="3423920" cy="368366"/>
+            </a:xfrm>
+            <a:prstGeom prst="rect">
+              <a:avLst/>
+            </a:prstGeom>
+            <a:noFill/>
+          </p:spPr>
+          <p:txBody>
+            <a:bodyPr wrap="square" rtlCol="0">
+              <a:spAutoFit/>
+            </a:bodyPr>
             <a:p>
-              <a:pPr algn="r">
-                <a:lnSpc>
-                  <a:spcPct val="125000"/>
-                </a:lnSpc>
-              </a:pPr>
               <a:r>
-                <a:rPr lang="zh-CN" altLang="en-US" sz="1200" dirty="0">
+                <a:rPr lang="zh-CN" altLang="en-US" dirty="0">
                   <a:solidFill>
                     <a:schemeClr val="bg1"/>
                   </a:solidFill>
@@ -8157,12 +8259,90 @@
                 <a:t>撰写</a:t>
               </a:r>
               <a:r>
+                <a:rPr lang="zh-CN" altLang="en-US" dirty="0">
+                  <a:solidFill>
+                    <a:schemeClr val="bg1"/>
+                  </a:solidFill>
+                </a:rPr>
+                <a:t>毕业论文</a:t>
+              </a:r>
+              <a:endParaRPr lang="zh-CN" altLang="en-US" dirty="0">
+                <a:solidFill>
+                  <a:schemeClr val="bg1"/>
+                </a:solidFill>
+              </a:endParaRPr>
+            </a:p>
+          </p:txBody>
+        </p:sp>
+        <p:sp>
+          <p:nvSpPr>
+            <p:cNvPr id="8" name="文本框 7"/>
+            <p:cNvSpPr txBox="1"/>
+            <p:nvPr>
+              <p:custDataLst>
+                <p:tags r:id="rId5"/>
+              </p:custDataLst>
+            </p:nvPr>
+          </p:nvSpPr>
+          <p:spPr>
+            <a:xfrm>
+              <a:off x="849087" y="4605700"/>
+              <a:ext cx="3423954" cy="322003"/>
+            </a:xfrm>
+            <a:prstGeom prst="rect">
+              <a:avLst/>
+            </a:prstGeom>
+            <a:noFill/>
+          </p:spPr>
+          <p:txBody>
+            <a:bodyPr wrap="square" rtlCol="0">
+              <a:spAutoFit/>
+            </a:bodyPr>
+            <a:p>
+              <a:pPr>
+                <a:lnSpc>
+                  <a:spcPct val="125000"/>
+                </a:lnSpc>
+              </a:pPr>
+              <a:r>
+                <a:rPr lang="en-US" sz="1200" dirty="0">
+                  <a:solidFill>
+                    <a:schemeClr val="bg1"/>
+                  </a:solidFill>
+                </a:rPr>
+                <a:t>5</a:t>
+              </a:r>
+              <a:r>
                 <a:rPr lang="zh-CN" altLang="en-US" sz="1200" dirty="0">
                   <a:solidFill>
                     <a:schemeClr val="bg1"/>
                   </a:solidFill>
                 </a:rPr>
-                <a:t>毕业论文</a:t>
+                <a:t>月</a:t>
+              </a:r>
+              <a:r>
+                <a:rPr lang="en-US" altLang="zh-CN" sz="1200" dirty="0">
+                  <a:solidFill>
+                    <a:schemeClr val="bg1"/>
+                  </a:solidFill>
+                </a:rPr>
+                <a:t>20</a:t>
+              </a:r>
+              <a:r>
+                <a:rPr lang="zh-CN" altLang="en-US" sz="1200" dirty="0">
+                  <a:solidFill>
+                    <a:schemeClr val="bg1"/>
+                  </a:solidFill>
+                </a:rPr>
+                <a:t>日前</a:t>
+              </a:r>
+              <a:r>
+                <a:rPr lang="zh-CN" altLang="en-US" sz="1200" dirty="0">
+                  <a:solidFill>
+                    <a:schemeClr val="bg1"/>
+                  </a:solidFill>
+                </a:rPr>
+                <a:t>完成</a:t>
               </a:r>
               <a:endParaRPr lang="zh-CN" altLang="en-US" sz="1200" dirty="0">
                 <a:solidFill>
@@ -10573,78 +10753,14 @@
           <a:p>
             <a:pPr indent="457200"/>
             <a:r>
-              <a:rPr lang="zh-CN" altLang="en-US" sz="2800">
+              <a:rPr lang="zh-CN" altLang="en-US" sz="2400">
                 <a:solidFill>
                   <a:schemeClr val="bg1"/>
                 </a:solidFill>
               </a:rPr>
-              <a:t>对实验室的已有工作</a:t>
+              <a:t>本毕业设计项目，旨在对实验室的已有工作——基于Go-Ethereum实现的树状区块链——进行性能测试，验证其基于GeoHash物理位置划分子链的设计，在诸如出租车调度等需要根据节点物理位置提供不同服务的应用场景中能达成相较传统单链区块链更高的效率；同时，对其进行优化，包括：简化配置、部署区块链的流程，重构已有代码提升可维护性和可拓展性等；最后，探讨将树状区块链的基于Go语言的Go-Ethereum实现，通过Substrate工具包移植到Rust编程语言上的可能性，并进行部分移植工作以佐证之。</a:t>
             </a:r>
-            <a:r>
-              <a:rPr lang="en-US" altLang="zh-CN" sz="2800">
-                <a:solidFill>
-                  <a:schemeClr val="bg1"/>
-                </a:solidFill>
-              </a:rPr>
-              <a:t>——</a:t>
-            </a:r>
-            <a:r>
-              <a:rPr lang="zh-CN" altLang="en-US" sz="2800">
-                <a:solidFill>
-                  <a:schemeClr val="bg1"/>
-                </a:solidFill>
-              </a:rPr>
-              <a:t>基于</a:t>
-            </a:r>
-            <a:r>
-              <a:rPr lang="en-US" altLang="zh-CN" sz="2800">
-                <a:solidFill>
-                  <a:schemeClr val="bg1"/>
-                </a:solidFill>
-              </a:rPr>
-              <a:t>Go-Ethereum</a:t>
-            </a:r>
-            <a:r>
-              <a:rPr lang="zh-CN" altLang="en-US" sz="2800">
-                <a:solidFill>
-                  <a:schemeClr val="bg1"/>
-                </a:solidFill>
-              </a:rPr>
-              <a:t>实现的树状区块链</a:t>
-            </a:r>
-            <a:r>
-              <a:rPr lang="en-US" altLang="zh-CN" sz="2800">
-                <a:solidFill>
-                  <a:schemeClr val="bg1"/>
-                </a:solidFill>
-              </a:rPr>
-              <a:t>——</a:t>
-            </a:r>
-            <a:r>
-              <a:rPr lang="zh-CN" altLang="en-US" sz="2800">
-                <a:solidFill>
-                  <a:schemeClr val="bg1"/>
-                </a:solidFill>
-              </a:rPr>
-              <a:t>进行性能测试，验证其基于</a:t>
-            </a:r>
-            <a:r>
-              <a:rPr lang="en-US" altLang="zh-CN" sz="2800">
-                <a:solidFill>
-                  <a:schemeClr val="bg1"/>
-                </a:solidFill>
-              </a:rPr>
-              <a:t>GeoHash</a:t>
-            </a:r>
-            <a:r>
-              <a:rPr lang="zh-CN" altLang="en-US" sz="2800">
-                <a:solidFill>
-                  <a:schemeClr val="bg1"/>
-                </a:solidFill>
-              </a:rPr>
-              <a:t>物理位置划分子链的设计，在诸如出租车调度等需要根据节点物理位置提供不同服务的应用场景中能达成相较传统单链区块链更高的效率；优化工作则包括：简化配置、部署区块链的流程，重构已有代码提升可维护性和可拓展性等。</a:t>
-            </a:r>
-            <a:endParaRPr lang="zh-CN" altLang="en-US" sz="2800">
+            <a:endParaRPr lang="zh-CN" altLang="en-US" sz="2400">
               <a:solidFill>
                 <a:schemeClr val="bg1"/>
               </a:solidFill>
@@ -11805,7 +11921,7 @@
                     <a:schemeClr val="bg1"/>
                   </a:solidFill>
                 </a:rPr>
-                <a:t>准备大规模</a:t>
+                <a:t>完成外文</a:t>
               </a:r>
               <a:r>
                 <a:rPr lang="zh-CN" altLang="en-US" dirty="0">
@@ -11813,7 +11929,7 @@
                     <a:schemeClr val="bg1"/>
                   </a:solidFill>
                 </a:rPr>
-                <a:t>测试</a:t>
+                <a:t>翻译</a:t>
               </a:r>
               <a:endParaRPr lang="zh-CN" altLang="en-US" dirty="0">
                 <a:solidFill>
@@ -11856,7 +11972,7 @@
                     <a:schemeClr val="bg1"/>
                   </a:solidFill>
                 </a:rPr>
-                <a:t>正在准备进行超过</a:t>
+                <a:t>翻译对象为</a:t>
               </a:r>
               <a:r>
                 <a:rPr lang="en-US" altLang="zh-CN" sz="1400" dirty="0">
@@ -11864,7 +11980,7 @@
                     <a:schemeClr val="bg1"/>
                   </a:solidFill>
                 </a:rPr>
-                <a:t>10</a:t>
+                <a:t>Substrate</a:t>
               </a:r>
               <a:r>
                 <a:rPr lang="zh-CN" altLang="en-US" sz="1400" dirty="0">
@@ -11872,7 +11988,15 @@
                     <a:schemeClr val="bg1"/>
                   </a:solidFill>
                 </a:rPr>
-                <a:t>个账号在两个叶子节点上跨链资产转移的性能</a:t>
+                <a:t>工具包官方英文文档，已完成</a:t>
+              </a:r>
+              <a:r>
+                <a:rPr lang="en-US" altLang="zh-CN" sz="1400" dirty="0">
+                  <a:solidFill>
+                    <a:schemeClr val="bg1"/>
+                  </a:solidFill>
+                </a:rPr>
+                <a:t>5000</a:t>
               </a:r>
               <a:r>
                 <a:rPr lang="zh-CN" altLang="en-US" sz="1400" dirty="0">
@@ -11880,7 +12004,15 @@
                     <a:schemeClr val="bg1"/>
                   </a:solidFill>
                 </a:rPr>
-                <a:t>测试</a:t>
+                <a:t>词的额定</a:t>
+              </a:r>
+              <a:r>
+                <a:rPr lang="zh-CN" altLang="en-US" sz="1400" dirty="0">
+                  <a:solidFill>
+                    <a:schemeClr val="bg1"/>
+                  </a:solidFill>
+                </a:rPr>
+                <a:t>工作量</a:t>
               </a:r>
               <a:endParaRPr lang="zh-CN" altLang="en-US" sz="1400" dirty="0">
                 <a:solidFill>
@@ -12631,13 +12763,13 @@
       </p:sp>
       <p:sp>
         <p:nvSpPr>
-          <p:cNvPr id="3" name="椭圆 2"/>
+          <p:cNvPr id="27" name="椭圆 26"/>
           <p:cNvSpPr/>
           <p:nvPr/>
         </p:nvSpPr>
         <p:spPr>
           <a:xfrm>
-            <a:off x="1390650" y="1882696"/>
+            <a:off x="1219835" y="854864"/>
             <a:ext cx="685800" cy="685800"/>
           </a:xfrm>
           <a:prstGeom prst="ellipse">
@@ -12675,1917 +12807,6 @@
           </a:p>
         </p:txBody>
       </p:sp>
-      <p:sp>
-        <p:nvSpPr>
-          <p:cNvPr id="17" name="Freeform 127"/>
-          <p:cNvSpPr>
-            <a:spLocks noEditPoints="1"/>
-          </p:cNvSpPr>
-          <p:nvPr/>
-        </p:nvSpPr>
-        <p:spPr bwMode="auto">
-          <a:xfrm>
-            <a:off x="1528713" y="2014518"/>
-            <a:ext cx="409674" cy="409674"/>
-          </a:xfrm>
-          <a:custGeom>
-            <a:avLst/>
-            <a:gdLst/>
-            <a:ahLst/>
-            <a:cxnLst>
-              <a:cxn ang="0">
-                <a:pos x="242" y="222"/>
-              </a:cxn>
-              <a:cxn ang="0">
-                <a:pos x="174" y="198"/>
-              </a:cxn>
-              <a:cxn ang="0">
-                <a:pos x="194" y="164"/>
-              </a:cxn>
-              <a:cxn ang="0">
-                <a:pos x="206" y="132"/>
-              </a:cxn>
-              <a:cxn ang="0">
-                <a:pos x="206" y="82"/>
-              </a:cxn>
-              <a:cxn ang="0">
-                <a:pos x="192" y="40"/>
-              </a:cxn>
-              <a:cxn ang="0">
-                <a:pos x="174" y="16"/>
-              </a:cxn>
-              <a:cxn ang="0">
-                <a:pos x="128" y="0"/>
-              </a:cxn>
-              <a:cxn ang="0">
-                <a:pos x="96" y="6"/>
-              </a:cxn>
-              <a:cxn ang="0">
-                <a:pos x="72" y="28"/>
-              </a:cxn>
-              <a:cxn ang="0">
-                <a:pos x="52" y="68"/>
-              </a:cxn>
-              <a:cxn ang="0">
-                <a:pos x="48" y="110"/>
-              </a:cxn>
-              <a:cxn ang="0">
-                <a:pos x="56" y="146"/>
-              </a:cxn>
-              <a:cxn ang="0">
-                <a:pos x="82" y="198"/>
-              </a:cxn>
-              <a:cxn ang="0">
-                <a:pos x="28" y="216"/>
-              </a:cxn>
-              <a:cxn ang="0">
-                <a:pos x="8" y="226"/>
-              </a:cxn>
-              <a:cxn ang="0">
-                <a:pos x="0" y="240"/>
-              </a:cxn>
-              <a:cxn ang="0">
-                <a:pos x="2" y="250"/>
-              </a:cxn>
-              <a:cxn ang="0">
-                <a:pos x="16" y="256"/>
-              </a:cxn>
-              <a:cxn ang="0">
-                <a:pos x="246" y="256"/>
-              </a:cxn>
-              <a:cxn ang="0">
-                <a:pos x="256" y="244"/>
-              </a:cxn>
-              <a:cxn ang="0">
-                <a:pos x="256" y="234"/>
-              </a:cxn>
-              <a:cxn ang="0">
-                <a:pos x="162" y="188"/>
-              </a:cxn>
-              <a:cxn ang="0">
-                <a:pos x="152" y="198"/>
-              </a:cxn>
-              <a:cxn ang="0">
-                <a:pos x="128" y="206"/>
-              </a:cxn>
-              <a:cxn ang="0">
-                <a:pos x="104" y="198"/>
-              </a:cxn>
-              <a:cxn ang="0">
-                <a:pos x="94" y="188"/>
-              </a:cxn>
-              <a:cxn ang="0">
-                <a:pos x="74" y="152"/>
-              </a:cxn>
-              <a:cxn ang="0">
-                <a:pos x="64" y="112"/>
-              </a:cxn>
-              <a:cxn ang="0">
-                <a:pos x="66" y="86"/>
-              </a:cxn>
-              <a:cxn ang="0">
-                <a:pos x="76" y="48"/>
-              </a:cxn>
-              <a:cxn ang="0">
-                <a:pos x="102" y="22"/>
-              </a:cxn>
-              <a:cxn ang="0">
-                <a:pos x="128" y="16"/>
-              </a:cxn>
-              <a:cxn ang="0">
-                <a:pos x="164" y="30"/>
-              </a:cxn>
-              <a:cxn ang="0">
-                <a:pos x="184" y="60"/>
-              </a:cxn>
-              <a:cxn ang="0">
-                <a:pos x="190" y="86"/>
-              </a:cxn>
-              <a:cxn ang="0">
-                <a:pos x="190" y="126"/>
-              </a:cxn>
-              <a:cxn ang="0">
-                <a:pos x="176" y="164"/>
-              </a:cxn>
-              <a:cxn ang="0">
-                <a:pos x="16" y="240"/>
-              </a:cxn>
-              <a:cxn ang="0">
-                <a:pos x="58" y="220"/>
-              </a:cxn>
-              <a:cxn ang="0">
-                <a:pos x="104" y="208"/>
-              </a:cxn>
-              <a:cxn ang="0">
-                <a:pos x="128" y="216"/>
-              </a:cxn>
-              <a:cxn ang="0">
-                <a:pos x="172" y="212"/>
-              </a:cxn>
-              <a:cxn ang="0">
-                <a:pos x="220" y="230"/>
-              </a:cxn>
-            </a:cxnLst>
-            <a:rect l="0" t="0" r="r" b="b"/>
-            <a:pathLst>
-              <a:path w="256" h="256">
-                <a:moveTo>
-                  <a:pt x="248" y="226"/>
-                </a:moveTo>
-                <a:lnTo>
-                  <a:pt x="248" y="226"/>
-                </a:lnTo>
-                <a:lnTo>
-                  <a:pt x="242" y="222"/>
-                </a:lnTo>
-                <a:lnTo>
-                  <a:pt x="228" y="216"/>
-                </a:lnTo>
-                <a:lnTo>
-                  <a:pt x="204" y="206"/>
-                </a:lnTo>
-                <a:lnTo>
-                  <a:pt x="174" y="198"/>
-                </a:lnTo>
-                <a:lnTo>
-                  <a:pt x="174" y="198"/>
-                </a:lnTo>
-                <a:lnTo>
-                  <a:pt x="186" y="180"/>
-                </a:lnTo>
-                <a:lnTo>
-                  <a:pt x="194" y="164"/>
-                </a:lnTo>
-                <a:lnTo>
-                  <a:pt x="200" y="146"/>
-                </a:lnTo>
-                <a:lnTo>
-                  <a:pt x="206" y="132"/>
-                </a:lnTo>
-                <a:lnTo>
-                  <a:pt x="206" y="132"/>
-                </a:lnTo>
-                <a:lnTo>
-                  <a:pt x="208" y="110"/>
-                </a:lnTo>
-                <a:lnTo>
-                  <a:pt x="208" y="96"/>
-                </a:lnTo>
-                <a:lnTo>
-                  <a:pt x="206" y="82"/>
-                </a:lnTo>
-                <a:lnTo>
-                  <a:pt x="204" y="68"/>
-                </a:lnTo>
-                <a:lnTo>
-                  <a:pt x="198" y="52"/>
-                </a:lnTo>
-                <a:lnTo>
-                  <a:pt x="192" y="40"/>
-                </a:lnTo>
-                <a:lnTo>
-                  <a:pt x="184" y="28"/>
-                </a:lnTo>
-                <a:lnTo>
-                  <a:pt x="184" y="28"/>
-                </a:lnTo>
-                <a:lnTo>
-                  <a:pt x="174" y="16"/>
-                </a:lnTo>
-                <a:lnTo>
-                  <a:pt x="160" y="6"/>
-                </a:lnTo>
-                <a:lnTo>
-                  <a:pt x="144" y="2"/>
-                </a:lnTo>
-                <a:lnTo>
-                  <a:pt x="128" y="0"/>
-                </a:lnTo>
-                <a:lnTo>
-                  <a:pt x="128" y="0"/>
-                </a:lnTo>
-                <a:lnTo>
-                  <a:pt x="112" y="2"/>
-                </a:lnTo>
-                <a:lnTo>
-                  <a:pt x="96" y="6"/>
-                </a:lnTo>
-                <a:lnTo>
-                  <a:pt x="82" y="16"/>
-                </a:lnTo>
-                <a:lnTo>
-                  <a:pt x="72" y="28"/>
-                </a:lnTo>
-                <a:lnTo>
-                  <a:pt x="72" y="28"/>
-                </a:lnTo>
-                <a:lnTo>
-                  <a:pt x="64" y="40"/>
-                </a:lnTo>
-                <a:lnTo>
-                  <a:pt x="58" y="52"/>
-                </a:lnTo>
-                <a:lnTo>
-                  <a:pt x="52" y="68"/>
-                </a:lnTo>
-                <a:lnTo>
-                  <a:pt x="50" y="82"/>
-                </a:lnTo>
-                <a:lnTo>
-                  <a:pt x="48" y="96"/>
-                </a:lnTo>
-                <a:lnTo>
-                  <a:pt x="48" y="110"/>
-                </a:lnTo>
-                <a:lnTo>
-                  <a:pt x="50" y="132"/>
-                </a:lnTo>
-                <a:lnTo>
-                  <a:pt x="50" y="132"/>
-                </a:lnTo>
-                <a:lnTo>
-                  <a:pt x="56" y="146"/>
-                </a:lnTo>
-                <a:lnTo>
-                  <a:pt x="62" y="164"/>
-                </a:lnTo>
-                <a:lnTo>
-                  <a:pt x="70" y="180"/>
-                </a:lnTo>
-                <a:lnTo>
-                  <a:pt x="82" y="198"/>
-                </a:lnTo>
-                <a:lnTo>
-                  <a:pt x="82" y="198"/>
-                </a:lnTo>
-                <a:lnTo>
-                  <a:pt x="52" y="206"/>
-                </a:lnTo>
-                <a:lnTo>
-                  <a:pt x="28" y="216"/>
-                </a:lnTo>
-                <a:lnTo>
-                  <a:pt x="14" y="222"/>
-                </a:lnTo>
-                <a:lnTo>
-                  <a:pt x="8" y="226"/>
-                </a:lnTo>
-                <a:lnTo>
-                  <a:pt x="8" y="226"/>
-                </a:lnTo>
-                <a:lnTo>
-                  <a:pt x="4" y="230"/>
-                </a:lnTo>
-                <a:lnTo>
-                  <a:pt x="0" y="234"/>
-                </a:lnTo>
-                <a:lnTo>
-                  <a:pt x="0" y="240"/>
-                </a:lnTo>
-                <a:lnTo>
-                  <a:pt x="0" y="244"/>
-                </a:lnTo>
-                <a:lnTo>
-                  <a:pt x="0" y="244"/>
-                </a:lnTo>
-                <a:lnTo>
-                  <a:pt x="2" y="250"/>
-                </a:lnTo>
-                <a:lnTo>
-                  <a:pt x="6" y="252"/>
-                </a:lnTo>
-                <a:lnTo>
-                  <a:pt x="10" y="256"/>
-                </a:lnTo>
-                <a:lnTo>
-                  <a:pt x="16" y="256"/>
-                </a:lnTo>
-                <a:lnTo>
-                  <a:pt x="240" y="256"/>
-                </a:lnTo>
-                <a:lnTo>
-                  <a:pt x="240" y="256"/>
-                </a:lnTo>
-                <a:lnTo>
-                  <a:pt x="246" y="256"/>
-                </a:lnTo>
-                <a:lnTo>
-                  <a:pt x="250" y="252"/>
-                </a:lnTo>
-                <a:lnTo>
-                  <a:pt x="254" y="250"/>
-                </a:lnTo>
-                <a:lnTo>
-                  <a:pt x="256" y="244"/>
-                </a:lnTo>
-                <a:lnTo>
-                  <a:pt x="256" y="244"/>
-                </a:lnTo>
-                <a:lnTo>
-                  <a:pt x="256" y="240"/>
-                </a:lnTo>
-                <a:lnTo>
-                  <a:pt x="256" y="234"/>
-                </a:lnTo>
-                <a:lnTo>
-                  <a:pt x="252" y="230"/>
-                </a:lnTo>
-                <a:lnTo>
-                  <a:pt x="248" y="226"/>
-                </a:lnTo>
-                <a:close/>
-                <a:moveTo>
-                  <a:pt x="162" y="188"/>
-                </a:moveTo>
-                <a:lnTo>
-                  <a:pt x="160" y="190"/>
-                </a:lnTo>
-                <a:lnTo>
-                  <a:pt x="160" y="190"/>
-                </a:lnTo>
-                <a:lnTo>
-                  <a:pt x="152" y="198"/>
-                </a:lnTo>
-                <a:lnTo>
-                  <a:pt x="144" y="202"/>
-                </a:lnTo>
-                <a:lnTo>
-                  <a:pt x="136" y="206"/>
-                </a:lnTo>
-                <a:lnTo>
-                  <a:pt x="128" y="206"/>
-                </a:lnTo>
-                <a:lnTo>
-                  <a:pt x="120" y="206"/>
-                </a:lnTo>
-                <a:lnTo>
-                  <a:pt x="112" y="202"/>
-                </a:lnTo>
-                <a:lnTo>
-                  <a:pt x="104" y="198"/>
-                </a:lnTo>
-                <a:lnTo>
-                  <a:pt x="96" y="190"/>
-                </a:lnTo>
-                <a:lnTo>
-                  <a:pt x="94" y="188"/>
-                </a:lnTo>
-                <a:lnTo>
-                  <a:pt x="94" y="188"/>
-                </a:lnTo>
-                <a:lnTo>
-                  <a:pt x="86" y="176"/>
-                </a:lnTo>
-                <a:lnTo>
-                  <a:pt x="80" y="164"/>
-                </a:lnTo>
-                <a:lnTo>
-                  <a:pt x="74" y="152"/>
-                </a:lnTo>
-                <a:lnTo>
-                  <a:pt x="70" y="140"/>
-                </a:lnTo>
-                <a:lnTo>
-                  <a:pt x="66" y="126"/>
-                </a:lnTo>
-                <a:lnTo>
-                  <a:pt x="64" y="112"/>
-                </a:lnTo>
-                <a:lnTo>
-                  <a:pt x="64" y="100"/>
-                </a:lnTo>
-                <a:lnTo>
-                  <a:pt x="66" y="86"/>
-                </a:lnTo>
-                <a:lnTo>
-                  <a:pt x="66" y="86"/>
-                </a:lnTo>
-                <a:lnTo>
-                  <a:pt x="68" y="74"/>
-                </a:lnTo>
-                <a:lnTo>
-                  <a:pt x="72" y="60"/>
-                </a:lnTo>
-                <a:lnTo>
-                  <a:pt x="76" y="48"/>
-                </a:lnTo>
-                <a:lnTo>
-                  <a:pt x="84" y="38"/>
-                </a:lnTo>
-                <a:lnTo>
-                  <a:pt x="92" y="30"/>
-                </a:lnTo>
-                <a:lnTo>
-                  <a:pt x="102" y="22"/>
-                </a:lnTo>
-                <a:lnTo>
-                  <a:pt x="114" y="18"/>
-                </a:lnTo>
-                <a:lnTo>
-                  <a:pt x="128" y="16"/>
-                </a:lnTo>
-                <a:lnTo>
-                  <a:pt x="128" y="16"/>
-                </a:lnTo>
-                <a:lnTo>
-                  <a:pt x="142" y="18"/>
-                </a:lnTo>
-                <a:lnTo>
-                  <a:pt x="154" y="22"/>
-                </a:lnTo>
-                <a:lnTo>
-                  <a:pt x="164" y="30"/>
-                </a:lnTo>
-                <a:lnTo>
-                  <a:pt x="172" y="38"/>
-                </a:lnTo>
-                <a:lnTo>
-                  <a:pt x="180" y="48"/>
-                </a:lnTo>
-                <a:lnTo>
-                  <a:pt x="184" y="60"/>
-                </a:lnTo>
-                <a:lnTo>
-                  <a:pt x="188" y="74"/>
-                </a:lnTo>
-                <a:lnTo>
-                  <a:pt x="190" y="86"/>
-                </a:lnTo>
-                <a:lnTo>
-                  <a:pt x="190" y="86"/>
-                </a:lnTo>
-                <a:lnTo>
-                  <a:pt x="192" y="100"/>
-                </a:lnTo>
-                <a:lnTo>
-                  <a:pt x="192" y="112"/>
-                </a:lnTo>
-                <a:lnTo>
-                  <a:pt x="190" y="126"/>
-                </a:lnTo>
-                <a:lnTo>
-                  <a:pt x="186" y="140"/>
-                </a:lnTo>
-                <a:lnTo>
-                  <a:pt x="182" y="152"/>
-                </a:lnTo>
-                <a:lnTo>
-                  <a:pt x="176" y="164"/>
-                </a:lnTo>
-                <a:lnTo>
-                  <a:pt x="170" y="176"/>
-                </a:lnTo>
-                <a:lnTo>
-                  <a:pt x="162" y="188"/>
-                </a:lnTo>
-                <a:close/>
-                <a:moveTo>
-                  <a:pt x="16" y="240"/>
-                </a:moveTo>
-                <a:lnTo>
-                  <a:pt x="16" y="240"/>
-                </a:lnTo>
-                <a:lnTo>
-                  <a:pt x="36" y="230"/>
-                </a:lnTo>
-                <a:lnTo>
-                  <a:pt x="58" y="220"/>
-                </a:lnTo>
-                <a:lnTo>
-                  <a:pt x="84" y="212"/>
-                </a:lnTo>
-                <a:lnTo>
-                  <a:pt x="104" y="208"/>
-                </a:lnTo>
-                <a:lnTo>
-                  <a:pt x="104" y="208"/>
-                </a:lnTo>
-                <a:lnTo>
-                  <a:pt x="116" y="214"/>
-                </a:lnTo>
-                <a:lnTo>
-                  <a:pt x="128" y="216"/>
-                </a:lnTo>
-                <a:lnTo>
-                  <a:pt x="128" y="216"/>
-                </a:lnTo>
-                <a:lnTo>
-                  <a:pt x="140" y="214"/>
-                </a:lnTo>
-                <a:lnTo>
-                  <a:pt x="152" y="208"/>
-                </a:lnTo>
-                <a:lnTo>
-                  <a:pt x="172" y="212"/>
-                </a:lnTo>
-                <a:lnTo>
-                  <a:pt x="172" y="212"/>
-                </a:lnTo>
-                <a:lnTo>
-                  <a:pt x="198" y="220"/>
-                </a:lnTo>
-                <a:lnTo>
-                  <a:pt x="220" y="230"/>
-                </a:lnTo>
-                <a:lnTo>
-                  <a:pt x="240" y="240"/>
-                </a:lnTo>
-                <a:lnTo>
-                  <a:pt x="16" y="240"/>
-                </a:lnTo>
-                <a:close/>
-              </a:path>
-            </a:pathLst>
-          </a:custGeom>
-          <a:solidFill>
-            <a:schemeClr val="bg1"/>
-          </a:solidFill>
-          <a:ln w="9525">
-            <a:noFill/>
-            <a:round/>
-          </a:ln>
-        </p:spPr>
-        <p:txBody>
-          <a:bodyPr vert="horz" wrap="square" lIns="121888" tIns="60944" rIns="121888" bIns="60944" numCol="1" anchor="t" anchorCtr="0" compatLnSpc="1"/>
-          <a:lstStyle/>
-          <a:p>
-            <a:pPr defTabSz="1172210"/>
-            <a:endParaRPr lang="ar-SA" sz="3065">
-              <a:solidFill>
-                <a:prstClr val="black"/>
-              </a:solidFill>
-              <a:latin typeface="Open Sans"/>
-            </a:endParaRPr>
-          </a:p>
-        </p:txBody>
-      </p:sp>
-      <p:grpSp>
-        <p:nvGrpSpPr>
-          <p:cNvPr id="18" name="组合 17"/>
-          <p:cNvGrpSpPr/>
-          <p:nvPr/>
-        </p:nvGrpSpPr>
-        <p:grpSpPr>
-          <a:xfrm>
-            <a:off x="2247503" y="1676611"/>
-            <a:ext cx="3423954" cy="1010530"/>
-            <a:chOff x="849087" y="4237193"/>
-            <a:chExt cx="3423954" cy="1010530"/>
-          </a:xfrm>
-        </p:grpSpPr>
-        <p:sp>
-          <p:nvSpPr>
-            <p:cNvPr id="19" name="文本框 18"/>
-            <p:cNvSpPr txBox="1"/>
-            <p:nvPr/>
-          </p:nvSpPr>
-          <p:spPr>
-            <a:xfrm>
-              <a:off x="849087" y="4237193"/>
-              <a:ext cx="3358515" cy="368300"/>
-            </a:xfrm>
-            <a:prstGeom prst="rect">
-              <a:avLst/>
-            </a:prstGeom>
-            <a:noFill/>
-          </p:spPr>
-          <p:txBody>
-            <a:bodyPr wrap="square" rtlCol="0">
-              <a:spAutoFit/>
-            </a:bodyPr>
-            <a:lstStyle/>
-            <a:p>
-              <a:r>
-                <a:rPr lang="zh-CN" altLang="en-US" dirty="0">
-                  <a:solidFill>
-                    <a:schemeClr val="bg1"/>
-                  </a:solidFill>
-                </a:rPr>
-                <a:t>自动化测试的脚本局限性</a:t>
-              </a:r>
-              <a:r>
-                <a:rPr lang="zh-CN" altLang="en-US" dirty="0">
-                  <a:solidFill>
-                    <a:schemeClr val="bg1"/>
-                  </a:solidFill>
-                </a:rPr>
-                <a:t>较大</a:t>
-              </a:r>
-              <a:endParaRPr lang="zh-CN" altLang="en-US" dirty="0">
-                <a:solidFill>
-                  <a:schemeClr val="bg1"/>
-                </a:solidFill>
-              </a:endParaRPr>
-            </a:p>
-          </p:txBody>
-        </p:sp>
-        <p:sp>
-          <p:nvSpPr>
-            <p:cNvPr id="20" name="文本框 19"/>
-            <p:cNvSpPr txBox="1"/>
-            <p:nvPr/>
-          </p:nvSpPr>
-          <p:spPr>
-            <a:xfrm>
-              <a:off x="849087" y="4617803"/>
-              <a:ext cx="3423954" cy="629920"/>
-            </a:xfrm>
-            <a:prstGeom prst="rect">
-              <a:avLst/>
-            </a:prstGeom>
-            <a:noFill/>
-          </p:spPr>
-          <p:txBody>
-            <a:bodyPr wrap="square" rtlCol="0">
-              <a:spAutoFit/>
-            </a:bodyPr>
-            <a:lstStyle/>
-            <a:p>
-              <a:pPr>
-                <a:lnSpc>
-                  <a:spcPct val="125000"/>
-                </a:lnSpc>
-              </a:pPr>
-              <a:r>
-                <a:rPr lang="zh-CN" altLang="en-US" sz="1400" dirty="0">
-                  <a:solidFill>
-                    <a:schemeClr val="bg1"/>
-                  </a:solidFill>
-                </a:rPr>
-                <a:t>仍然需要手动复制粘贴一些信息，并且</a:t>
-              </a:r>
-              <a:r>
-                <a:rPr lang="zh-CN" altLang="en-US" sz="1400" dirty="0">
-                  <a:solidFill>
-                    <a:schemeClr val="bg1"/>
-                  </a:solidFill>
-                </a:rPr>
-                <a:t>实现也不够优雅，存在大量冗余</a:t>
-              </a:r>
-              <a:endParaRPr lang="zh-CN" altLang="en-US" sz="1400" dirty="0">
-                <a:solidFill>
-                  <a:schemeClr val="bg1"/>
-                </a:solidFill>
-              </a:endParaRPr>
-            </a:p>
-          </p:txBody>
-        </p:sp>
-      </p:grpSp>
-      <p:sp>
-        <p:nvSpPr>
-          <p:cNvPr id="21" name="椭圆 20"/>
-          <p:cNvSpPr/>
-          <p:nvPr/>
-        </p:nvSpPr>
-        <p:spPr>
-          <a:xfrm>
-            <a:off x="6382480" y="2932986"/>
-            <a:ext cx="685800" cy="685800"/>
-          </a:xfrm>
-          <a:prstGeom prst="ellipse">
-            <a:avLst/>
-          </a:prstGeom>
-          <a:solidFill>
-            <a:srgbClr val="C00000"/>
-          </a:solidFill>
-          <a:ln>
-            <a:noFill/>
-          </a:ln>
-        </p:spPr>
-        <p:style>
-          <a:lnRef idx="2">
-            <a:schemeClr val="accent1">
-              <a:shade val="50000"/>
-            </a:schemeClr>
-          </a:lnRef>
-          <a:fillRef idx="1">
-            <a:schemeClr val="accent1"/>
-          </a:fillRef>
-          <a:effectRef idx="0">
-            <a:schemeClr val="accent1"/>
-          </a:effectRef>
-          <a:fontRef idx="minor">
-            <a:schemeClr val="lt1"/>
-          </a:fontRef>
-        </p:style>
-        <p:txBody>
-          <a:bodyPr rtlCol="0" anchor="ctr"/>
-          <a:lstStyle/>
-          <a:p>
-            <a:pPr algn="ctr"/>
-            <a:endParaRPr lang="zh-CN" altLang="en-US" dirty="0"/>
-          </a:p>
-        </p:txBody>
-      </p:sp>
-      <p:grpSp>
-        <p:nvGrpSpPr>
-          <p:cNvPr id="23" name="组合 22"/>
-          <p:cNvGrpSpPr/>
-          <p:nvPr/>
-        </p:nvGrpSpPr>
-        <p:grpSpPr>
-          <a:xfrm>
-            <a:off x="7239333" y="2726901"/>
-            <a:ext cx="3521075" cy="779390"/>
-            <a:chOff x="849087" y="4237193"/>
-            <a:chExt cx="3521075" cy="779390"/>
-          </a:xfrm>
-        </p:grpSpPr>
-        <p:sp>
-          <p:nvSpPr>
-            <p:cNvPr id="24" name="文本框 23"/>
-            <p:cNvSpPr txBox="1"/>
-            <p:nvPr/>
-          </p:nvSpPr>
-          <p:spPr>
-            <a:xfrm>
-              <a:off x="849087" y="4237193"/>
-              <a:ext cx="3521075" cy="368300"/>
-            </a:xfrm>
-            <a:prstGeom prst="rect">
-              <a:avLst/>
-            </a:prstGeom>
-            <a:noFill/>
-          </p:spPr>
-          <p:txBody>
-            <a:bodyPr wrap="square" rtlCol="0">
-              <a:spAutoFit/>
-            </a:bodyPr>
-            <a:lstStyle/>
-            <a:p>
-              <a:r>
-                <a:rPr lang="zh-CN" altLang="en-US" dirty="0">
-                  <a:solidFill>
-                    <a:schemeClr val="bg1"/>
-                  </a:solidFill>
-                </a:rPr>
-                <a:t>信息共享不够</a:t>
-              </a:r>
-              <a:r>
-                <a:rPr lang="zh-CN" altLang="en-US" dirty="0">
-                  <a:solidFill>
-                    <a:schemeClr val="bg1"/>
-                  </a:solidFill>
-                </a:rPr>
-                <a:t>及时</a:t>
-              </a:r>
-              <a:endParaRPr lang="zh-CN" altLang="en-US" dirty="0">
-                <a:solidFill>
-                  <a:schemeClr val="bg1"/>
-                </a:solidFill>
-              </a:endParaRPr>
-            </a:p>
-          </p:txBody>
-        </p:sp>
-        <p:sp>
-          <p:nvSpPr>
-            <p:cNvPr id="25" name="文本框 24"/>
-            <p:cNvSpPr txBox="1"/>
-            <p:nvPr/>
-          </p:nvSpPr>
-          <p:spPr>
-            <a:xfrm>
-              <a:off x="849087" y="4617803"/>
-              <a:ext cx="3423954" cy="398780"/>
-            </a:xfrm>
-            <a:prstGeom prst="rect">
-              <a:avLst/>
-            </a:prstGeom>
-            <a:noFill/>
-          </p:spPr>
-          <p:txBody>
-            <a:bodyPr wrap="square" rtlCol="0">
-              <a:spAutoFit/>
-            </a:bodyPr>
-            <a:lstStyle/>
-            <a:p>
-              <a:pPr>
-                <a:lnSpc>
-                  <a:spcPct val="125000"/>
-                </a:lnSpc>
-              </a:pPr>
-              <a:r>
-                <a:rPr lang="zh-CN" altLang="en-US" sz="1600" dirty="0">
-                  <a:solidFill>
-                    <a:schemeClr val="bg1"/>
-                  </a:solidFill>
-                </a:rPr>
-                <a:t>可能造成重复造轮子的</a:t>
-              </a:r>
-              <a:r>
-                <a:rPr lang="zh-CN" altLang="en-US" sz="1600" dirty="0">
-                  <a:solidFill>
-                    <a:schemeClr val="bg1"/>
-                  </a:solidFill>
-                </a:rPr>
-                <a:t>情况</a:t>
-              </a:r>
-              <a:endParaRPr lang="zh-CN" altLang="en-US" sz="1600" dirty="0">
-                <a:solidFill>
-                  <a:schemeClr val="bg1"/>
-                </a:solidFill>
-              </a:endParaRPr>
-            </a:p>
-          </p:txBody>
-        </p:sp>
-      </p:grpSp>
-      <p:grpSp>
-        <p:nvGrpSpPr>
-          <p:cNvPr id="13" name="Group 37"/>
-          <p:cNvGrpSpPr/>
-          <p:nvPr/>
-        </p:nvGrpSpPr>
-        <p:grpSpPr>
-          <a:xfrm>
-            <a:off x="6520543" y="3071049"/>
-            <a:ext cx="409674" cy="409674"/>
-            <a:chOff x="4775200" y="1962150"/>
-            <a:chExt cx="406400" cy="406400"/>
-          </a:xfrm>
-          <a:solidFill>
-            <a:schemeClr val="bg1"/>
-          </a:solidFill>
-        </p:grpSpPr>
-        <p:sp>
-          <p:nvSpPr>
-            <p:cNvPr id="14" name="Freeform 115"/>
-            <p:cNvSpPr>
-              <a:spLocks noEditPoints="1"/>
-            </p:cNvSpPr>
-            <p:nvPr/>
-          </p:nvSpPr>
-          <p:spPr bwMode="auto">
-            <a:xfrm>
-              <a:off x="4775200" y="1962150"/>
-              <a:ext cx="406400" cy="406400"/>
-            </a:xfrm>
-            <a:custGeom>
-              <a:avLst/>
-              <a:gdLst/>
-              <a:ahLst/>
-              <a:cxnLst>
-                <a:cxn ang="0">
-                  <a:pos x="160" y="0"/>
-                </a:cxn>
-                <a:cxn ang="0">
-                  <a:pos x="122" y="8"/>
-                </a:cxn>
-                <a:cxn ang="0">
-                  <a:pos x="92" y="28"/>
-                </a:cxn>
-                <a:cxn ang="0">
-                  <a:pos x="72" y="58"/>
-                </a:cxn>
-                <a:cxn ang="0">
-                  <a:pos x="64" y="96"/>
-                </a:cxn>
-                <a:cxn ang="0">
-                  <a:pos x="64" y="108"/>
-                </a:cxn>
-                <a:cxn ang="0">
-                  <a:pos x="70" y="130"/>
-                </a:cxn>
-                <a:cxn ang="0">
-                  <a:pos x="8" y="208"/>
-                </a:cxn>
-                <a:cxn ang="0">
-                  <a:pos x="8" y="208"/>
-                </a:cxn>
-                <a:cxn ang="0">
-                  <a:pos x="0" y="228"/>
-                </a:cxn>
-                <a:cxn ang="0">
-                  <a:pos x="2" y="238"/>
-                </a:cxn>
-                <a:cxn ang="0">
-                  <a:pos x="18" y="254"/>
-                </a:cxn>
-                <a:cxn ang="0">
-                  <a:pos x="28" y="256"/>
-                </a:cxn>
-                <a:cxn ang="0">
-                  <a:pos x="48" y="248"/>
-                </a:cxn>
-                <a:cxn ang="0">
-                  <a:pos x="116" y="180"/>
-                </a:cxn>
-                <a:cxn ang="0">
-                  <a:pos x="126" y="186"/>
-                </a:cxn>
-                <a:cxn ang="0">
-                  <a:pos x="148" y="192"/>
-                </a:cxn>
-                <a:cxn ang="0">
-                  <a:pos x="160" y="192"/>
-                </a:cxn>
-                <a:cxn ang="0">
-                  <a:pos x="198" y="184"/>
-                </a:cxn>
-                <a:cxn ang="0">
-                  <a:pos x="228" y="164"/>
-                </a:cxn>
-                <a:cxn ang="0">
-                  <a:pos x="248" y="134"/>
-                </a:cxn>
-                <a:cxn ang="0">
-                  <a:pos x="256" y="96"/>
-                </a:cxn>
-                <a:cxn ang="0">
-                  <a:pos x="254" y="76"/>
-                </a:cxn>
-                <a:cxn ang="0">
-                  <a:pos x="240" y="42"/>
-                </a:cxn>
-                <a:cxn ang="0">
-                  <a:pos x="214" y="16"/>
-                </a:cxn>
-                <a:cxn ang="0">
-                  <a:pos x="180" y="2"/>
-                </a:cxn>
-                <a:cxn ang="0">
-                  <a:pos x="38" y="238"/>
-                </a:cxn>
-                <a:cxn ang="0">
-                  <a:pos x="34" y="240"/>
-                </a:cxn>
-                <a:cxn ang="0">
-                  <a:pos x="28" y="242"/>
-                </a:cxn>
-                <a:cxn ang="0">
-                  <a:pos x="18" y="238"/>
-                </a:cxn>
-                <a:cxn ang="0">
-                  <a:pos x="14" y="228"/>
-                </a:cxn>
-                <a:cxn ang="0">
-                  <a:pos x="16" y="222"/>
-                </a:cxn>
-                <a:cxn ang="0">
-                  <a:pos x="18" y="218"/>
-                </a:cxn>
-                <a:cxn ang="0">
-                  <a:pos x="82" y="154"/>
-                </a:cxn>
-                <a:cxn ang="0">
-                  <a:pos x="102" y="174"/>
-                </a:cxn>
-                <a:cxn ang="0">
-                  <a:pos x="160" y="176"/>
-                </a:cxn>
-                <a:cxn ang="0">
-                  <a:pos x="144" y="174"/>
-                </a:cxn>
-                <a:cxn ang="0">
-                  <a:pos x="116" y="162"/>
-                </a:cxn>
-                <a:cxn ang="0">
-                  <a:pos x="94" y="140"/>
-                </a:cxn>
-                <a:cxn ang="0">
-                  <a:pos x="82" y="112"/>
-                </a:cxn>
-                <a:cxn ang="0">
-                  <a:pos x="80" y="96"/>
-                </a:cxn>
-                <a:cxn ang="0">
-                  <a:pos x="86" y="64"/>
-                </a:cxn>
-                <a:cxn ang="0">
-                  <a:pos x="104" y="40"/>
-                </a:cxn>
-                <a:cxn ang="0">
-                  <a:pos x="128" y="22"/>
-                </a:cxn>
-                <a:cxn ang="0">
-                  <a:pos x="160" y="16"/>
-                </a:cxn>
-                <a:cxn ang="0">
-                  <a:pos x="176" y="18"/>
-                </a:cxn>
-                <a:cxn ang="0">
-                  <a:pos x="204" y="30"/>
-                </a:cxn>
-                <a:cxn ang="0">
-                  <a:pos x="226" y="52"/>
-                </a:cxn>
-                <a:cxn ang="0">
-                  <a:pos x="238" y="80"/>
-                </a:cxn>
-                <a:cxn ang="0">
-                  <a:pos x="240" y="96"/>
-                </a:cxn>
-                <a:cxn ang="0">
-                  <a:pos x="234" y="128"/>
-                </a:cxn>
-                <a:cxn ang="0">
-                  <a:pos x="216" y="152"/>
-                </a:cxn>
-                <a:cxn ang="0">
-                  <a:pos x="192" y="170"/>
-                </a:cxn>
-                <a:cxn ang="0">
-                  <a:pos x="160" y="176"/>
-                </a:cxn>
-              </a:cxnLst>
-              <a:rect l="0" t="0" r="r" b="b"/>
-              <a:pathLst>
-                <a:path w="256" h="256">
-                  <a:moveTo>
-                    <a:pt x="160" y="0"/>
-                  </a:moveTo>
-                  <a:lnTo>
-                    <a:pt x="160" y="0"/>
-                  </a:lnTo>
-                  <a:lnTo>
-                    <a:pt x="140" y="2"/>
-                  </a:lnTo>
-                  <a:lnTo>
-                    <a:pt x="122" y="8"/>
-                  </a:lnTo>
-                  <a:lnTo>
-                    <a:pt x="106" y="16"/>
-                  </a:lnTo>
-                  <a:lnTo>
-                    <a:pt x="92" y="28"/>
-                  </a:lnTo>
-                  <a:lnTo>
-                    <a:pt x="80" y="42"/>
-                  </a:lnTo>
-                  <a:lnTo>
-                    <a:pt x="72" y="58"/>
-                  </a:lnTo>
-                  <a:lnTo>
-                    <a:pt x="66" y="76"/>
-                  </a:lnTo>
-                  <a:lnTo>
-                    <a:pt x="64" y="96"/>
-                  </a:lnTo>
-                  <a:lnTo>
-                    <a:pt x="64" y="96"/>
-                  </a:lnTo>
-                  <a:lnTo>
-                    <a:pt x="64" y="108"/>
-                  </a:lnTo>
-                  <a:lnTo>
-                    <a:pt x="66" y="120"/>
-                  </a:lnTo>
-                  <a:lnTo>
-                    <a:pt x="70" y="130"/>
-                  </a:lnTo>
-                  <a:lnTo>
-                    <a:pt x="76" y="140"/>
-                  </a:lnTo>
-                  <a:lnTo>
-                    <a:pt x="8" y="208"/>
-                  </a:lnTo>
-                  <a:lnTo>
-                    <a:pt x="8" y="208"/>
-                  </a:lnTo>
-                  <a:lnTo>
-                    <a:pt x="8" y="208"/>
-                  </a:lnTo>
-                  <a:lnTo>
-                    <a:pt x="2" y="216"/>
-                  </a:lnTo>
-                  <a:lnTo>
-                    <a:pt x="0" y="228"/>
-                  </a:lnTo>
-                  <a:lnTo>
-                    <a:pt x="0" y="228"/>
-                  </a:lnTo>
-                  <a:lnTo>
-                    <a:pt x="2" y="238"/>
-                  </a:lnTo>
-                  <a:lnTo>
-                    <a:pt x="8" y="248"/>
-                  </a:lnTo>
-                  <a:lnTo>
-                    <a:pt x="18" y="254"/>
-                  </a:lnTo>
-                  <a:lnTo>
-                    <a:pt x="28" y="256"/>
-                  </a:lnTo>
-                  <a:lnTo>
-                    <a:pt x="28" y="256"/>
-                  </a:lnTo>
-                  <a:lnTo>
-                    <a:pt x="40" y="254"/>
-                  </a:lnTo>
-                  <a:lnTo>
-                    <a:pt x="48" y="248"/>
-                  </a:lnTo>
-                  <a:lnTo>
-                    <a:pt x="48" y="248"/>
-                  </a:lnTo>
-                  <a:lnTo>
-                    <a:pt x="116" y="180"/>
-                  </a:lnTo>
-                  <a:lnTo>
-                    <a:pt x="116" y="180"/>
-                  </a:lnTo>
-                  <a:lnTo>
-                    <a:pt x="126" y="186"/>
-                  </a:lnTo>
-                  <a:lnTo>
-                    <a:pt x="136" y="190"/>
-                  </a:lnTo>
-                  <a:lnTo>
-                    <a:pt x="148" y="192"/>
-                  </a:lnTo>
-                  <a:lnTo>
-                    <a:pt x="160" y="192"/>
-                  </a:lnTo>
-                  <a:lnTo>
-                    <a:pt x="160" y="192"/>
-                  </a:lnTo>
-                  <a:lnTo>
-                    <a:pt x="180" y="190"/>
-                  </a:lnTo>
-                  <a:lnTo>
-                    <a:pt x="198" y="184"/>
-                  </a:lnTo>
-                  <a:lnTo>
-                    <a:pt x="214" y="176"/>
-                  </a:lnTo>
-                  <a:lnTo>
-                    <a:pt x="228" y="164"/>
-                  </a:lnTo>
-                  <a:lnTo>
-                    <a:pt x="240" y="150"/>
-                  </a:lnTo>
-                  <a:lnTo>
-                    <a:pt x="248" y="134"/>
-                  </a:lnTo>
-                  <a:lnTo>
-                    <a:pt x="254" y="116"/>
-                  </a:lnTo>
-                  <a:lnTo>
-                    <a:pt x="256" y="96"/>
-                  </a:lnTo>
-                  <a:lnTo>
-                    <a:pt x="256" y="96"/>
-                  </a:lnTo>
-                  <a:lnTo>
-                    <a:pt x="254" y="76"/>
-                  </a:lnTo>
-                  <a:lnTo>
-                    <a:pt x="248" y="58"/>
-                  </a:lnTo>
-                  <a:lnTo>
-                    <a:pt x="240" y="42"/>
-                  </a:lnTo>
-                  <a:lnTo>
-                    <a:pt x="228" y="28"/>
-                  </a:lnTo>
-                  <a:lnTo>
-                    <a:pt x="214" y="16"/>
-                  </a:lnTo>
-                  <a:lnTo>
-                    <a:pt x="198" y="8"/>
-                  </a:lnTo>
-                  <a:lnTo>
-                    <a:pt x="180" y="2"/>
-                  </a:lnTo>
-                  <a:lnTo>
-                    <a:pt x="160" y="0"/>
-                  </a:lnTo>
-                  <a:close/>
-                  <a:moveTo>
-                    <a:pt x="38" y="238"/>
-                  </a:moveTo>
-                  <a:lnTo>
-                    <a:pt x="38" y="238"/>
-                  </a:lnTo>
-                  <a:lnTo>
-                    <a:pt x="34" y="240"/>
-                  </a:lnTo>
-                  <a:lnTo>
-                    <a:pt x="28" y="242"/>
-                  </a:lnTo>
-                  <a:lnTo>
-                    <a:pt x="28" y="242"/>
-                  </a:lnTo>
-                  <a:lnTo>
-                    <a:pt x="22" y="240"/>
-                  </a:lnTo>
-                  <a:lnTo>
-                    <a:pt x="18" y="238"/>
-                  </a:lnTo>
-                  <a:lnTo>
-                    <a:pt x="16" y="234"/>
-                  </a:lnTo>
-                  <a:lnTo>
-                    <a:pt x="14" y="228"/>
-                  </a:lnTo>
-                  <a:lnTo>
-                    <a:pt x="14" y="228"/>
-                  </a:lnTo>
-                  <a:lnTo>
-                    <a:pt x="16" y="222"/>
-                  </a:lnTo>
-                  <a:lnTo>
-                    <a:pt x="18" y="218"/>
-                  </a:lnTo>
-                  <a:lnTo>
-                    <a:pt x="18" y="218"/>
-                  </a:lnTo>
-                  <a:lnTo>
-                    <a:pt x="82" y="154"/>
-                  </a:lnTo>
-                  <a:lnTo>
-                    <a:pt x="82" y="154"/>
-                  </a:lnTo>
-                  <a:lnTo>
-                    <a:pt x="92" y="164"/>
-                  </a:lnTo>
-                  <a:lnTo>
-                    <a:pt x="102" y="174"/>
-                  </a:lnTo>
-                  <a:lnTo>
-                    <a:pt x="38" y="238"/>
-                  </a:lnTo>
-                  <a:close/>
-                  <a:moveTo>
-                    <a:pt x="160" y="176"/>
-                  </a:moveTo>
-                  <a:lnTo>
-                    <a:pt x="160" y="176"/>
-                  </a:lnTo>
-                  <a:lnTo>
-                    <a:pt x="144" y="174"/>
-                  </a:lnTo>
-                  <a:lnTo>
-                    <a:pt x="128" y="170"/>
-                  </a:lnTo>
-                  <a:lnTo>
-                    <a:pt x="116" y="162"/>
-                  </a:lnTo>
-                  <a:lnTo>
-                    <a:pt x="104" y="152"/>
-                  </a:lnTo>
-                  <a:lnTo>
-                    <a:pt x="94" y="140"/>
-                  </a:lnTo>
-                  <a:lnTo>
-                    <a:pt x="86" y="128"/>
-                  </a:lnTo>
-                  <a:lnTo>
-                    <a:pt x="82" y="112"/>
-                  </a:lnTo>
-                  <a:lnTo>
-                    <a:pt x="80" y="96"/>
-                  </a:lnTo>
-                  <a:lnTo>
-                    <a:pt x="80" y="96"/>
-                  </a:lnTo>
-                  <a:lnTo>
-                    <a:pt x="82" y="80"/>
-                  </a:lnTo>
-                  <a:lnTo>
-                    <a:pt x="86" y="64"/>
-                  </a:lnTo>
-                  <a:lnTo>
-                    <a:pt x="94" y="52"/>
-                  </a:lnTo>
-                  <a:lnTo>
-                    <a:pt x="104" y="40"/>
-                  </a:lnTo>
-                  <a:lnTo>
-                    <a:pt x="116" y="30"/>
-                  </a:lnTo>
-                  <a:lnTo>
-                    <a:pt x="128" y="22"/>
-                  </a:lnTo>
-                  <a:lnTo>
-                    <a:pt x="144" y="18"/>
-                  </a:lnTo>
-                  <a:lnTo>
-                    <a:pt x="160" y="16"/>
-                  </a:lnTo>
-                  <a:lnTo>
-                    <a:pt x="160" y="16"/>
-                  </a:lnTo>
-                  <a:lnTo>
-                    <a:pt x="176" y="18"/>
-                  </a:lnTo>
-                  <a:lnTo>
-                    <a:pt x="192" y="22"/>
-                  </a:lnTo>
-                  <a:lnTo>
-                    <a:pt x="204" y="30"/>
-                  </a:lnTo>
-                  <a:lnTo>
-                    <a:pt x="216" y="40"/>
-                  </a:lnTo>
-                  <a:lnTo>
-                    <a:pt x="226" y="52"/>
-                  </a:lnTo>
-                  <a:lnTo>
-                    <a:pt x="234" y="64"/>
-                  </a:lnTo>
-                  <a:lnTo>
-                    <a:pt x="238" y="80"/>
-                  </a:lnTo>
-                  <a:lnTo>
-                    <a:pt x="240" y="96"/>
-                  </a:lnTo>
-                  <a:lnTo>
-                    <a:pt x="240" y="96"/>
-                  </a:lnTo>
-                  <a:lnTo>
-                    <a:pt x="238" y="112"/>
-                  </a:lnTo>
-                  <a:lnTo>
-                    <a:pt x="234" y="128"/>
-                  </a:lnTo>
-                  <a:lnTo>
-                    <a:pt x="226" y="140"/>
-                  </a:lnTo>
-                  <a:lnTo>
-                    <a:pt x="216" y="152"/>
-                  </a:lnTo>
-                  <a:lnTo>
-                    <a:pt x="204" y="162"/>
-                  </a:lnTo>
-                  <a:lnTo>
-                    <a:pt x="192" y="170"/>
-                  </a:lnTo>
-                  <a:lnTo>
-                    <a:pt x="176" y="174"/>
-                  </a:lnTo>
-                  <a:lnTo>
-                    <a:pt x="160" y="176"/>
-                  </a:lnTo>
-                  <a:close/>
-                </a:path>
-              </a:pathLst>
-            </a:custGeom>
-            <a:grpFill/>
-            <a:ln w="9525">
-              <a:noFill/>
-              <a:round/>
-            </a:ln>
-          </p:spPr>
-          <p:txBody>
-            <a:bodyPr vert="horz" wrap="square" lIns="121888" tIns="60944" rIns="121888" bIns="60944" numCol="1" anchor="t" anchorCtr="0" compatLnSpc="1"/>
-            <a:lstStyle/>
-            <a:p>
-              <a:pPr defTabSz="1172210"/>
-              <a:endParaRPr lang="ar-SA" sz="3065">
-                <a:solidFill>
-                  <a:prstClr val="black"/>
-                </a:solidFill>
-                <a:latin typeface="Open Sans"/>
-              </a:endParaRPr>
-            </a:p>
-          </p:txBody>
-        </p:sp>
-        <p:sp>
-          <p:nvSpPr>
-            <p:cNvPr id="15" name="Freeform 119"/>
-            <p:cNvSpPr/>
-            <p:nvPr/>
-          </p:nvSpPr>
-          <p:spPr bwMode="auto">
-            <a:xfrm>
-              <a:off x="4940300" y="2025650"/>
-              <a:ext cx="95250" cy="95250"/>
-            </a:xfrm>
-            <a:custGeom>
-              <a:avLst/>
-              <a:gdLst/>
-              <a:ahLst/>
-              <a:cxnLst>
-                <a:cxn ang="0">
-                  <a:pos x="56" y="0"/>
-                </a:cxn>
-                <a:cxn ang="0">
-                  <a:pos x="56" y="0"/>
-                </a:cxn>
-                <a:cxn ang="0">
-                  <a:pos x="44" y="2"/>
-                </a:cxn>
-                <a:cxn ang="0">
-                  <a:pos x="34" y="4"/>
-                </a:cxn>
-                <a:cxn ang="0">
-                  <a:pos x="24" y="10"/>
-                </a:cxn>
-                <a:cxn ang="0">
-                  <a:pos x="16" y="16"/>
-                </a:cxn>
-                <a:cxn ang="0">
-                  <a:pos x="10" y="24"/>
-                </a:cxn>
-                <a:cxn ang="0">
-                  <a:pos x="4" y="34"/>
-                </a:cxn>
-                <a:cxn ang="0">
-                  <a:pos x="2" y="44"/>
-                </a:cxn>
-                <a:cxn ang="0">
-                  <a:pos x="0" y="56"/>
-                </a:cxn>
-                <a:cxn ang="0">
-                  <a:pos x="0" y="56"/>
-                </a:cxn>
-                <a:cxn ang="0">
-                  <a:pos x="2" y="58"/>
-                </a:cxn>
-                <a:cxn ang="0">
-                  <a:pos x="4" y="60"/>
-                </a:cxn>
-                <a:cxn ang="0">
-                  <a:pos x="4" y="60"/>
-                </a:cxn>
-                <a:cxn ang="0">
-                  <a:pos x="6" y="58"/>
-                </a:cxn>
-                <a:cxn ang="0">
-                  <a:pos x="8" y="56"/>
-                </a:cxn>
-                <a:cxn ang="0">
-                  <a:pos x="8" y="56"/>
-                </a:cxn>
-                <a:cxn ang="0">
-                  <a:pos x="8" y="46"/>
-                </a:cxn>
-                <a:cxn ang="0">
-                  <a:pos x="12" y="38"/>
-                </a:cxn>
-                <a:cxn ang="0">
-                  <a:pos x="16" y="30"/>
-                </a:cxn>
-                <a:cxn ang="0">
-                  <a:pos x="22" y="22"/>
-                </a:cxn>
-                <a:cxn ang="0">
-                  <a:pos x="30" y="16"/>
-                </a:cxn>
-                <a:cxn ang="0">
-                  <a:pos x="38" y="12"/>
-                </a:cxn>
-                <a:cxn ang="0">
-                  <a:pos x="46" y="8"/>
-                </a:cxn>
-                <a:cxn ang="0">
-                  <a:pos x="56" y="8"/>
-                </a:cxn>
-                <a:cxn ang="0">
-                  <a:pos x="56" y="8"/>
-                </a:cxn>
-                <a:cxn ang="0">
-                  <a:pos x="58" y="6"/>
-                </a:cxn>
-                <a:cxn ang="0">
-                  <a:pos x="60" y="4"/>
-                </a:cxn>
-                <a:cxn ang="0">
-                  <a:pos x="60" y="4"/>
-                </a:cxn>
-                <a:cxn ang="0">
-                  <a:pos x="58" y="2"/>
-                </a:cxn>
-                <a:cxn ang="0">
-                  <a:pos x="56" y="0"/>
-                </a:cxn>
-              </a:cxnLst>
-              <a:rect l="0" t="0" r="r" b="b"/>
-              <a:pathLst>
-                <a:path w="60" h="60">
-                  <a:moveTo>
-                    <a:pt x="56" y="0"/>
-                  </a:moveTo>
-                  <a:lnTo>
-                    <a:pt x="56" y="0"/>
-                  </a:lnTo>
-                  <a:lnTo>
-                    <a:pt x="44" y="2"/>
-                  </a:lnTo>
-                  <a:lnTo>
-                    <a:pt x="34" y="4"/>
-                  </a:lnTo>
-                  <a:lnTo>
-                    <a:pt x="24" y="10"/>
-                  </a:lnTo>
-                  <a:lnTo>
-                    <a:pt x="16" y="16"/>
-                  </a:lnTo>
-                  <a:lnTo>
-                    <a:pt x="10" y="24"/>
-                  </a:lnTo>
-                  <a:lnTo>
-                    <a:pt x="4" y="34"/>
-                  </a:lnTo>
-                  <a:lnTo>
-                    <a:pt x="2" y="44"/>
-                  </a:lnTo>
-                  <a:lnTo>
-                    <a:pt x="0" y="56"/>
-                  </a:lnTo>
-                  <a:lnTo>
-                    <a:pt x="0" y="56"/>
-                  </a:lnTo>
-                  <a:lnTo>
-                    <a:pt x="2" y="58"/>
-                  </a:lnTo>
-                  <a:lnTo>
-                    <a:pt x="4" y="60"/>
-                  </a:lnTo>
-                  <a:lnTo>
-                    <a:pt x="4" y="60"/>
-                  </a:lnTo>
-                  <a:lnTo>
-                    <a:pt x="6" y="58"/>
-                  </a:lnTo>
-                  <a:lnTo>
-                    <a:pt x="8" y="56"/>
-                  </a:lnTo>
-                  <a:lnTo>
-                    <a:pt x="8" y="56"/>
-                  </a:lnTo>
-                  <a:lnTo>
-                    <a:pt x="8" y="46"/>
-                  </a:lnTo>
-                  <a:lnTo>
-                    <a:pt x="12" y="38"/>
-                  </a:lnTo>
-                  <a:lnTo>
-                    <a:pt x="16" y="30"/>
-                  </a:lnTo>
-                  <a:lnTo>
-                    <a:pt x="22" y="22"/>
-                  </a:lnTo>
-                  <a:lnTo>
-                    <a:pt x="30" y="16"/>
-                  </a:lnTo>
-                  <a:lnTo>
-                    <a:pt x="38" y="12"/>
-                  </a:lnTo>
-                  <a:lnTo>
-                    <a:pt x="46" y="8"/>
-                  </a:lnTo>
-                  <a:lnTo>
-                    <a:pt x="56" y="8"/>
-                  </a:lnTo>
-                  <a:lnTo>
-                    <a:pt x="56" y="8"/>
-                  </a:lnTo>
-                  <a:lnTo>
-                    <a:pt x="58" y="6"/>
-                  </a:lnTo>
-                  <a:lnTo>
-                    <a:pt x="60" y="4"/>
-                  </a:lnTo>
-                  <a:lnTo>
-                    <a:pt x="60" y="4"/>
-                  </a:lnTo>
-                  <a:lnTo>
-                    <a:pt x="58" y="2"/>
-                  </a:lnTo>
-                  <a:lnTo>
-                    <a:pt x="56" y="0"/>
-                  </a:lnTo>
-                  <a:close/>
-                </a:path>
-              </a:pathLst>
-            </a:custGeom>
-            <a:grpFill/>
-            <a:ln w="9525">
-              <a:noFill/>
-              <a:round/>
-            </a:ln>
-          </p:spPr>
-          <p:txBody>
-            <a:bodyPr vert="horz" wrap="square" lIns="121888" tIns="60944" rIns="121888" bIns="60944" numCol="1" anchor="t" anchorCtr="0" compatLnSpc="1"/>
-            <a:lstStyle/>
-            <a:p>
-              <a:pPr defTabSz="1172210"/>
-              <a:endParaRPr lang="ar-SA" sz="3065">
-                <a:solidFill>
-                  <a:prstClr val="black"/>
-                </a:solidFill>
-                <a:latin typeface="Open Sans"/>
-              </a:endParaRPr>
-            </a:p>
-          </p:txBody>
-        </p:sp>
-        <p:sp>
-          <p:nvSpPr>
-            <p:cNvPr id="16" name="Freeform 120"/>
-            <p:cNvSpPr/>
-            <p:nvPr/>
-          </p:nvSpPr>
-          <p:spPr bwMode="auto">
-            <a:xfrm>
-              <a:off x="4940300" y="2025650"/>
-              <a:ext cx="95250" cy="95250"/>
-            </a:xfrm>
-            <a:custGeom>
-              <a:avLst/>
-              <a:gdLst/>
-              <a:ahLst/>
-              <a:cxnLst>
-                <a:cxn ang="0">
-                  <a:pos x="56" y="0"/>
-                </a:cxn>
-                <a:cxn ang="0">
-                  <a:pos x="56" y="0"/>
-                </a:cxn>
-                <a:cxn ang="0">
-                  <a:pos x="44" y="2"/>
-                </a:cxn>
-                <a:cxn ang="0">
-                  <a:pos x="34" y="4"/>
-                </a:cxn>
-                <a:cxn ang="0">
-                  <a:pos x="24" y="10"/>
-                </a:cxn>
-                <a:cxn ang="0">
-                  <a:pos x="16" y="16"/>
-                </a:cxn>
-                <a:cxn ang="0">
-                  <a:pos x="10" y="24"/>
-                </a:cxn>
-                <a:cxn ang="0">
-                  <a:pos x="4" y="34"/>
-                </a:cxn>
-                <a:cxn ang="0">
-                  <a:pos x="2" y="44"/>
-                </a:cxn>
-                <a:cxn ang="0">
-                  <a:pos x="0" y="56"/>
-                </a:cxn>
-                <a:cxn ang="0">
-                  <a:pos x="0" y="56"/>
-                </a:cxn>
-                <a:cxn ang="0">
-                  <a:pos x="2" y="58"/>
-                </a:cxn>
-                <a:cxn ang="0">
-                  <a:pos x="4" y="60"/>
-                </a:cxn>
-                <a:cxn ang="0">
-                  <a:pos x="4" y="60"/>
-                </a:cxn>
-                <a:cxn ang="0">
-                  <a:pos x="6" y="58"/>
-                </a:cxn>
-                <a:cxn ang="0">
-                  <a:pos x="8" y="56"/>
-                </a:cxn>
-                <a:cxn ang="0">
-                  <a:pos x="8" y="56"/>
-                </a:cxn>
-                <a:cxn ang="0">
-                  <a:pos x="8" y="46"/>
-                </a:cxn>
-                <a:cxn ang="0">
-                  <a:pos x="12" y="38"/>
-                </a:cxn>
-                <a:cxn ang="0">
-                  <a:pos x="16" y="30"/>
-                </a:cxn>
-                <a:cxn ang="0">
-                  <a:pos x="22" y="22"/>
-                </a:cxn>
-                <a:cxn ang="0">
-                  <a:pos x="30" y="16"/>
-                </a:cxn>
-                <a:cxn ang="0">
-                  <a:pos x="38" y="12"/>
-                </a:cxn>
-                <a:cxn ang="0">
-                  <a:pos x="46" y="8"/>
-                </a:cxn>
-                <a:cxn ang="0">
-                  <a:pos x="56" y="8"/>
-                </a:cxn>
-                <a:cxn ang="0">
-                  <a:pos x="56" y="8"/>
-                </a:cxn>
-                <a:cxn ang="0">
-                  <a:pos x="58" y="6"/>
-                </a:cxn>
-                <a:cxn ang="0">
-                  <a:pos x="60" y="4"/>
-                </a:cxn>
-                <a:cxn ang="0">
-                  <a:pos x="60" y="4"/>
-                </a:cxn>
-                <a:cxn ang="0">
-                  <a:pos x="58" y="2"/>
-                </a:cxn>
-                <a:cxn ang="0">
-                  <a:pos x="56" y="0"/>
-                </a:cxn>
-              </a:cxnLst>
-              <a:rect l="0" t="0" r="r" b="b"/>
-              <a:pathLst>
-                <a:path w="60" h="60">
-                  <a:moveTo>
-                    <a:pt x="56" y="0"/>
-                  </a:moveTo>
-                  <a:lnTo>
-                    <a:pt x="56" y="0"/>
-                  </a:lnTo>
-                  <a:lnTo>
-                    <a:pt x="44" y="2"/>
-                  </a:lnTo>
-                  <a:lnTo>
-                    <a:pt x="34" y="4"/>
-                  </a:lnTo>
-                  <a:lnTo>
-                    <a:pt x="24" y="10"/>
-                  </a:lnTo>
-                  <a:lnTo>
-                    <a:pt x="16" y="16"/>
-                  </a:lnTo>
-                  <a:lnTo>
-                    <a:pt x="10" y="24"/>
-                  </a:lnTo>
-                  <a:lnTo>
-                    <a:pt x="4" y="34"/>
-                  </a:lnTo>
-                  <a:lnTo>
-                    <a:pt x="2" y="44"/>
-                  </a:lnTo>
-                  <a:lnTo>
-                    <a:pt x="0" y="56"/>
-                  </a:lnTo>
-                  <a:lnTo>
-                    <a:pt x="0" y="56"/>
-                  </a:lnTo>
-                  <a:lnTo>
-                    <a:pt x="2" y="58"/>
-                  </a:lnTo>
-                  <a:lnTo>
-                    <a:pt x="4" y="60"/>
-                  </a:lnTo>
-                  <a:lnTo>
-                    <a:pt x="4" y="60"/>
-                  </a:lnTo>
-                  <a:lnTo>
-                    <a:pt x="6" y="58"/>
-                  </a:lnTo>
-                  <a:lnTo>
-                    <a:pt x="8" y="56"/>
-                  </a:lnTo>
-                  <a:lnTo>
-                    <a:pt x="8" y="56"/>
-                  </a:lnTo>
-                  <a:lnTo>
-                    <a:pt x="8" y="46"/>
-                  </a:lnTo>
-                  <a:lnTo>
-                    <a:pt x="12" y="38"/>
-                  </a:lnTo>
-                  <a:lnTo>
-                    <a:pt x="16" y="30"/>
-                  </a:lnTo>
-                  <a:lnTo>
-                    <a:pt x="22" y="22"/>
-                  </a:lnTo>
-                  <a:lnTo>
-                    <a:pt x="30" y="16"/>
-                  </a:lnTo>
-                  <a:lnTo>
-                    <a:pt x="38" y="12"/>
-                  </a:lnTo>
-                  <a:lnTo>
-                    <a:pt x="46" y="8"/>
-                  </a:lnTo>
-                  <a:lnTo>
-                    <a:pt x="56" y="8"/>
-                  </a:lnTo>
-                  <a:lnTo>
-                    <a:pt x="56" y="8"/>
-                  </a:lnTo>
-                  <a:lnTo>
-                    <a:pt x="58" y="6"/>
-                  </a:lnTo>
-                  <a:lnTo>
-                    <a:pt x="60" y="4"/>
-                  </a:lnTo>
-                  <a:lnTo>
-                    <a:pt x="60" y="4"/>
-                  </a:lnTo>
-                  <a:lnTo>
-                    <a:pt x="58" y="2"/>
-                  </a:lnTo>
-                  <a:lnTo>
-                    <a:pt x="56" y="0"/>
-                  </a:lnTo>
-                </a:path>
-              </a:pathLst>
-            </a:custGeom>
-            <a:grpFill/>
-            <a:ln w="9525">
-              <a:noFill/>
-              <a:round/>
-            </a:ln>
-          </p:spPr>
-          <p:txBody>
-            <a:bodyPr vert="horz" wrap="square" lIns="121888" tIns="60944" rIns="121888" bIns="60944" numCol="1" anchor="t" anchorCtr="0" compatLnSpc="1"/>
-            <a:lstStyle/>
-            <a:p>
-              <a:pPr defTabSz="1172210"/>
-              <a:endParaRPr lang="ar-SA" sz="3065">
-                <a:solidFill>
-                  <a:prstClr val="black"/>
-                </a:solidFill>
-                <a:latin typeface="Open Sans"/>
-              </a:endParaRPr>
-            </a:p>
-          </p:txBody>
-        </p:sp>
-      </p:grpSp>
-      <p:sp>
-        <p:nvSpPr>
-          <p:cNvPr id="27" name="椭圆 26"/>
-          <p:cNvSpPr/>
-          <p:nvPr/>
-        </p:nvSpPr>
-        <p:spPr>
-          <a:xfrm>
-            <a:off x="1390650" y="4181629"/>
-            <a:ext cx="685800" cy="685800"/>
-          </a:xfrm>
-          <a:prstGeom prst="ellipse">
-            <a:avLst/>
-          </a:prstGeom>
-          <a:solidFill>
-            <a:srgbClr val="C00000"/>
-          </a:solidFill>
-          <a:ln>
-            <a:noFill/>
-          </a:ln>
-        </p:spPr>
-        <p:style>
-          <a:lnRef idx="2">
-            <a:schemeClr val="accent1">
-              <a:shade val="50000"/>
-            </a:schemeClr>
-          </a:lnRef>
-          <a:fillRef idx="1">
-            <a:schemeClr val="accent1"/>
-          </a:fillRef>
-          <a:effectRef idx="0">
-            <a:schemeClr val="accent1"/>
-          </a:effectRef>
-          <a:fontRef idx="minor">
-            <a:schemeClr val="lt1"/>
-          </a:fontRef>
-        </p:style>
-        <p:txBody>
-          <a:bodyPr rtlCol="0" anchor="ctr"/>
-          <a:lstStyle/>
-          <a:p>
-            <a:pPr algn="ctr"/>
-            <a:endParaRPr lang="zh-CN" altLang="en-US"/>
-          </a:p>
-        </p:txBody>
-      </p:sp>
       <p:grpSp>
         <p:nvGrpSpPr>
           <p:cNvPr id="29" name="组合 28"/>
@@ -14594,7 +12815,7 @@
         </p:nvGrpSpPr>
         <p:grpSpPr>
           <a:xfrm>
-            <a:off x="2247503" y="3975544"/>
+            <a:off x="2076688" y="648779"/>
             <a:ext cx="3499485" cy="1010530"/>
             <a:chOff x="849087" y="4237193"/>
             <a:chExt cx="3499485" cy="1010530"/>
@@ -14629,12 +12850,13 @@
                   </a:solidFill>
                   <a:sym typeface="+mn-ea"/>
                 </a:rPr>
-                <a:t>对交易流程及其编码实现不熟练</a:t>
+                <a:t>思维模式转变不及时</a:t>
               </a:r>
               <a:endParaRPr lang="zh-CN" altLang="en-US" dirty="0">
                 <a:solidFill>
                   <a:schemeClr val="bg1"/>
                 </a:solidFill>
+                <a:sym typeface="+mn-ea"/>
               </a:endParaRPr>
             </a:p>
           </p:txBody>
@@ -14673,47 +12895,7 @@
                   </a:solidFill>
                   <a:sym typeface="+mn-ea"/>
                 </a:rPr>
-                <a:t>导致在进行实验时效率偏低，过于依赖</a:t>
-              </a:r>
-              <a:endParaRPr lang="zh-CN" altLang="en-US" sz="1400" dirty="0">
-                <a:solidFill>
-                  <a:schemeClr val="bg1"/>
-                </a:solidFill>
-                <a:sym typeface="+mn-ea"/>
-              </a:endParaRPr>
-            </a:p>
-            <a:p>
-              <a:pPr>
-                <a:lnSpc>
-                  <a:spcPct val="125000"/>
-                </a:lnSpc>
-              </a:pPr>
-              <a:r>
-                <a:rPr lang="zh-CN" altLang="en-US" sz="1400" dirty="0">
-                  <a:solidFill>
-                    <a:schemeClr val="bg1"/>
-                  </a:solidFill>
-                  <a:sym typeface="+mn-ea"/>
-                </a:rPr>
-                <a:t>已有</a:t>
-              </a:r>
-              <a:r>
-                <a:rPr lang="en-US" altLang="zh-CN" sz="1400" dirty="0">
-                  <a:solidFill>
-                    <a:schemeClr val="bg1"/>
-                  </a:solidFill>
-                  <a:sym typeface="+mn-ea"/>
-                </a:rPr>
-                <a:t>demo</a:t>
-              </a:r>
-              <a:r>
-                <a:rPr lang="zh-CN" altLang="en-US" sz="1400" dirty="0">
-                  <a:solidFill>
-                    <a:schemeClr val="bg1"/>
-                  </a:solidFill>
-                  <a:sym typeface="+mn-ea"/>
-                </a:rPr>
-                <a:t>和前辈帮助</a:t>
+                <a:t>未能很好地从中心化的普通网络式思维切换到去中心化的区块链式思维</a:t>
               </a:r>
               <a:endParaRPr lang="zh-CN" altLang="en-US" sz="1400" dirty="0">
                 <a:solidFill>
@@ -14733,7 +12915,7 @@
         </p:nvGrpSpPr>
         <p:grpSpPr>
           <a:xfrm>
-            <a:off x="1592724" y="4319692"/>
+            <a:off x="1421909" y="992927"/>
             <a:ext cx="281651" cy="409674"/>
             <a:chOff x="4838700" y="2774950"/>
             <a:chExt cx="279400" cy="406400"/>
@@ -15507,6 +13689,3540 @@
             <p:cNvPr id="12" name="Freeform 67"/>
             <p:cNvSpPr/>
             <p:nvPr/>
+          </p:nvSpPr>
+          <p:spPr bwMode="auto">
+            <a:xfrm>
+              <a:off x="4902200" y="2838450"/>
+              <a:ext cx="82550" cy="82550"/>
+            </a:xfrm>
+            <a:custGeom>
+              <a:avLst/>
+              <a:gdLst/>
+              <a:ahLst/>
+              <a:cxnLst>
+                <a:cxn ang="0">
+                  <a:pos x="48" y="0"/>
+                </a:cxn>
+                <a:cxn ang="0">
+                  <a:pos x="48" y="0"/>
+                </a:cxn>
+                <a:cxn ang="0">
+                  <a:pos x="38" y="0"/>
+                </a:cxn>
+                <a:cxn ang="0">
+                  <a:pos x="30" y="4"/>
+                </a:cxn>
+                <a:cxn ang="0">
+                  <a:pos x="22" y="8"/>
+                </a:cxn>
+                <a:cxn ang="0">
+                  <a:pos x="14" y="14"/>
+                </a:cxn>
+                <a:cxn ang="0">
+                  <a:pos x="8" y="22"/>
+                </a:cxn>
+                <a:cxn ang="0">
+                  <a:pos x="4" y="30"/>
+                </a:cxn>
+                <a:cxn ang="0">
+                  <a:pos x="0" y="38"/>
+                </a:cxn>
+                <a:cxn ang="0">
+                  <a:pos x="0" y="48"/>
+                </a:cxn>
+                <a:cxn ang="0">
+                  <a:pos x="0" y="48"/>
+                </a:cxn>
+                <a:cxn ang="0">
+                  <a:pos x="2" y="50"/>
+                </a:cxn>
+                <a:cxn ang="0">
+                  <a:pos x="4" y="52"/>
+                </a:cxn>
+                <a:cxn ang="0">
+                  <a:pos x="4" y="52"/>
+                </a:cxn>
+                <a:cxn ang="0">
+                  <a:pos x="6" y="50"/>
+                </a:cxn>
+                <a:cxn ang="0">
+                  <a:pos x="8" y="48"/>
+                </a:cxn>
+                <a:cxn ang="0">
+                  <a:pos x="8" y="48"/>
+                </a:cxn>
+                <a:cxn ang="0">
+                  <a:pos x="8" y="40"/>
+                </a:cxn>
+                <a:cxn ang="0">
+                  <a:pos x="12" y="32"/>
+                </a:cxn>
+                <a:cxn ang="0">
+                  <a:pos x="14" y="26"/>
+                </a:cxn>
+                <a:cxn ang="0">
+                  <a:pos x="20" y="20"/>
+                </a:cxn>
+                <a:cxn ang="0">
+                  <a:pos x="26" y="14"/>
+                </a:cxn>
+                <a:cxn ang="0">
+                  <a:pos x="32" y="12"/>
+                </a:cxn>
+                <a:cxn ang="0">
+                  <a:pos x="40" y="8"/>
+                </a:cxn>
+                <a:cxn ang="0">
+                  <a:pos x="48" y="8"/>
+                </a:cxn>
+                <a:cxn ang="0">
+                  <a:pos x="48" y="8"/>
+                </a:cxn>
+                <a:cxn ang="0">
+                  <a:pos x="50" y="6"/>
+                </a:cxn>
+                <a:cxn ang="0">
+                  <a:pos x="52" y="4"/>
+                </a:cxn>
+                <a:cxn ang="0">
+                  <a:pos x="52" y="4"/>
+                </a:cxn>
+                <a:cxn ang="0">
+                  <a:pos x="50" y="2"/>
+                </a:cxn>
+                <a:cxn ang="0">
+                  <a:pos x="48" y="0"/>
+                </a:cxn>
+              </a:cxnLst>
+              <a:rect l="0" t="0" r="r" b="b"/>
+              <a:pathLst>
+                <a:path w="52" h="52">
+                  <a:moveTo>
+                    <a:pt x="48" y="0"/>
+                  </a:moveTo>
+                  <a:lnTo>
+                    <a:pt x="48" y="0"/>
+                  </a:lnTo>
+                  <a:lnTo>
+                    <a:pt x="38" y="0"/>
+                  </a:lnTo>
+                  <a:lnTo>
+                    <a:pt x="30" y="4"/>
+                  </a:lnTo>
+                  <a:lnTo>
+                    <a:pt x="22" y="8"/>
+                  </a:lnTo>
+                  <a:lnTo>
+                    <a:pt x="14" y="14"/>
+                  </a:lnTo>
+                  <a:lnTo>
+                    <a:pt x="8" y="22"/>
+                  </a:lnTo>
+                  <a:lnTo>
+                    <a:pt x="4" y="30"/>
+                  </a:lnTo>
+                  <a:lnTo>
+                    <a:pt x="0" y="38"/>
+                  </a:lnTo>
+                  <a:lnTo>
+                    <a:pt x="0" y="48"/>
+                  </a:lnTo>
+                  <a:lnTo>
+                    <a:pt x="0" y="48"/>
+                  </a:lnTo>
+                  <a:lnTo>
+                    <a:pt x="2" y="50"/>
+                  </a:lnTo>
+                  <a:lnTo>
+                    <a:pt x="4" y="52"/>
+                  </a:lnTo>
+                  <a:lnTo>
+                    <a:pt x="4" y="52"/>
+                  </a:lnTo>
+                  <a:lnTo>
+                    <a:pt x="6" y="50"/>
+                  </a:lnTo>
+                  <a:lnTo>
+                    <a:pt x="8" y="48"/>
+                  </a:lnTo>
+                  <a:lnTo>
+                    <a:pt x="8" y="48"/>
+                  </a:lnTo>
+                  <a:lnTo>
+                    <a:pt x="8" y="40"/>
+                  </a:lnTo>
+                  <a:lnTo>
+                    <a:pt x="12" y="32"/>
+                  </a:lnTo>
+                  <a:lnTo>
+                    <a:pt x="14" y="26"/>
+                  </a:lnTo>
+                  <a:lnTo>
+                    <a:pt x="20" y="20"/>
+                  </a:lnTo>
+                  <a:lnTo>
+                    <a:pt x="26" y="14"/>
+                  </a:lnTo>
+                  <a:lnTo>
+                    <a:pt x="32" y="12"/>
+                  </a:lnTo>
+                  <a:lnTo>
+                    <a:pt x="40" y="8"/>
+                  </a:lnTo>
+                  <a:lnTo>
+                    <a:pt x="48" y="8"/>
+                  </a:lnTo>
+                  <a:lnTo>
+                    <a:pt x="48" y="8"/>
+                  </a:lnTo>
+                  <a:lnTo>
+                    <a:pt x="50" y="6"/>
+                  </a:lnTo>
+                  <a:lnTo>
+                    <a:pt x="52" y="4"/>
+                  </a:lnTo>
+                  <a:lnTo>
+                    <a:pt x="52" y="4"/>
+                  </a:lnTo>
+                  <a:lnTo>
+                    <a:pt x="50" y="2"/>
+                  </a:lnTo>
+                  <a:lnTo>
+                    <a:pt x="48" y="0"/>
+                  </a:lnTo>
+                </a:path>
+              </a:pathLst>
+            </a:custGeom>
+            <a:grpFill/>
+            <a:ln w="9525">
+              <a:noFill/>
+              <a:round/>
+            </a:ln>
+          </p:spPr>
+          <p:txBody>
+            <a:bodyPr vert="horz" wrap="square" lIns="121888" tIns="60944" rIns="121888" bIns="60944" numCol="1" anchor="t" anchorCtr="0" compatLnSpc="1"/>
+            <a:lstStyle/>
+            <a:p>
+              <a:pPr defTabSz="1172210"/>
+              <a:endParaRPr lang="ar-SA" sz="3065">
+                <a:solidFill>
+                  <a:prstClr val="black"/>
+                </a:solidFill>
+                <a:latin typeface="Open Sans"/>
+              </a:endParaRPr>
+            </a:p>
+          </p:txBody>
+        </p:sp>
+      </p:grpSp>
+      <p:sp>
+        <p:nvSpPr>
+          <p:cNvPr id="34" name="椭圆 33"/>
+          <p:cNvSpPr/>
+          <p:nvPr>
+            <p:custDataLst>
+              <p:tags r:id="rId3"/>
+            </p:custDataLst>
+          </p:nvPr>
+        </p:nvSpPr>
+        <p:spPr>
+          <a:xfrm>
+            <a:off x="6793865" y="2401089"/>
+            <a:ext cx="685800" cy="685800"/>
+          </a:xfrm>
+          <a:prstGeom prst="ellipse">
+            <a:avLst/>
+          </a:prstGeom>
+          <a:solidFill>
+            <a:srgbClr val="C00000"/>
+          </a:solidFill>
+          <a:ln>
+            <a:noFill/>
+          </a:ln>
+        </p:spPr>
+        <p:style>
+          <a:lnRef idx="2">
+            <a:schemeClr val="accent1">
+              <a:shade val="50000"/>
+            </a:schemeClr>
+          </a:lnRef>
+          <a:fillRef idx="1">
+            <a:schemeClr val="accent1"/>
+          </a:fillRef>
+          <a:effectRef idx="0">
+            <a:schemeClr val="accent1"/>
+          </a:effectRef>
+          <a:fontRef idx="minor">
+            <a:schemeClr val="lt1"/>
+          </a:fontRef>
+        </p:style>
+        <p:txBody>
+          <a:bodyPr rtlCol="0" anchor="ctr"/>
+          <a:p>
+            <a:pPr algn="ctr"/>
+            <a:endParaRPr lang="zh-CN" altLang="en-US"/>
+          </a:p>
+        </p:txBody>
+      </p:sp>
+      <p:grpSp>
+        <p:nvGrpSpPr>
+          <p:cNvPr id="35" name="组合 34"/>
+          <p:cNvGrpSpPr/>
+          <p:nvPr/>
+        </p:nvGrpSpPr>
+        <p:grpSpPr>
+          <a:xfrm>
+            <a:off x="7650718" y="2195004"/>
+            <a:ext cx="3499485" cy="1279770"/>
+            <a:chOff x="849087" y="4237193"/>
+            <a:chExt cx="3499485" cy="1279770"/>
+          </a:xfrm>
+        </p:grpSpPr>
+        <p:sp>
+          <p:nvSpPr>
+            <p:cNvPr id="36" name="文本框 35"/>
+            <p:cNvSpPr txBox="1"/>
+            <p:nvPr>
+              <p:custDataLst>
+                <p:tags r:id="rId4"/>
+              </p:custDataLst>
+            </p:nvPr>
+          </p:nvSpPr>
+          <p:spPr>
+            <a:xfrm>
+              <a:off x="849087" y="4237193"/>
+              <a:ext cx="3499485" cy="368300"/>
+            </a:xfrm>
+            <a:prstGeom prst="rect">
+              <a:avLst/>
+            </a:prstGeom>
+            <a:noFill/>
+          </p:spPr>
+          <p:txBody>
+            <a:bodyPr wrap="square" rtlCol="0">
+              <a:spAutoFit/>
+            </a:bodyPr>
+            <a:p>
+              <a:r>
+                <a:rPr lang="zh-CN" altLang="en-US" dirty="0">
+                  <a:solidFill>
+                    <a:schemeClr val="bg1"/>
+                  </a:solidFill>
+                  <a:sym typeface="+mn-ea"/>
+                </a:rPr>
+                <a:t>畏难情绪</a:t>
+              </a:r>
+              <a:endParaRPr lang="zh-CN" altLang="en-US" dirty="0">
+                <a:solidFill>
+                  <a:schemeClr val="bg1"/>
+                </a:solidFill>
+                <a:sym typeface="+mn-ea"/>
+              </a:endParaRPr>
+            </a:p>
+          </p:txBody>
+        </p:sp>
+        <p:sp>
+          <p:nvSpPr>
+            <p:cNvPr id="37" name="文本框 36"/>
+            <p:cNvSpPr txBox="1"/>
+            <p:nvPr>
+              <p:custDataLst>
+                <p:tags r:id="rId5"/>
+              </p:custDataLst>
+            </p:nvPr>
+          </p:nvSpPr>
+          <p:spPr>
+            <a:xfrm>
+              <a:off x="849087" y="4617803"/>
+              <a:ext cx="3423954" cy="899160"/>
+            </a:xfrm>
+            <a:prstGeom prst="rect">
+              <a:avLst/>
+            </a:prstGeom>
+            <a:noFill/>
+          </p:spPr>
+          <p:txBody>
+            <a:bodyPr wrap="square" rtlCol="0">
+              <a:spAutoFit/>
+            </a:bodyPr>
+            <a:p>
+              <a:pPr>
+                <a:lnSpc>
+                  <a:spcPct val="125000"/>
+                </a:lnSpc>
+              </a:pPr>
+              <a:r>
+                <a:rPr lang="zh-CN" altLang="en-US" sz="1400" dirty="0">
+                  <a:solidFill>
+                    <a:schemeClr val="bg1"/>
+                  </a:solidFill>
+                  <a:sym typeface="+mn-ea"/>
+                </a:rPr>
+                <a:t>对一些难度较大的工作具有畏难情绪，（例如阅读树状区块链的实现源代码），导致进度不及预期</a:t>
+              </a:r>
+              <a:endParaRPr lang="zh-CN" altLang="en-US" sz="1400" dirty="0">
+                <a:solidFill>
+                  <a:schemeClr val="bg1"/>
+                </a:solidFill>
+                <a:sym typeface="+mn-ea"/>
+              </a:endParaRPr>
+            </a:p>
+          </p:txBody>
+        </p:sp>
+      </p:grpSp>
+      <p:grpSp>
+        <p:nvGrpSpPr>
+          <p:cNvPr id="38" name="Group 34"/>
+          <p:cNvGrpSpPr/>
+          <p:nvPr/>
+        </p:nvGrpSpPr>
+        <p:grpSpPr>
+          <a:xfrm>
+            <a:off x="6995939" y="2539152"/>
+            <a:ext cx="281651" cy="409674"/>
+            <a:chOff x="4838700" y="2774950"/>
+            <a:chExt cx="279400" cy="406400"/>
+          </a:xfrm>
+          <a:solidFill>
+            <a:schemeClr val="bg1"/>
+          </a:solidFill>
+        </p:grpSpPr>
+        <p:sp>
+          <p:nvSpPr>
+            <p:cNvPr id="39" name="Freeform 60"/>
+            <p:cNvSpPr>
+              <a:spLocks noEditPoints="1"/>
+            </p:cNvSpPr>
+            <p:nvPr>
+              <p:custDataLst>
+                <p:tags r:id="rId6"/>
+              </p:custDataLst>
+            </p:nvPr>
+          </p:nvSpPr>
+          <p:spPr bwMode="auto">
+            <a:xfrm>
+              <a:off x="4838700" y="2774950"/>
+              <a:ext cx="279400" cy="406400"/>
+            </a:xfrm>
+            <a:custGeom>
+              <a:avLst/>
+              <a:gdLst/>
+              <a:ahLst/>
+              <a:cxnLst>
+                <a:cxn ang="0">
+                  <a:pos x="88" y="0"/>
+                </a:cxn>
+                <a:cxn ang="0">
+                  <a:pos x="54" y="6"/>
+                </a:cxn>
+                <a:cxn ang="0">
+                  <a:pos x="26" y="26"/>
+                </a:cxn>
+                <a:cxn ang="0">
+                  <a:pos x="6" y="54"/>
+                </a:cxn>
+                <a:cxn ang="0">
+                  <a:pos x="0" y="88"/>
+                </a:cxn>
+                <a:cxn ang="0">
+                  <a:pos x="2" y="100"/>
+                </a:cxn>
+                <a:cxn ang="0">
+                  <a:pos x="16" y="138"/>
+                </a:cxn>
+                <a:cxn ang="0">
+                  <a:pos x="40" y="184"/>
+                </a:cxn>
+                <a:cxn ang="0">
+                  <a:pos x="50" y="214"/>
+                </a:cxn>
+                <a:cxn ang="0">
+                  <a:pos x="62" y="246"/>
+                </a:cxn>
+                <a:cxn ang="0">
+                  <a:pos x="76" y="254"/>
+                </a:cxn>
+                <a:cxn ang="0">
+                  <a:pos x="88" y="256"/>
+                </a:cxn>
+                <a:cxn ang="0">
+                  <a:pos x="108" y="252"/>
+                </a:cxn>
+                <a:cxn ang="0">
+                  <a:pos x="118" y="238"/>
+                </a:cxn>
+                <a:cxn ang="0">
+                  <a:pos x="136" y="184"/>
+                </a:cxn>
+                <a:cxn ang="0">
+                  <a:pos x="146" y="162"/>
+                </a:cxn>
+                <a:cxn ang="0">
+                  <a:pos x="172" y="112"/>
+                </a:cxn>
+                <a:cxn ang="0">
+                  <a:pos x="176" y="88"/>
+                </a:cxn>
+                <a:cxn ang="0">
+                  <a:pos x="174" y="70"/>
+                </a:cxn>
+                <a:cxn ang="0">
+                  <a:pos x="160" y="38"/>
+                </a:cxn>
+                <a:cxn ang="0">
+                  <a:pos x="138" y="16"/>
+                </a:cxn>
+                <a:cxn ang="0">
+                  <a:pos x="106" y="2"/>
+                </a:cxn>
+                <a:cxn ang="0">
+                  <a:pos x="108" y="218"/>
+                </a:cxn>
+                <a:cxn ang="0">
+                  <a:pos x="70" y="222"/>
+                </a:cxn>
+                <a:cxn ang="0">
+                  <a:pos x="64" y="208"/>
+                </a:cxn>
+                <a:cxn ang="0">
+                  <a:pos x="114" y="200"/>
+                </a:cxn>
+                <a:cxn ang="0">
+                  <a:pos x="112" y="208"/>
+                </a:cxn>
+                <a:cxn ang="0">
+                  <a:pos x="108" y="218"/>
+                </a:cxn>
+                <a:cxn ang="0">
+                  <a:pos x="62" y="200"/>
+                </a:cxn>
+                <a:cxn ang="0">
+                  <a:pos x="120" y="184"/>
+                </a:cxn>
+                <a:cxn ang="0">
+                  <a:pos x="116" y="192"/>
+                </a:cxn>
+                <a:cxn ang="0">
+                  <a:pos x="88" y="240"/>
+                </a:cxn>
+                <a:cxn ang="0">
+                  <a:pos x="82" y="240"/>
+                </a:cxn>
+                <a:cxn ang="0">
+                  <a:pos x="76" y="236"/>
+                </a:cxn>
+                <a:cxn ang="0">
+                  <a:pos x="106" y="226"/>
+                </a:cxn>
+                <a:cxn ang="0">
+                  <a:pos x="102" y="234"/>
+                </a:cxn>
+                <a:cxn ang="0">
+                  <a:pos x="94" y="240"/>
+                </a:cxn>
+                <a:cxn ang="0">
+                  <a:pos x="126" y="168"/>
+                </a:cxn>
+                <a:cxn ang="0">
+                  <a:pos x="50" y="168"/>
+                </a:cxn>
+                <a:cxn ang="0">
+                  <a:pos x="38" y="142"/>
+                </a:cxn>
+                <a:cxn ang="0">
+                  <a:pos x="18" y="100"/>
+                </a:cxn>
+                <a:cxn ang="0">
+                  <a:pos x="16" y="88"/>
+                </a:cxn>
+                <a:cxn ang="0">
+                  <a:pos x="22" y="60"/>
+                </a:cxn>
+                <a:cxn ang="0">
+                  <a:pos x="38" y="38"/>
+                </a:cxn>
+                <a:cxn ang="0">
+                  <a:pos x="60" y="22"/>
+                </a:cxn>
+                <a:cxn ang="0">
+                  <a:pos x="88" y="16"/>
+                </a:cxn>
+                <a:cxn ang="0">
+                  <a:pos x="102" y="18"/>
+                </a:cxn>
+                <a:cxn ang="0">
+                  <a:pos x="128" y="28"/>
+                </a:cxn>
+                <a:cxn ang="0">
+                  <a:pos x="148" y="48"/>
+                </a:cxn>
+                <a:cxn ang="0">
+                  <a:pos x="158" y="74"/>
+                </a:cxn>
+                <a:cxn ang="0">
+                  <a:pos x="160" y="88"/>
+                </a:cxn>
+                <a:cxn ang="0">
+                  <a:pos x="154" y="114"/>
+                </a:cxn>
+                <a:cxn ang="0">
+                  <a:pos x="138" y="142"/>
+                </a:cxn>
+              </a:cxnLst>
+              <a:rect l="0" t="0" r="r" b="b"/>
+              <a:pathLst>
+                <a:path w="176" h="256">
+                  <a:moveTo>
+                    <a:pt x="88" y="0"/>
+                  </a:moveTo>
+                  <a:lnTo>
+                    <a:pt x="88" y="0"/>
+                  </a:lnTo>
+                  <a:lnTo>
+                    <a:pt x="70" y="2"/>
+                  </a:lnTo>
+                  <a:lnTo>
+                    <a:pt x="54" y="6"/>
+                  </a:lnTo>
+                  <a:lnTo>
+                    <a:pt x="38" y="16"/>
+                  </a:lnTo>
+                  <a:lnTo>
+                    <a:pt x="26" y="26"/>
+                  </a:lnTo>
+                  <a:lnTo>
+                    <a:pt x="16" y="38"/>
+                  </a:lnTo>
+                  <a:lnTo>
+                    <a:pt x="6" y="54"/>
+                  </a:lnTo>
+                  <a:lnTo>
+                    <a:pt x="2" y="70"/>
+                  </a:lnTo>
+                  <a:lnTo>
+                    <a:pt x="0" y="88"/>
+                  </a:lnTo>
+                  <a:lnTo>
+                    <a:pt x="0" y="88"/>
+                  </a:lnTo>
+                  <a:lnTo>
+                    <a:pt x="2" y="100"/>
+                  </a:lnTo>
+                  <a:lnTo>
+                    <a:pt x="4" y="112"/>
+                  </a:lnTo>
+                  <a:lnTo>
+                    <a:pt x="16" y="138"/>
+                  </a:lnTo>
+                  <a:lnTo>
+                    <a:pt x="30" y="162"/>
+                  </a:lnTo>
+                  <a:lnTo>
+                    <a:pt x="40" y="184"/>
+                  </a:lnTo>
+                  <a:lnTo>
+                    <a:pt x="40" y="184"/>
+                  </a:lnTo>
+                  <a:lnTo>
+                    <a:pt x="50" y="214"/>
+                  </a:lnTo>
+                  <a:lnTo>
+                    <a:pt x="58" y="238"/>
+                  </a:lnTo>
+                  <a:lnTo>
+                    <a:pt x="62" y="246"/>
+                  </a:lnTo>
+                  <a:lnTo>
+                    <a:pt x="68" y="252"/>
+                  </a:lnTo>
+                  <a:lnTo>
+                    <a:pt x="76" y="254"/>
+                  </a:lnTo>
+                  <a:lnTo>
+                    <a:pt x="88" y="256"/>
+                  </a:lnTo>
+                  <a:lnTo>
+                    <a:pt x="88" y="256"/>
+                  </a:lnTo>
+                  <a:lnTo>
+                    <a:pt x="100" y="254"/>
+                  </a:lnTo>
+                  <a:lnTo>
+                    <a:pt x="108" y="252"/>
+                  </a:lnTo>
+                  <a:lnTo>
+                    <a:pt x="114" y="246"/>
+                  </a:lnTo>
+                  <a:lnTo>
+                    <a:pt x="118" y="238"/>
+                  </a:lnTo>
+                  <a:lnTo>
+                    <a:pt x="126" y="214"/>
+                  </a:lnTo>
+                  <a:lnTo>
+                    <a:pt x="136" y="184"/>
+                  </a:lnTo>
+                  <a:lnTo>
+                    <a:pt x="136" y="184"/>
+                  </a:lnTo>
+                  <a:lnTo>
+                    <a:pt x="146" y="162"/>
+                  </a:lnTo>
+                  <a:lnTo>
+                    <a:pt x="160" y="138"/>
+                  </a:lnTo>
+                  <a:lnTo>
+                    <a:pt x="172" y="112"/>
+                  </a:lnTo>
+                  <a:lnTo>
+                    <a:pt x="174" y="100"/>
+                  </a:lnTo>
+                  <a:lnTo>
+                    <a:pt x="176" y="88"/>
+                  </a:lnTo>
+                  <a:lnTo>
+                    <a:pt x="176" y="88"/>
+                  </a:lnTo>
+                  <a:lnTo>
+                    <a:pt x="174" y="70"/>
+                  </a:lnTo>
+                  <a:lnTo>
+                    <a:pt x="170" y="54"/>
+                  </a:lnTo>
+                  <a:lnTo>
+                    <a:pt x="160" y="38"/>
+                  </a:lnTo>
+                  <a:lnTo>
+                    <a:pt x="150" y="26"/>
+                  </a:lnTo>
+                  <a:lnTo>
+                    <a:pt x="138" y="16"/>
+                  </a:lnTo>
+                  <a:lnTo>
+                    <a:pt x="122" y="6"/>
+                  </a:lnTo>
+                  <a:lnTo>
+                    <a:pt x="106" y="2"/>
+                  </a:lnTo>
+                  <a:lnTo>
+                    <a:pt x="88" y="0"/>
+                  </a:lnTo>
+                  <a:close/>
+                  <a:moveTo>
+                    <a:pt x="108" y="218"/>
+                  </a:moveTo>
+                  <a:lnTo>
+                    <a:pt x="70" y="222"/>
+                  </a:lnTo>
+                  <a:lnTo>
+                    <a:pt x="70" y="222"/>
+                  </a:lnTo>
+                  <a:lnTo>
+                    <a:pt x="64" y="208"/>
+                  </a:lnTo>
+                  <a:lnTo>
+                    <a:pt x="64" y="208"/>
+                  </a:lnTo>
+                  <a:lnTo>
+                    <a:pt x="64" y="206"/>
+                  </a:lnTo>
+                  <a:lnTo>
+                    <a:pt x="114" y="200"/>
+                  </a:lnTo>
+                  <a:lnTo>
+                    <a:pt x="114" y="200"/>
+                  </a:lnTo>
+                  <a:lnTo>
+                    <a:pt x="112" y="208"/>
+                  </a:lnTo>
+                  <a:lnTo>
+                    <a:pt x="112" y="208"/>
+                  </a:lnTo>
+                  <a:lnTo>
+                    <a:pt x="108" y="218"/>
+                  </a:lnTo>
+                  <a:close/>
+                  <a:moveTo>
+                    <a:pt x="62" y="200"/>
+                  </a:moveTo>
+                  <a:lnTo>
+                    <a:pt x="62" y="200"/>
+                  </a:lnTo>
+                  <a:lnTo>
+                    <a:pt x="56" y="184"/>
+                  </a:lnTo>
+                  <a:lnTo>
+                    <a:pt x="120" y="184"/>
+                  </a:lnTo>
+                  <a:lnTo>
+                    <a:pt x="120" y="184"/>
+                  </a:lnTo>
+                  <a:lnTo>
+                    <a:pt x="116" y="192"/>
+                  </a:lnTo>
+                  <a:lnTo>
+                    <a:pt x="62" y="200"/>
+                  </a:lnTo>
+                  <a:close/>
+                  <a:moveTo>
+                    <a:pt x="88" y="240"/>
+                  </a:moveTo>
+                  <a:lnTo>
+                    <a:pt x="88" y="240"/>
+                  </a:lnTo>
+                  <a:lnTo>
+                    <a:pt x="82" y="240"/>
+                  </a:lnTo>
+                  <a:lnTo>
+                    <a:pt x="78" y="238"/>
+                  </a:lnTo>
+                  <a:lnTo>
+                    <a:pt x="76" y="236"/>
+                  </a:lnTo>
+                  <a:lnTo>
+                    <a:pt x="72" y="230"/>
+                  </a:lnTo>
+                  <a:lnTo>
+                    <a:pt x="106" y="226"/>
+                  </a:lnTo>
+                  <a:lnTo>
+                    <a:pt x="106" y="226"/>
+                  </a:lnTo>
+                  <a:lnTo>
+                    <a:pt x="102" y="234"/>
+                  </a:lnTo>
+                  <a:lnTo>
+                    <a:pt x="98" y="238"/>
+                  </a:lnTo>
+                  <a:lnTo>
+                    <a:pt x="94" y="240"/>
+                  </a:lnTo>
+                  <a:lnTo>
+                    <a:pt x="88" y="240"/>
+                  </a:lnTo>
+                  <a:close/>
+                  <a:moveTo>
+                    <a:pt x="126" y="168"/>
+                  </a:moveTo>
+                  <a:lnTo>
+                    <a:pt x="50" y="168"/>
+                  </a:lnTo>
+                  <a:lnTo>
+                    <a:pt x="50" y="168"/>
+                  </a:lnTo>
+                  <a:lnTo>
+                    <a:pt x="38" y="142"/>
+                  </a:lnTo>
+                  <a:lnTo>
+                    <a:pt x="38" y="142"/>
+                  </a:lnTo>
+                  <a:lnTo>
+                    <a:pt x="22" y="114"/>
+                  </a:lnTo>
+                  <a:lnTo>
+                    <a:pt x="18" y="100"/>
+                  </a:lnTo>
+                  <a:lnTo>
+                    <a:pt x="16" y="88"/>
+                  </a:lnTo>
+                  <a:lnTo>
+                    <a:pt x="16" y="88"/>
+                  </a:lnTo>
+                  <a:lnTo>
+                    <a:pt x="18" y="74"/>
+                  </a:lnTo>
+                  <a:lnTo>
+                    <a:pt x="22" y="60"/>
+                  </a:lnTo>
+                  <a:lnTo>
+                    <a:pt x="28" y="48"/>
+                  </a:lnTo>
+                  <a:lnTo>
+                    <a:pt x="38" y="38"/>
+                  </a:lnTo>
+                  <a:lnTo>
+                    <a:pt x="48" y="28"/>
+                  </a:lnTo>
+                  <a:lnTo>
+                    <a:pt x="60" y="22"/>
+                  </a:lnTo>
+                  <a:lnTo>
+                    <a:pt x="74" y="18"/>
+                  </a:lnTo>
+                  <a:lnTo>
+                    <a:pt x="88" y="16"/>
+                  </a:lnTo>
+                  <a:lnTo>
+                    <a:pt x="88" y="16"/>
+                  </a:lnTo>
+                  <a:lnTo>
+                    <a:pt x="102" y="18"/>
+                  </a:lnTo>
+                  <a:lnTo>
+                    <a:pt x="116" y="22"/>
+                  </a:lnTo>
+                  <a:lnTo>
+                    <a:pt x="128" y="28"/>
+                  </a:lnTo>
+                  <a:lnTo>
+                    <a:pt x="138" y="38"/>
+                  </a:lnTo>
+                  <a:lnTo>
+                    <a:pt x="148" y="48"/>
+                  </a:lnTo>
+                  <a:lnTo>
+                    <a:pt x="154" y="60"/>
+                  </a:lnTo>
+                  <a:lnTo>
+                    <a:pt x="158" y="74"/>
+                  </a:lnTo>
+                  <a:lnTo>
+                    <a:pt x="160" y="88"/>
+                  </a:lnTo>
+                  <a:lnTo>
+                    <a:pt x="160" y="88"/>
+                  </a:lnTo>
+                  <a:lnTo>
+                    <a:pt x="158" y="100"/>
+                  </a:lnTo>
+                  <a:lnTo>
+                    <a:pt x="154" y="114"/>
+                  </a:lnTo>
+                  <a:lnTo>
+                    <a:pt x="138" y="142"/>
+                  </a:lnTo>
+                  <a:lnTo>
+                    <a:pt x="138" y="142"/>
+                  </a:lnTo>
+                  <a:lnTo>
+                    <a:pt x="126" y="168"/>
+                  </a:lnTo>
+                  <a:close/>
+                </a:path>
+              </a:pathLst>
+            </a:custGeom>
+            <a:grpFill/>
+            <a:ln w="9525">
+              <a:noFill/>
+              <a:round/>
+            </a:ln>
+          </p:spPr>
+          <p:txBody>
+            <a:bodyPr vert="horz" wrap="square" lIns="121888" tIns="60944" rIns="121888" bIns="60944" numCol="1" anchor="t" anchorCtr="0" compatLnSpc="1"/>
+            <a:p>
+              <a:pPr defTabSz="1172210"/>
+              <a:endParaRPr lang="ar-SA" sz="3065">
+                <a:solidFill>
+                  <a:prstClr val="black"/>
+                </a:solidFill>
+                <a:latin typeface="Open Sans"/>
+              </a:endParaRPr>
+            </a:p>
+          </p:txBody>
+        </p:sp>
+        <p:sp>
+          <p:nvSpPr>
+            <p:cNvPr id="40" name="Freeform 66"/>
+            <p:cNvSpPr/>
+            <p:nvPr>
+              <p:custDataLst>
+                <p:tags r:id="rId7"/>
+              </p:custDataLst>
+            </p:nvPr>
+          </p:nvSpPr>
+          <p:spPr bwMode="auto">
+            <a:xfrm>
+              <a:off x="4902200" y="2838450"/>
+              <a:ext cx="82550" cy="82550"/>
+            </a:xfrm>
+            <a:custGeom>
+              <a:avLst/>
+              <a:gdLst/>
+              <a:ahLst/>
+              <a:cxnLst>
+                <a:cxn ang="0">
+                  <a:pos x="48" y="0"/>
+                </a:cxn>
+                <a:cxn ang="0">
+                  <a:pos x="48" y="0"/>
+                </a:cxn>
+                <a:cxn ang="0">
+                  <a:pos x="38" y="0"/>
+                </a:cxn>
+                <a:cxn ang="0">
+                  <a:pos x="30" y="4"/>
+                </a:cxn>
+                <a:cxn ang="0">
+                  <a:pos x="22" y="8"/>
+                </a:cxn>
+                <a:cxn ang="0">
+                  <a:pos x="14" y="14"/>
+                </a:cxn>
+                <a:cxn ang="0">
+                  <a:pos x="8" y="22"/>
+                </a:cxn>
+                <a:cxn ang="0">
+                  <a:pos x="4" y="30"/>
+                </a:cxn>
+                <a:cxn ang="0">
+                  <a:pos x="0" y="38"/>
+                </a:cxn>
+                <a:cxn ang="0">
+                  <a:pos x="0" y="48"/>
+                </a:cxn>
+                <a:cxn ang="0">
+                  <a:pos x="0" y="48"/>
+                </a:cxn>
+                <a:cxn ang="0">
+                  <a:pos x="2" y="50"/>
+                </a:cxn>
+                <a:cxn ang="0">
+                  <a:pos x="4" y="52"/>
+                </a:cxn>
+                <a:cxn ang="0">
+                  <a:pos x="4" y="52"/>
+                </a:cxn>
+                <a:cxn ang="0">
+                  <a:pos x="6" y="50"/>
+                </a:cxn>
+                <a:cxn ang="0">
+                  <a:pos x="8" y="48"/>
+                </a:cxn>
+                <a:cxn ang="0">
+                  <a:pos x="8" y="48"/>
+                </a:cxn>
+                <a:cxn ang="0">
+                  <a:pos x="8" y="40"/>
+                </a:cxn>
+                <a:cxn ang="0">
+                  <a:pos x="12" y="32"/>
+                </a:cxn>
+                <a:cxn ang="0">
+                  <a:pos x="14" y="26"/>
+                </a:cxn>
+                <a:cxn ang="0">
+                  <a:pos x="20" y="20"/>
+                </a:cxn>
+                <a:cxn ang="0">
+                  <a:pos x="26" y="14"/>
+                </a:cxn>
+                <a:cxn ang="0">
+                  <a:pos x="32" y="12"/>
+                </a:cxn>
+                <a:cxn ang="0">
+                  <a:pos x="40" y="8"/>
+                </a:cxn>
+                <a:cxn ang="0">
+                  <a:pos x="48" y="8"/>
+                </a:cxn>
+                <a:cxn ang="0">
+                  <a:pos x="48" y="8"/>
+                </a:cxn>
+                <a:cxn ang="0">
+                  <a:pos x="50" y="6"/>
+                </a:cxn>
+                <a:cxn ang="0">
+                  <a:pos x="52" y="4"/>
+                </a:cxn>
+                <a:cxn ang="0">
+                  <a:pos x="52" y="4"/>
+                </a:cxn>
+                <a:cxn ang="0">
+                  <a:pos x="50" y="2"/>
+                </a:cxn>
+                <a:cxn ang="0">
+                  <a:pos x="48" y="0"/>
+                </a:cxn>
+              </a:cxnLst>
+              <a:rect l="0" t="0" r="r" b="b"/>
+              <a:pathLst>
+                <a:path w="52" h="52">
+                  <a:moveTo>
+                    <a:pt x="48" y="0"/>
+                  </a:moveTo>
+                  <a:lnTo>
+                    <a:pt x="48" y="0"/>
+                  </a:lnTo>
+                  <a:lnTo>
+                    <a:pt x="38" y="0"/>
+                  </a:lnTo>
+                  <a:lnTo>
+                    <a:pt x="30" y="4"/>
+                  </a:lnTo>
+                  <a:lnTo>
+                    <a:pt x="22" y="8"/>
+                  </a:lnTo>
+                  <a:lnTo>
+                    <a:pt x="14" y="14"/>
+                  </a:lnTo>
+                  <a:lnTo>
+                    <a:pt x="8" y="22"/>
+                  </a:lnTo>
+                  <a:lnTo>
+                    <a:pt x="4" y="30"/>
+                  </a:lnTo>
+                  <a:lnTo>
+                    <a:pt x="0" y="38"/>
+                  </a:lnTo>
+                  <a:lnTo>
+                    <a:pt x="0" y="48"/>
+                  </a:lnTo>
+                  <a:lnTo>
+                    <a:pt x="0" y="48"/>
+                  </a:lnTo>
+                  <a:lnTo>
+                    <a:pt x="2" y="50"/>
+                  </a:lnTo>
+                  <a:lnTo>
+                    <a:pt x="4" y="52"/>
+                  </a:lnTo>
+                  <a:lnTo>
+                    <a:pt x="4" y="52"/>
+                  </a:lnTo>
+                  <a:lnTo>
+                    <a:pt x="6" y="50"/>
+                  </a:lnTo>
+                  <a:lnTo>
+                    <a:pt x="8" y="48"/>
+                  </a:lnTo>
+                  <a:lnTo>
+                    <a:pt x="8" y="48"/>
+                  </a:lnTo>
+                  <a:lnTo>
+                    <a:pt x="8" y="40"/>
+                  </a:lnTo>
+                  <a:lnTo>
+                    <a:pt x="12" y="32"/>
+                  </a:lnTo>
+                  <a:lnTo>
+                    <a:pt x="14" y="26"/>
+                  </a:lnTo>
+                  <a:lnTo>
+                    <a:pt x="20" y="20"/>
+                  </a:lnTo>
+                  <a:lnTo>
+                    <a:pt x="26" y="14"/>
+                  </a:lnTo>
+                  <a:lnTo>
+                    <a:pt x="32" y="12"/>
+                  </a:lnTo>
+                  <a:lnTo>
+                    <a:pt x="40" y="8"/>
+                  </a:lnTo>
+                  <a:lnTo>
+                    <a:pt x="48" y="8"/>
+                  </a:lnTo>
+                  <a:lnTo>
+                    <a:pt x="48" y="8"/>
+                  </a:lnTo>
+                  <a:lnTo>
+                    <a:pt x="50" y="6"/>
+                  </a:lnTo>
+                  <a:lnTo>
+                    <a:pt x="52" y="4"/>
+                  </a:lnTo>
+                  <a:lnTo>
+                    <a:pt x="52" y="4"/>
+                  </a:lnTo>
+                  <a:lnTo>
+                    <a:pt x="50" y="2"/>
+                  </a:lnTo>
+                  <a:lnTo>
+                    <a:pt x="48" y="0"/>
+                  </a:lnTo>
+                  <a:close/>
+                </a:path>
+              </a:pathLst>
+            </a:custGeom>
+            <a:grpFill/>
+            <a:ln w="9525">
+              <a:noFill/>
+              <a:round/>
+            </a:ln>
+          </p:spPr>
+          <p:txBody>
+            <a:bodyPr vert="horz" wrap="square" lIns="121888" tIns="60944" rIns="121888" bIns="60944" numCol="1" anchor="t" anchorCtr="0" compatLnSpc="1"/>
+            <a:p>
+              <a:pPr defTabSz="1172210"/>
+              <a:endParaRPr lang="ar-SA" sz="3065">
+                <a:solidFill>
+                  <a:prstClr val="black"/>
+                </a:solidFill>
+                <a:latin typeface="Open Sans"/>
+              </a:endParaRPr>
+            </a:p>
+          </p:txBody>
+        </p:sp>
+        <p:sp>
+          <p:nvSpPr>
+            <p:cNvPr id="41" name="Freeform 67"/>
+            <p:cNvSpPr/>
+            <p:nvPr>
+              <p:custDataLst>
+                <p:tags r:id="rId8"/>
+              </p:custDataLst>
+            </p:nvPr>
+          </p:nvSpPr>
+          <p:spPr bwMode="auto">
+            <a:xfrm>
+              <a:off x="4902200" y="2838450"/>
+              <a:ext cx="82550" cy="82550"/>
+            </a:xfrm>
+            <a:custGeom>
+              <a:avLst/>
+              <a:gdLst/>
+              <a:ahLst/>
+              <a:cxnLst>
+                <a:cxn ang="0">
+                  <a:pos x="48" y="0"/>
+                </a:cxn>
+                <a:cxn ang="0">
+                  <a:pos x="48" y="0"/>
+                </a:cxn>
+                <a:cxn ang="0">
+                  <a:pos x="38" y="0"/>
+                </a:cxn>
+                <a:cxn ang="0">
+                  <a:pos x="30" y="4"/>
+                </a:cxn>
+                <a:cxn ang="0">
+                  <a:pos x="22" y="8"/>
+                </a:cxn>
+                <a:cxn ang="0">
+                  <a:pos x="14" y="14"/>
+                </a:cxn>
+                <a:cxn ang="0">
+                  <a:pos x="8" y="22"/>
+                </a:cxn>
+                <a:cxn ang="0">
+                  <a:pos x="4" y="30"/>
+                </a:cxn>
+                <a:cxn ang="0">
+                  <a:pos x="0" y="38"/>
+                </a:cxn>
+                <a:cxn ang="0">
+                  <a:pos x="0" y="48"/>
+                </a:cxn>
+                <a:cxn ang="0">
+                  <a:pos x="0" y="48"/>
+                </a:cxn>
+                <a:cxn ang="0">
+                  <a:pos x="2" y="50"/>
+                </a:cxn>
+                <a:cxn ang="0">
+                  <a:pos x="4" y="52"/>
+                </a:cxn>
+                <a:cxn ang="0">
+                  <a:pos x="4" y="52"/>
+                </a:cxn>
+                <a:cxn ang="0">
+                  <a:pos x="6" y="50"/>
+                </a:cxn>
+                <a:cxn ang="0">
+                  <a:pos x="8" y="48"/>
+                </a:cxn>
+                <a:cxn ang="0">
+                  <a:pos x="8" y="48"/>
+                </a:cxn>
+                <a:cxn ang="0">
+                  <a:pos x="8" y="40"/>
+                </a:cxn>
+                <a:cxn ang="0">
+                  <a:pos x="12" y="32"/>
+                </a:cxn>
+                <a:cxn ang="0">
+                  <a:pos x="14" y="26"/>
+                </a:cxn>
+                <a:cxn ang="0">
+                  <a:pos x="20" y="20"/>
+                </a:cxn>
+                <a:cxn ang="0">
+                  <a:pos x="26" y="14"/>
+                </a:cxn>
+                <a:cxn ang="0">
+                  <a:pos x="32" y="12"/>
+                </a:cxn>
+                <a:cxn ang="0">
+                  <a:pos x="40" y="8"/>
+                </a:cxn>
+                <a:cxn ang="0">
+                  <a:pos x="48" y="8"/>
+                </a:cxn>
+                <a:cxn ang="0">
+                  <a:pos x="48" y="8"/>
+                </a:cxn>
+                <a:cxn ang="0">
+                  <a:pos x="50" y="6"/>
+                </a:cxn>
+                <a:cxn ang="0">
+                  <a:pos x="52" y="4"/>
+                </a:cxn>
+                <a:cxn ang="0">
+                  <a:pos x="52" y="4"/>
+                </a:cxn>
+                <a:cxn ang="0">
+                  <a:pos x="50" y="2"/>
+                </a:cxn>
+                <a:cxn ang="0">
+                  <a:pos x="48" y="0"/>
+                </a:cxn>
+              </a:cxnLst>
+              <a:rect l="0" t="0" r="r" b="b"/>
+              <a:pathLst>
+                <a:path w="52" h="52">
+                  <a:moveTo>
+                    <a:pt x="48" y="0"/>
+                  </a:moveTo>
+                  <a:lnTo>
+                    <a:pt x="48" y="0"/>
+                  </a:lnTo>
+                  <a:lnTo>
+                    <a:pt x="38" y="0"/>
+                  </a:lnTo>
+                  <a:lnTo>
+                    <a:pt x="30" y="4"/>
+                  </a:lnTo>
+                  <a:lnTo>
+                    <a:pt x="22" y="8"/>
+                  </a:lnTo>
+                  <a:lnTo>
+                    <a:pt x="14" y="14"/>
+                  </a:lnTo>
+                  <a:lnTo>
+                    <a:pt x="8" y="22"/>
+                  </a:lnTo>
+                  <a:lnTo>
+                    <a:pt x="4" y="30"/>
+                  </a:lnTo>
+                  <a:lnTo>
+                    <a:pt x="0" y="38"/>
+                  </a:lnTo>
+                  <a:lnTo>
+                    <a:pt x="0" y="48"/>
+                  </a:lnTo>
+                  <a:lnTo>
+                    <a:pt x="0" y="48"/>
+                  </a:lnTo>
+                  <a:lnTo>
+                    <a:pt x="2" y="50"/>
+                  </a:lnTo>
+                  <a:lnTo>
+                    <a:pt x="4" y="52"/>
+                  </a:lnTo>
+                  <a:lnTo>
+                    <a:pt x="4" y="52"/>
+                  </a:lnTo>
+                  <a:lnTo>
+                    <a:pt x="6" y="50"/>
+                  </a:lnTo>
+                  <a:lnTo>
+                    <a:pt x="8" y="48"/>
+                  </a:lnTo>
+                  <a:lnTo>
+                    <a:pt x="8" y="48"/>
+                  </a:lnTo>
+                  <a:lnTo>
+                    <a:pt x="8" y="40"/>
+                  </a:lnTo>
+                  <a:lnTo>
+                    <a:pt x="12" y="32"/>
+                  </a:lnTo>
+                  <a:lnTo>
+                    <a:pt x="14" y="26"/>
+                  </a:lnTo>
+                  <a:lnTo>
+                    <a:pt x="20" y="20"/>
+                  </a:lnTo>
+                  <a:lnTo>
+                    <a:pt x="26" y="14"/>
+                  </a:lnTo>
+                  <a:lnTo>
+                    <a:pt x="32" y="12"/>
+                  </a:lnTo>
+                  <a:lnTo>
+                    <a:pt x="40" y="8"/>
+                  </a:lnTo>
+                  <a:lnTo>
+                    <a:pt x="48" y="8"/>
+                  </a:lnTo>
+                  <a:lnTo>
+                    <a:pt x="48" y="8"/>
+                  </a:lnTo>
+                  <a:lnTo>
+                    <a:pt x="50" y="6"/>
+                  </a:lnTo>
+                  <a:lnTo>
+                    <a:pt x="52" y="4"/>
+                  </a:lnTo>
+                  <a:lnTo>
+                    <a:pt x="52" y="4"/>
+                  </a:lnTo>
+                  <a:lnTo>
+                    <a:pt x="50" y="2"/>
+                  </a:lnTo>
+                  <a:lnTo>
+                    <a:pt x="48" y="0"/>
+                  </a:lnTo>
+                </a:path>
+              </a:pathLst>
+            </a:custGeom>
+            <a:grpFill/>
+            <a:ln w="9525">
+              <a:noFill/>
+              <a:round/>
+            </a:ln>
+          </p:spPr>
+          <p:txBody>
+            <a:bodyPr vert="horz" wrap="square" lIns="121888" tIns="60944" rIns="121888" bIns="60944" numCol="1" anchor="t" anchorCtr="0" compatLnSpc="1"/>
+            <a:p>
+              <a:pPr defTabSz="1172210"/>
+              <a:endParaRPr lang="ar-SA" sz="3065">
+                <a:solidFill>
+                  <a:prstClr val="black"/>
+                </a:solidFill>
+                <a:latin typeface="Open Sans"/>
+              </a:endParaRPr>
+            </a:p>
+          </p:txBody>
+        </p:sp>
+      </p:grpSp>
+      <p:sp>
+        <p:nvSpPr>
+          <p:cNvPr id="42" name="椭圆 41"/>
+          <p:cNvSpPr/>
+          <p:nvPr>
+            <p:custDataLst>
+              <p:tags r:id="rId9"/>
+            </p:custDataLst>
+          </p:nvPr>
+        </p:nvSpPr>
+        <p:spPr>
+          <a:xfrm>
+            <a:off x="1219835" y="3411374"/>
+            <a:ext cx="685800" cy="685800"/>
+          </a:xfrm>
+          <a:prstGeom prst="ellipse">
+            <a:avLst/>
+          </a:prstGeom>
+          <a:solidFill>
+            <a:srgbClr val="C00000"/>
+          </a:solidFill>
+          <a:ln>
+            <a:noFill/>
+          </a:ln>
+        </p:spPr>
+        <p:style>
+          <a:lnRef idx="2">
+            <a:schemeClr val="accent1">
+              <a:shade val="50000"/>
+            </a:schemeClr>
+          </a:lnRef>
+          <a:fillRef idx="1">
+            <a:schemeClr val="accent1"/>
+          </a:fillRef>
+          <a:effectRef idx="0">
+            <a:schemeClr val="accent1"/>
+          </a:effectRef>
+          <a:fontRef idx="minor">
+            <a:schemeClr val="lt1"/>
+          </a:fontRef>
+        </p:style>
+        <p:txBody>
+          <a:bodyPr rtlCol="0" anchor="ctr"/>
+          <a:lstStyle/>
+          <a:p>
+            <a:pPr algn="ctr"/>
+            <a:endParaRPr lang="zh-CN" altLang="en-US"/>
+          </a:p>
+        </p:txBody>
+      </p:sp>
+      <p:grpSp>
+        <p:nvGrpSpPr>
+          <p:cNvPr id="43" name="组合 42"/>
+          <p:cNvGrpSpPr/>
+          <p:nvPr/>
+        </p:nvGrpSpPr>
+        <p:grpSpPr>
+          <a:xfrm>
+            <a:off x="2076688" y="3205289"/>
+            <a:ext cx="3499485" cy="1010530"/>
+            <a:chOff x="849087" y="4237193"/>
+            <a:chExt cx="3499485" cy="1010530"/>
+          </a:xfrm>
+        </p:grpSpPr>
+        <p:sp>
+          <p:nvSpPr>
+            <p:cNvPr id="44" name="文本框 43"/>
+            <p:cNvSpPr txBox="1"/>
+            <p:nvPr>
+              <p:custDataLst>
+                <p:tags r:id="rId10"/>
+              </p:custDataLst>
+            </p:nvPr>
+          </p:nvSpPr>
+          <p:spPr>
+            <a:xfrm>
+              <a:off x="849087" y="4237193"/>
+              <a:ext cx="3499485" cy="368300"/>
+            </a:xfrm>
+            <a:prstGeom prst="rect">
+              <a:avLst/>
+            </a:prstGeom>
+            <a:noFill/>
+          </p:spPr>
+          <p:txBody>
+            <a:bodyPr wrap="square" rtlCol="0">
+              <a:spAutoFit/>
+            </a:bodyPr>
+            <a:lstStyle/>
+            <a:p>
+              <a:r>
+                <a:rPr lang="zh-CN" altLang="en-US" dirty="0">
+                  <a:solidFill>
+                    <a:schemeClr val="bg1"/>
+                  </a:solidFill>
+                  <a:sym typeface="+mn-ea"/>
+                </a:rPr>
+                <a:t>时间安排不够妥当</a:t>
+              </a:r>
+              <a:endParaRPr lang="zh-CN" altLang="en-US" dirty="0">
+                <a:solidFill>
+                  <a:schemeClr val="bg1"/>
+                </a:solidFill>
+                <a:sym typeface="+mn-ea"/>
+              </a:endParaRPr>
+            </a:p>
+          </p:txBody>
+        </p:sp>
+        <p:sp>
+          <p:nvSpPr>
+            <p:cNvPr id="45" name="文本框 44"/>
+            <p:cNvSpPr txBox="1"/>
+            <p:nvPr>
+              <p:custDataLst>
+                <p:tags r:id="rId11"/>
+              </p:custDataLst>
+            </p:nvPr>
+          </p:nvSpPr>
+          <p:spPr>
+            <a:xfrm>
+              <a:off x="849087" y="4617803"/>
+              <a:ext cx="3423954" cy="629920"/>
+            </a:xfrm>
+            <a:prstGeom prst="rect">
+              <a:avLst/>
+            </a:prstGeom>
+            <a:noFill/>
+          </p:spPr>
+          <p:txBody>
+            <a:bodyPr wrap="square" rtlCol="0">
+              <a:spAutoFit/>
+            </a:bodyPr>
+            <a:lstStyle/>
+            <a:p>
+              <a:pPr>
+                <a:lnSpc>
+                  <a:spcPct val="125000"/>
+                </a:lnSpc>
+              </a:pPr>
+              <a:r>
+                <a:rPr lang="zh-CN" altLang="en-US" sz="1400" dirty="0">
+                  <a:solidFill>
+                    <a:schemeClr val="bg1"/>
+                  </a:solidFill>
+                  <a:sym typeface="+mn-ea"/>
+                </a:rPr>
+                <a:t>对于独立的各项事务应当并行安排工作时间，以节省总时间</a:t>
+              </a:r>
+              <a:endParaRPr lang="zh-CN" altLang="en-US" sz="1400" dirty="0">
+                <a:solidFill>
+                  <a:schemeClr val="bg1"/>
+                </a:solidFill>
+                <a:sym typeface="+mn-ea"/>
+              </a:endParaRPr>
+            </a:p>
+          </p:txBody>
+        </p:sp>
+      </p:grpSp>
+      <p:grpSp>
+        <p:nvGrpSpPr>
+          <p:cNvPr id="46" name="Group 34"/>
+          <p:cNvGrpSpPr/>
+          <p:nvPr/>
+        </p:nvGrpSpPr>
+        <p:grpSpPr>
+          <a:xfrm>
+            <a:off x="1421909" y="3549437"/>
+            <a:ext cx="281651" cy="409674"/>
+            <a:chOff x="4838700" y="2774950"/>
+            <a:chExt cx="279400" cy="406400"/>
+          </a:xfrm>
+          <a:solidFill>
+            <a:schemeClr val="bg1"/>
+          </a:solidFill>
+        </p:grpSpPr>
+        <p:sp>
+          <p:nvSpPr>
+            <p:cNvPr id="47" name="Freeform 60"/>
+            <p:cNvSpPr>
+              <a:spLocks noEditPoints="1"/>
+            </p:cNvSpPr>
+            <p:nvPr>
+              <p:custDataLst>
+                <p:tags r:id="rId12"/>
+              </p:custDataLst>
+            </p:nvPr>
+          </p:nvSpPr>
+          <p:spPr bwMode="auto">
+            <a:xfrm>
+              <a:off x="4838700" y="2774950"/>
+              <a:ext cx="279400" cy="406400"/>
+            </a:xfrm>
+            <a:custGeom>
+              <a:avLst/>
+              <a:gdLst/>
+              <a:ahLst/>
+              <a:cxnLst>
+                <a:cxn ang="0">
+                  <a:pos x="88" y="0"/>
+                </a:cxn>
+                <a:cxn ang="0">
+                  <a:pos x="54" y="6"/>
+                </a:cxn>
+                <a:cxn ang="0">
+                  <a:pos x="26" y="26"/>
+                </a:cxn>
+                <a:cxn ang="0">
+                  <a:pos x="6" y="54"/>
+                </a:cxn>
+                <a:cxn ang="0">
+                  <a:pos x="0" y="88"/>
+                </a:cxn>
+                <a:cxn ang="0">
+                  <a:pos x="2" y="100"/>
+                </a:cxn>
+                <a:cxn ang="0">
+                  <a:pos x="16" y="138"/>
+                </a:cxn>
+                <a:cxn ang="0">
+                  <a:pos x="40" y="184"/>
+                </a:cxn>
+                <a:cxn ang="0">
+                  <a:pos x="50" y="214"/>
+                </a:cxn>
+                <a:cxn ang="0">
+                  <a:pos x="62" y="246"/>
+                </a:cxn>
+                <a:cxn ang="0">
+                  <a:pos x="76" y="254"/>
+                </a:cxn>
+                <a:cxn ang="0">
+                  <a:pos x="88" y="256"/>
+                </a:cxn>
+                <a:cxn ang="0">
+                  <a:pos x="108" y="252"/>
+                </a:cxn>
+                <a:cxn ang="0">
+                  <a:pos x="118" y="238"/>
+                </a:cxn>
+                <a:cxn ang="0">
+                  <a:pos x="136" y="184"/>
+                </a:cxn>
+                <a:cxn ang="0">
+                  <a:pos x="146" y="162"/>
+                </a:cxn>
+                <a:cxn ang="0">
+                  <a:pos x="172" y="112"/>
+                </a:cxn>
+                <a:cxn ang="0">
+                  <a:pos x="176" y="88"/>
+                </a:cxn>
+                <a:cxn ang="0">
+                  <a:pos x="174" y="70"/>
+                </a:cxn>
+                <a:cxn ang="0">
+                  <a:pos x="160" y="38"/>
+                </a:cxn>
+                <a:cxn ang="0">
+                  <a:pos x="138" y="16"/>
+                </a:cxn>
+                <a:cxn ang="0">
+                  <a:pos x="106" y="2"/>
+                </a:cxn>
+                <a:cxn ang="0">
+                  <a:pos x="108" y="218"/>
+                </a:cxn>
+                <a:cxn ang="0">
+                  <a:pos x="70" y="222"/>
+                </a:cxn>
+                <a:cxn ang="0">
+                  <a:pos x="64" y="208"/>
+                </a:cxn>
+                <a:cxn ang="0">
+                  <a:pos x="114" y="200"/>
+                </a:cxn>
+                <a:cxn ang="0">
+                  <a:pos x="112" y="208"/>
+                </a:cxn>
+                <a:cxn ang="0">
+                  <a:pos x="108" y="218"/>
+                </a:cxn>
+                <a:cxn ang="0">
+                  <a:pos x="62" y="200"/>
+                </a:cxn>
+                <a:cxn ang="0">
+                  <a:pos x="120" y="184"/>
+                </a:cxn>
+                <a:cxn ang="0">
+                  <a:pos x="116" y="192"/>
+                </a:cxn>
+                <a:cxn ang="0">
+                  <a:pos x="88" y="240"/>
+                </a:cxn>
+                <a:cxn ang="0">
+                  <a:pos x="82" y="240"/>
+                </a:cxn>
+                <a:cxn ang="0">
+                  <a:pos x="76" y="236"/>
+                </a:cxn>
+                <a:cxn ang="0">
+                  <a:pos x="106" y="226"/>
+                </a:cxn>
+                <a:cxn ang="0">
+                  <a:pos x="102" y="234"/>
+                </a:cxn>
+                <a:cxn ang="0">
+                  <a:pos x="94" y="240"/>
+                </a:cxn>
+                <a:cxn ang="0">
+                  <a:pos x="126" y="168"/>
+                </a:cxn>
+                <a:cxn ang="0">
+                  <a:pos x="50" y="168"/>
+                </a:cxn>
+                <a:cxn ang="0">
+                  <a:pos x="38" y="142"/>
+                </a:cxn>
+                <a:cxn ang="0">
+                  <a:pos x="18" y="100"/>
+                </a:cxn>
+                <a:cxn ang="0">
+                  <a:pos x="16" y="88"/>
+                </a:cxn>
+                <a:cxn ang="0">
+                  <a:pos x="22" y="60"/>
+                </a:cxn>
+                <a:cxn ang="0">
+                  <a:pos x="38" y="38"/>
+                </a:cxn>
+                <a:cxn ang="0">
+                  <a:pos x="60" y="22"/>
+                </a:cxn>
+                <a:cxn ang="0">
+                  <a:pos x="88" y="16"/>
+                </a:cxn>
+                <a:cxn ang="0">
+                  <a:pos x="102" y="18"/>
+                </a:cxn>
+                <a:cxn ang="0">
+                  <a:pos x="128" y="28"/>
+                </a:cxn>
+                <a:cxn ang="0">
+                  <a:pos x="148" y="48"/>
+                </a:cxn>
+                <a:cxn ang="0">
+                  <a:pos x="158" y="74"/>
+                </a:cxn>
+                <a:cxn ang="0">
+                  <a:pos x="160" y="88"/>
+                </a:cxn>
+                <a:cxn ang="0">
+                  <a:pos x="154" y="114"/>
+                </a:cxn>
+                <a:cxn ang="0">
+                  <a:pos x="138" y="142"/>
+                </a:cxn>
+              </a:cxnLst>
+              <a:rect l="0" t="0" r="r" b="b"/>
+              <a:pathLst>
+                <a:path w="176" h="256">
+                  <a:moveTo>
+                    <a:pt x="88" y="0"/>
+                  </a:moveTo>
+                  <a:lnTo>
+                    <a:pt x="88" y="0"/>
+                  </a:lnTo>
+                  <a:lnTo>
+                    <a:pt x="70" y="2"/>
+                  </a:lnTo>
+                  <a:lnTo>
+                    <a:pt x="54" y="6"/>
+                  </a:lnTo>
+                  <a:lnTo>
+                    <a:pt x="38" y="16"/>
+                  </a:lnTo>
+                  <a:lnTo>
+                    <a:pt x="26" y="26"/>
+                  </a:lnTo>
+                  <a:lnTo>
+                    <a:pt x="16" y="38"/>
+                  </a:lnTo>
+                  <a:lnTo>
+                    <a:pt x="6" y="54"/>
+                  </a:lnTo>
+                  <a:lnTo>
+                    <a:pt x="2" y="70"/>
+                  </a:lnTo>
+                  <a:lnTo>
+                    <a:pt x="0" y="88"/>
+                  </a:lnTo>
+                  <a:lnTo>
+                    <a:pt x="0" y="88"/>
+                  </a:lnTo>
+                  <a:lnTo>
+                    <a:pt x="2" y="100"/>
+                  </a:lnTo>
+                  <a:lnTo>
+                    <a:pt x="4" y="112"/>
+                  </a:lnTo>
+                  <a:lnTo>
+                    <a:pt x="16" y="138"/>
+                  </a:lnTo>
+                  <a:lnTo>
+                    <a:pt x="30" y="162"/>
+                  </a:lnTo>
+                  <a:lnTo>
+                    <a:pt x="40" y="184"/>
+                  </a:lnTo>
+                  <a:lnTo>
+                    <a:pt x="40" y="184"/>
+                  </a:lnTo>
+                  <a:lnTo>
+                    <a:pt x="50" y="214"/>
+                  </a:lnTo>
+                  <a:lnTo>
+                    <a:pt x="58" y="238"/>
+                  </a:lnTo>
+                  <a:lnTo>
+                    <a:pt x="62" y="246"/>
+                  </a:lnTo>
+                  <a:lnTo>
+                    <a:pt x="68" y="252"/>
+                  </a:lnTo>
+                  <a:lnTo>
+                    <a:pt x="76" y="254"/>
+                  </a:lnTo>
+                  <a:lnTo>
+                    <a:pt x="88" y="256"/>
+                  </a:lnTo>
+                  <a:lnTo>
+                    <a:pt x="88" y="256"/>
+                  </a:lnTo>
+                  <a:lnTo>
+                    <a:pt x="100" y="254"/>
+                  </a:lnTo>
+                  <a:lnTo>
+                    <a:pt x="108" y="252"/>
+                  </a:lnTo>
+                  <a:lnTo>
+                    <a:pt x="114" y="246"/>
+                  </a:lnTo>
+                  <a:lnTo>
+                    <a:pt x="118" y="238"/>
+                  </a:lnTo>
+                  <a:lnTo>
+                    <a:pt x="126" y="214"/>
+                  </a:lnTo>
+                  <a:lnTo>
+                    <a:pt x="136" y="184"/>
+                  </a:lnTo>
+                  <a:lnTo>
+                    <a:pt x="136" y="184"/>
+                  </a:lnTo>
+                  <a:lnTo>
+                    <a:pt x="146" y="162"/>
+                  </a:lnTo>
+                  <a:lnTo>
+                    <a:pt x="160" y="138"/>
+                  </a:lnTo>
+                  <a:lnTo>
+                    <a:pt x="172" y="112"/>
+                  </a:lnTo>
+                  <a:lnTo>
+                    <a:pt x="174" y="100"/>
+                  </a:lnTo>
+                  <a:lnTo>
+                    <a:pt x="176" y="88"/>
+                  </a:lnTo>
+                  <a:lnTo>
+                    <a:pt x="176" y="88"/>
+                  </a:lnTo>
+                  <a:lnTo>
+                    <a:pt x="174" y="70"/>
+                  </a:lnTo>
+                  <a:lnTo>
+                    <a:pt x="170" y="54"/>
+                  </a:lnTo>
+                  <a:lnTo>
+                    <a:pt x="160" y="38"/>
+                  </a:lnTo>
+                  <a:lnTo>
+                    <a:pt x="150" y="26"/>
+                  </a:lnTo>
+                  <a:lnTo>
+                    <a:pt x="138" y="16"/>
+                  </a:lnTo>
+                  <a:lnTo>
+                    <a:pt x="122" y="6"/>
+                  </a:lnTo>
+                  <a:lnTo>
+                    <a:pt x="106" y="2"/>
+                  </a:lnTo>
+                  <a:lnTo>
+                    <a:pt x="88" y="0"/>
+                  </a:lnTo>
+                  <a:close/>
+                  <a:moveTo>
+                    <a:pt x="108" y="218"/>
+                  </a:moveTo>
+                  <a:lnTo>
+                    <a:pt x="70" y="222"/>
+                  </a:lnTo>
+                  <a:lnTo>
+                    <a:pt x="70" y="222"/>
+                  </a:lnTo>
+                  <a:lnTo>
+                    <a:pt x="64" y="208"/>
+                  </a:lnTo>
+                  <a:lnTo>
+                    <a:pt x="64" y="208"/>
+                  </a:lnTo>
+                  <a:lnTo>
+                    <a:pt x="64" y="206"/>
+                  </a:lnTo>
+                  <a:lnTo>
+                    <a:pt x="114" y="200"/>
+                  </a:lnTo>
+                  <a:lnTo>
+                    <a:pt x="114" y="200"/>
+                  </a:lnTo>
+                  <a:lnTo>
+                    <a:pt x="112" y="208"/>
+                  </a:lnTo>
+                  <a:lnTo>
+                    <a:pt x="112" y="208"/>
+                  </a:lnTo>
+                  <a:lnTo>
+                    <a:pt x="108" y="218"/>
+                  </a:lnTo>
+                  <a:close/>
+                  <a:moveTo>
+                    <a:pt x="62" y="200"/>
+                  </a:moveTo>
+                  <a:lnTo>
+                    <a:pt x="62" y="200"/>
+                  </a:lnTo>
+                  <a:lnTo>
+                    <a:pt x="56" y="184"/>
+                  </a:lnTo>
+                  <a:lnTo>
+                    <a:pt x="120" y="184"/>
+                  </a:lnTo>
+                  <a:lnTo>
+                    <a:pt x="120" y="184"/>
+                  </a:lnTo>
+                  <a:lnTo>
+                    <a:pt x="116" y="192"/>
+                  </a:lnTo>
+                  <a:lnTo>
+                    <a:pt x="62" y="200"/>
+                  </a:lnTo>
+                  <a:close/>
+                  <a:moveTo>
+                    <a:pt x="88" y="240"/>
+                  </a:moveTo>
+                  <a:lnTo>
+                    <a:pt x="88" y="240"/>
+                  </a:lnTo>
+                  <a:lnTo>
+                    <a:pt x="82" y="240"/>
+                  </a:lnTo>
+                  <a:lnTo>
+                    <a:pt x="78" y="238"/>
+                  </a:lnTo>
+                  <a:lnTo>
+                    <a:pt x="76" y="236"/>
+                  </a:lnTo>
+                  <a:lnTo>
+                    <a:pt x="72" y="230"/>
+                  </a:lnTo>
+                  <a:lnTo>
+                    <a:pt x="106" y="226"/>
+                  </a:lnTo>
+                  <a:lnTo>
+                    <a:pt x="106" y="226"/>
+                  </a:lnTo>
+                  <a:lnTo>
+                    <a:pt x="102" y="234"/>
+                  </a:lnTo>
+                  <a:lnTo>
+                    <a:pt x="98" y="238"/>
+                  </a:lnTo>
+                  <a:lnTo>
+                    <a:pt x="94" y="240"/>
+                  </a:lnTo>
+                  <a:lnTo>
+                    <a:pt x="88" y="240"/>
+                  </a:lnTo>
+                  <a:close/>
+                  <a:moveTo>
+                    <a:pt x="126" y="168"/>
+                  </a:moveTo>
+                  <a:lnTo>
+                    <a:pt x="50" y="168"/>
+                  </a:lnTo>
+                  <a:lnTo>
+                    <a:pt x="50" y="168"/>
+                  </a:lnTo>
+                  <a:lnTo>
+                    <a:pt x="38" y="142"/>
+                  </a:lnTo>
+                  <a:lnTo>
+                    <a:pt x="38" y="142"/>
+                  </a:lnTo>
+                  <a:lnTo>
+                    <a:pt x="22" y="114"/>
+                  </a:lnTo>
+                  <a:lnTo>
+                    <a:pt x="18" y="100"/>
+                  </a:lnTo>
+                  <a:lnTo>
+                    <a:pt x="16" y="88"/>
+                  </a:lnTo>
+                  <a:lnTo>
+                    <a:pt x="16" y="88"/>
+                  </a:lnTo>
+                  <a:lnTo>
+                    <a:pt x="18" y="74"/>
+                  </a:lnTo>
+                  <a:lnTo>
+                    <a:pt x="22" y="60"/>
+                  </a:lnTo>
+                  <a:lnTo>
+                    <a:pt x="28" y="48"/>
+                  </a:lnTo>
+                  <a:lnTo>
+                    <a:pt x="38" y="38"/>
+                  </a:lnTo>
+                  <a:lnTo>
+                    <a:pt x="48" y="28"/>
+                  </a:lnTo>
+                  <a:lnTo>
+                    <a:pt x="60" y="22"/>
+                  </a:lnTo>
+                  <a:lnTo>
+                    <a:pt x="74" y="18"/>
+                  </a:lnTo>
+                  <a:lnTo>
+                    <a:pt x="88" y="16"/>
+                  </a:lnTo>
+                  <a:lnTo>
+                    <a:pt x="88" y="16"/>
+                  </a:lnTo>
+                  <a:lnTo>
+                    <a:pt x="102" y="18"/>
+                  </a:lnTo>
+                  <a:lnTo>
+                    <a:pt x="116" y="22"/>
+                  </a:lnTo>
+                  <a:lnTo>
+                    <a:pt x="128" y="28"/>
+                  </a:lnTo>
+                  <a:lnTo>
+                    <a:pt x="138" y="38"/>
+                  </a:lnTo>
+                  <a:lnTo>
+                    <a:pt x="148" y="48"/>
+                  </a:lnTo>
+                  <a:lnTo>
+                    <a:pt x="154" y="60"/>
+                  </a:lnTo>
+                  <a:lnTo>
+                    <a:pt x="158" y="74"/>
+                  </a:lnTo>
+                  <a:lnTo>
+                    <a:pt x="160" y="88"/>
+                  </a:lnTo>
+                  <a:lnTo>
+                    <a:pt x="160" y="88"/>
+                  </a:lnTo>
+                  <a:lnTo>
+                    <a:pt x="158" y="100"/>
+                  </a:lnTo>
+                  <a:lnTo>
+                    <a:pt x="154" y="114"/>
+                  </a:lnTo>
+                  <a:lnTo>
+                    <a:pt x="138" y="142"/>
+                  </a:lnTo>
+                  <a:lnTo>
+                    <a:pt x="138" y="142"/>
+                  </a:lnTo>
+                  <a:lnTo>
+                    <a:pt x="126" y="168"/>
+                  </a:lnTo>
+                  <a:close/>
+                </a:path>
+              </a:pathLst>
+            </a:custGeom>
+            <a:grpFill/>
+            <a:ln w="9525">
+              <a:noFill/>
+              <a:round/>
+            </a:ln>
+          </p:spPr>
+          <p:txBody>
+            <a:bodyPr vert="horz" wrap="square" lIns="121888" tIns="60944" rIns="121888" bIns="60944" numCol="1" anchor="t" anchorCtr="0" compatLnSpc="1"/>
+            <a:lstStyle/>
+            <a:p>
+              <a:pPr defTabSz="1172210"/>
+              <a:endParaRPr lang="ar-SA" sz="3065">
+                <a:solidFill>
+                  <a:prstClr val="black"/>
+                </a:solidFill>
+                <a:latin typeface="Open Sans"/>
+              </a:endParaRPr>
+            </a:p>
+          </p:txBody>
+        </p:sp>
+        <p:sp>
+          <p:nvSpPr>
+            <p:cNvPr id="48" name="Freeform 66"/>
+            <p:cNvSpPr/>
+            <p:nvPr>
+              <p:custDataLst>
+                <p:tags r:id="rId13"/>
+              </p:custDataLst>
+            </p:nvPr>
+          </p:nvSpPr>
+          <p:spPr bwMode="auto">
+            <a:xfrm>
+              <a:off x="4902200" y="2838450"/>
+              <a:ext cx="82550" cy="82550"/>
+            </a:xfrm>
+            <a:custGeom>
+              <a:avLst/>
+              <a:gdLst/>
+              <a:ahLst/>
+              <a:cxnLst>
+                <a:cxn ang="0">
+                  <a:pos x="48" y="0"/>
+                </a:cxn>
+                <a:cxn ang="0">
+                  <a:pos x="48" y="0"/>
+                </a:cxn>
+                <a:cxn ang="0">
+                  <a:pos x="38" y="0"/>
+                </a:cxn>
+                <a:cxn ang="0">
+                  <a:pos x="30" y="4"/>
+                </a:cxn>
+                <a:cxn ang="0">
+                  <a:pos x="22" y="8"/>
+                </a:cxn>
+                <a:cxn ang="0">
+                  <a:pos x="14" y="14"/>
+                </a:cxn>
+                <a:cxn ang="0">
+                  <a:pos x="8" y="22"/>
+                </a:cxn>
+                <a:cxn ang="0">
+                  <a:pos x="4" y="30"/>
+                </a:cxn>
+                <a:cxn ang="0">
+                  <a:pos x="0" y="38"/>
+                </a:cxn>
+                <a:cxn ang="0">
+                  <a:pos x="0" y="48"/>
+                </a:cxn>
+                <a:cxn ang="0">
+                  <a:pos x="0" y="48"/>
+                </a:cxn>
+                <a:cxn ang="0">
+                  <a:pos x="2" y="50"/>
+                </a:cxn>
+                <a:cxn ang="0">
+                  <a:pos x="4" y="52"/>
+                </a:cxn>
+                <a:cxn ang="0">
+                  <a:pos x="4" y="52"/>
+                </a:cxn>
+                <a:cxn ang="0">
+                  <a:pos x="6" y="50"/>
+                </a:cxn>
+                <a:cxn ang="0">
+                  <a:pos x="8" y="48"/>
+                </a:cxn>
+                <a:cxn ang="0">
+                  <a:pos x="8" y="48"/>
+                </a:cxn>
+                <a:cxn ang="0">
+                  <a:pos x="8" y="40"/>
+                </a:cxn>
+                <a:cxn ang="0">
+                  <a:pos x="12" y="32"/>
+                </a:cxn>
+                <a:cxn ang="0">
+                  <a:pos x="14" y="26"/>
+                </a:cxn>
+                <a:cxn ang="0">
+                  <a:pos x="20" y="20"/>
+                </a:cxn>
+                <a:cxn ang="0">
+                  <a:pos x="26" y="14"/>
+                </a:cxn>
+                <a:cxn ang="0">
+                  <a:pos x="32" y="12"/>
+                </a:cxn>
+                <a:cxn ang="0">
+                  <a:pos x="40" y="8"/>
+                </a:cxn>
+                <a:cxn ang="0">
+                  <a:pos x="48" y="8"/>
+                </a:cxn>
+                <a:cxn ang="0">
+                  <a:pos x="48" y="8"/>
+                </a:cxn>
+                <a:cxn ang="0">
+                  <a:pos x="50" y="6"/>
+                </a:cxn>
+                <a:cxn ang="0">
+                  <a:pos x="52" y="4"/>
+                </a:cxn>
+                <a:cxn ang="0">
+                  <a:pos x="52" y="4"/>
+                </a:cxn>
+                <a:cxn ang="0">
+                  <a:pos x="50" y="2"/>
+                </a:cxn>
+                <a:cxn ang="0">
+                  <a:pos x="48" y="0"/>
+                </a:cxn>
+              </a:cxnLst>
+              <a:rect l="0" t="0" r="r" b="b"/>
+              <a:pathLst>
+                <a:path w="52" h="52">
+                  <a:moveTo>
+                    <a:pt x="48" y="0"/>
+                  </a:moveTo>
+                  <a:lnTo>
+                    <a:pt x="48" y="0"/>
+                  </a:lnTo>
+                  <a:lnTo>
+                    <a:pt x="38" y="0"/>
+                  </a:lnTo>
+                  <a:lnTo>
+                    <a:pt x="30" y="4"/>
+                  </a:lnTo>
+                  <a:lnTo>
+                    <a:pt x="22" y="8"/>
+                  </a:lnTo>
+                  <a:lnTo>
+                    <a:pt x="14" y="14"/>
+                  </a:lnTo>
+                  <a:lnTo>
+                    <a:pt x="8" y="22"/>
+                  </a:lnTo>
+                  <a:lnTo>
+                    <a:pt x="4" y="30"/>
+                  </a:lnTo>
+                  <a:lnTo>
+                    <a:pt x="0" y="38"/>
+                  </a:lnTo>
+                  <a:lnTo>
+                    <a:pt x="0" y="48"/>
+                  </a:lnTo>
+                  <a:lnTo>
+                    <a:pt x="0" y="48"/>
+                  </a:lnTo>
+                  <a:lnTo>
+                    <a:pt x="2" y="50"/>
+                  </a:lnTo>
+                  <a:lnTo>
+                    <a:pt x="4" y="52"/>
+                  </a:lnTo>
+                  <a:lnTo>
+                    <a:pt x="4" y="52"/>
+                  </a:lnTo>
+                  <a:lnTo>
+                    <a:pt x="6" y="50"/>
+                  </a:lnTo>
+                  <a:lnTo>
+                    <a:pt x="8" y="48"/>
+                  </a:lnTo>
+                  <a:lnTo>
+                    <a:pt x="8" y="48"/>
+                  </a:lnTo>
+                  <a:lnTo>
+                    <a:pt x="8" y="40"/>
+                  </a:lnTo>
+                  <a:lnTo>
+                    <a:pt x="12" y="32"/>
+                  </a:lnTo>
+                  <a:lnTo>
+                    <a:pt x="14" y="26"/>
+                  </a:lnTo>
+                  <a:lnTo>
+                    <a:pt x="20" y="20"/>
+                  </a:lnTo>
+                  <a:lnTo>
+                    <a:pt x="26" y="14"/>
+                  </a:lnTo>
+                  <a:lnTo>
+                    <a:pt x="32" y="12"/>
+                  </a:lnTo>
+                  <a:lnTo>
+                    <a:pt x="40" y="8"/>
+                  </a:lnTo>
+                  <a:lnTo>
+                    <a:pt x="48" y="8"/>
+                  </a:lnTo>
+                  <a:lnTo>
+                    <a:pt x="48" y="8"/>
+                  </a:lnTo>
+                  <a:lnTo>
+                    <a:pt x="50" y="6"/>
+                  </a:lnTo>
+                  <a:lnTo>
+                    <a:pt x="52" y="4"/>
+                  </a:lnTo>
+                  <a:lnTo>
+                    <a:pt x="52" y="4"/>
+                  </a:lnTo>
+                  <a:lnTo>
+                    <a:pt x="50" y="2"/>
+                  </a:lnTo>
+                  <a:lnTo>
+                    <a:pt x="48" y="0"/>
+                  </a:lnTo>
+                  <a:close/>
+                </a:path>
+              </a:pathLst>
+            </a:custGeom>
+            <a:grpFill/>
+            <a:ln w="9525">
+              <a:noFill/>
+              <a:round/>
+            </a:ln>
+          </p:spPr>
+          <p:txBody>
+            <a:bodyPr vert="horz" wrap="square" lIns="121888" tIns="60944" rIns="121888" bIns="60944" numCol="1" anchor="t" anchorCtr="0" compatLnSpc="1"/>
+            <a:lstStyle/>
+            <a:p>
+              <a:pPr defTabSz="1172210"/>
+              <a:endParaRPr lang="ar-SA" sz="3065">
+                <a:solidFill>
+                  <a:prstClr val="black"/>
+                </a:solidFill>
+                <a:latin typeface="Open Sans"/>
+              </a:endParaRPr>
+            </a:p>
+          </p:txBody>
+        </p:sp>
+        <p:sp>
+          <p:nvSpPr>
+            <p:cNvPr id="49" name="Freeform 67"/>
+            <p:cNvSpPr/>
+            <p:nvPr>
+              <p:custDataLst>
+                <p:tags r:id="rId14"/>
+              </p:custDataLst>
+            </p:nvPr>
+          </p:nvSpPr>
+          <p:spPr bwMode="auto">
+            <a:xfrm>
+              <a:off x="4902200" y="2838450"/>
+              <a:ext cx="82550" cy="82550"/>
+            </a:xfrm>
+            <a:custGeom>
+              <a:avLst/>
+              <a:gdLst/>
+              <a:ahLst/>
+              <a:cxnLst>
+                <a:cxn ang="0">
+                  <a:pos x="48" y="0"/>
+                </a:cxn>
+                <a:cxn ang="0">
+                  <a:pos x="48" y="0"/>
+                </a:cxn>
+                <a:cxn ang="0">
+                  <a:pos x="38" y="0"/>
+                </a:cxn>
+                <a:cxn ang="0">
+                  <a:pos x="30" y="4"/>
+                </a:cxn>
+                <a:cxn ang="0">
+                  <a:pos x="22" y="8"/>
+                </a:cxn>
+                <a:cxn ang="0">
+                  <a:pos x="14" y="14"/>
+                </a:cxn>
+                <a:cxn ang="0">
+                  <a:pos x="8" y="22"/>
+                </a:cxn>
+                <a:cxn ang="0">
+                  <a:pos x="4" y="30"/>
+                </a:cxn>
+                <a:cxn ang="0">
+                  <a:pos x="0" y="38"/>
+                </a:cxn>
+                <a:cxn ang="0">
+                  <a:pos x="0" y="48"/>
+                </a:cxn>
+                <a:cxn ang="0">
+                  <a:pos x="0" y="48"/>
+                </a:cxn>
+                <a:cxn ang="0">
+                  <a:pos x="2" y="50"/>
+                </a:cxn>
+                <a:cxn ang="0">
+                  <a:pos x="4" y="52"/>
+                </a:cxn>
+                <a:cxn ang="0">
+                  <a:pos x="4" y="52"/>
+                </a:cxn>
+                <a:cxn ang="0">
+                  <a:pos x="6" y="50"/>
+                </a:cxn>
+                <a:cxn ang="0">
+                  <a:pos x="8" y="48"/>
+                </a:cxn>
+                <a:cxn ang="0">
+                  <a:pos x="8" y="48"/>
+                </a:cxn>
+                <a:cxn ang="0">
+                  <a:pos x="8" y="40"/>
+                </a:cxn>
+                <a:cxn ang="0">
+                  <a:pos x="12" y="32"/>
+                </a:cxn>
+                <a:cxn ang="0">
+                  <a:pos x="14" y="26"/>
+                </a:cxn>
+                <a:cxn ang="0">
+                  <a:pos x="20" y="20"/>
+                </a:cxn>
+                <a:cxn ang="0">
+                  <a:pos x="26" y="14"/>
+                </a:cxn>
+                <a:cxn ang="0">
+                  <a:pos x="32" y="12"/>
+                </a:cxn>
+                <a:cxn ang="0">
+                  <a:pos x="40" y="8"/>
+                </a:cxn>
+                <a:cxn ang="0">
+                  <a:pos x="48" y="8"/>
+                </a:cxn>
+                <a:cxn ang="0">
+                  <a:pos x="48" y="8"/>
+                </a:cxn>
+                <a:cxn ang="0">
+                  <a:pos x="50" y="6"/>
+                </a:cxn>
+                <a:cxn ang="0">
+                  <a:pos x="52" y="4"/>
+                </a:cxn>
+                <a:cxn ang="0">
+                  <a:pos x="52" y="4"/>
+                </a:cxn>
+                <a:cxn ang="0">
+                  <a:pos x="50" y="2"/>
+                </a:cxn>
+                <a:cxn ang="0">
+                  <a:pos x="48" y="0"/>
+                </a:cxn>
+              </a:cxnLst>
+              <a:rect l="0" t="0" r="r" b="b"/>
+              <a:pathLst>
+                <a:path w="52" h="52">
+                  <a:moveTo>
+                    <a:pt x="48" y="0"/>
+                  </a:moveTo>
+                  <a:lnTo>
+                    <a:pt x="48" y="0"/>
+                  </a:lnTo>
+                  <a:lnTo>
+                    <a:pt x="38" y="0"/>
+                  </a:lnTo>
+                  <a:lnTo>
+                    <a:pt x="30" y="4"/>
+                  </a:lnTo>
+                  <a:lnTo>
+                    <a:pt x="22" y="8"/>
+                  </a:lnTo>
+                  <a:lnTo>
+                    <a:pt x="14" y="14"/>
+                  </a:lnTo>
+                  <a:lnTo>
+                    <a:pt x="8" y="22"/>
+                  </a:lnTo>
+                  <a:lnTo>
+                    <a:pt x="4" y="30"/>
+                  </a:lnTo>
+                  <a:lnTo>
+                    <a:pt x="0" y="38"/>
+                  </a:lnTo>
+                  <a:lnTo>
+                    <a:pt x="0" y="48"/>
+                  </a:lnTo>
+                  <a:lnTo>
+                    <a:pt x="0" y="48"/>
+                  </a:lnTo>
+                  <a:lnTo>
+                    <a:pt x="2" y="50"/>
+                  </a:lnTo>
+                  <a:lnTo>
+                    <a:pt x="4" y="52"/>
+                  </a:lnTo>
+                  <a:lnTo>
+                    <a:pt x="4" y="52"/>
+                  </a:lnTo>
+                  <a:lnTo>
+                    <a:pt x="6" y="50"/>
+                  </a:lnTo>
+                  <a:lnTo>
+                    <a:pt x="8" y="48"/>
+                  </a:lnTo>
+                  <a:lnTo>
+                    <a:pt x="8" y="48"/>
+                  </a:lnTo>
+                  <a:lnTo>
+                    <a:pt x="8" y="40"/>
+                  </a:lnTo>
+                  <a:lnTo>
+                    <a:pt x="12" y="32"/>
+                  </a:lnTo>
+                  <a:lnTo>
+                    <a:pt x="14" y="26"/>
+                  </a:lnTo>
+                  <a:lnTo>
+                    <a:pt x="20" y="20"/>
+                  </a:lnTo>
+                  <a:lnTo>
+                    <a:pt x="26" y="14"/>
+                  </a:lnTo>
+                  <a:lnTo>
+                    <a:pt x="32" y="12"/>
+                  </a:lnTo>
+                  <a:lnTo>
+                    <a:pt x="40" y="8"/>
+                  </a:lnTo>
+                  <a:lnTo>
+                    <a:pt x="48" y="8"/>
+                  </a:lnTo>
+                  <a:lnTo>
+                    <a:pt x="48" y="8"/>
+                  </a:lnTo>
+                  <a:lnTo>
+                    <a:pt x="50" y="6"/>
+                  </a:lnTo>
+                  <a:lnTo>
+                    <a:pt x="52" y="4"/>
+                  </a:lnTo>
+                  <a:lnTo>
+                    <a:pt x="52" y="4"/>
+                  </a:lnTo>
+                  <a:lnTo>
+                    <a:pt x="50" y="2"/>
+                  </a:lnTo>
+                  <a:lnTo>
+                    <a:pt x="48" y="0"/>
+                  </a:lnTo>
+                </a:path>
+              </a:pathLst>
+            </a:custGeom>
+            <a:grpFill/>
+            <a:ln w="9525">
+              <a:noFill/>
+              <a:round/>
+            </a:ln>
+          </p:spPr>
+          <p:txBody>
+            <a:bodyPr vert="horz" wrap="square" lIns="121888" tIns="60944" rIns="121888" bIns="60944" numCol="1" anchor="t" anchorCtr="0" compatLnSpc="1"/>
+            <a:lstStyle/>
+            <a:p>
+              <a:pPr defTabSz="1172210"/>
+              <a:endParaRPr lang="ar-SA" sz="3065">
+                <a:solidFill>
+                  <a:prstClr val="black"/>
+                </a:solidFill>
+                <a:latin typeface="Open Sans"/>
+              </a:endParaRPr>
+            </a:p>
+          </p:txBody>
+        </p:sp>
+      </p:grpSp>
+      <p:sp>
+        <p:nvSpPr>
+          <p:cNvPr id="50" name="椭圆 49"/>
+          <p:cNvSpPr/>
+          <p:nvPr>
+            <p:custDataLst>
+              <p:tags r:id="rId15"/>
+            </p:custDataLst>
+          </p:nvPr>
+        </p:nvSpPr>
+        <p:spPr>
+          <a:xfrm>
+            <a:off x="6793865" y="4704234"/>
+            <a:ext cx="685800" cy="685800"/>
+          </a:xfrm>
+          <a:prstGeom prst="ellipse">
+            <a:avLst/>
+          </a:prstGeom>
+          <a:solidFill>
+            <a:srgbClr val="C00000"/>
+          </a:solidFill>
+          <a:ln>
+            <a:noFill/>
+          </a:ln>
+        </p:spPr>
+        <p:style>
+          <a:lnRef idx="2">
+            <a:schemeClr val="accent1">
+              <a:shade val="50000"/>
+            </a:schemeClr>
+          </a:lnRef>
+          <a:fillRef idx="1">
+            <a:schemeClr val="accent1"/>
+          </a:fillRef>
+          <a:effectRef idx="0">
+            <a:schemeClr val="accent1"/>
+          </a:effectRef>
+          <a:fontRef idx="minor">
+            <a:schemeClr val="lt1"/>
+          </a:fontRef>
+        </p:style>
+        <p:txBody>
+          <a:bodyPr rtlCol="0" anchor="ctr"/>
+          <a:lstStyle/>
+          <a:p>
+            <a:pPr algn="ctr"/>
+            <a:endParaRPr lang="zh-CN" altLang="en-US"/>
+          </a:p>
+        </p:txBody>
+      </p:sp>
+      <p:grpSp>
+        <p:nvGrpSpPr>
+          <p:cNvPr id="51" name="组合 50"/>
+          <p:cNvGrpSpPr/>
+          <p:nvPr/>
+        </p:nvGrpSpPr>
+        <p:grpSpPr>
+          <a:xfrm>
+            <a:off x="7650718" y="4498149"/>
+            <a:ext cx="3499485" cy="1279770"/>
+            <a:chOff x="849087" y="4237193"/>
+            <a:chExt cx="3499485" cy="1279770"/>
+          </a:xfrm>
+        </p:grpSpPr>
+        <p:sp>
+          <p:nvSpPr>
+            <p:cNvPr id="52" name="文本框 51"/>
+            <p:cNvSpPr txBox="1"/>
+            <p:nvPr>
+              <p:custDataLst>
+                <p:tags r:id="rId16"/>
+              </p:custDataLst>
+            </p:nvPr>
+          </p:nvSpPr>
+          <p:spPr>
+            <a:xfrm>
+              <a:off x="849087" y="4237193"/>
+              <a:ext cx="3499485" cy="368300"/>
+            </a:xfrm>
+            <a:prstGeom prst="rect">
+              <a:avLst/>
+            </a:prstGeom>
+            <a:noFill/>
+          </p:spPr>
+          <p:txBody>
+            <a:bodyPr wrap="square" rtlCol="0">
+              <a:spAutoFit/>
+            </a:bodyPr>
+            <a:lstStyle/>
+            <a:p>
+              <a:r>
+                <a:rPr lang="zh-CN" altLang="en-US" dirty="0">
+                  <a:solidFill>
+                    <a:schemeClr val="bg1"/>
+                  </a:solidFill>
+                  <a:sym typeface="+mn-ea"/>
+                </a:rPr>
+                <a:t>沟通不及时</a:t>
+              </a:r>
+              <a:endParaRPr lang="zh-CN" altLang="en-US" dirty="0">
+                <a:solidFill>
+                  <a:schemeClr val="bg1"/>
+                </a:solidFill>
+                <a:sym typeface="+mn-ea"/>
+              </a:endParaRPr>
+            </a:p>
+          </p:txBody>
+        </p:sp>
+        <p:sp>
+          <p:nvSpPr>
+            <p:cNvPr id="53" name="文本框 52"/>
+            <p:cNvSpPr txBox="1"/>
+            <p:nvPr>
+              <p:custDataLst>
+                <p:tags r:id="rId17"/>
+              </p:custDataLst>
+            </p:nvPr>
+          </p:nvSpPr>
+          <p:spPr>
+            <a:xfrm>
+              <a:off x="849087" y="4617803"/>
+              <a:ext cx="3423954" cy="899160"/>
+            </a:xfrm>
+            <a:prstGeom prst="rect">
+              <a:avLst/>
+            </a:prstGeom>
+            <a:noFill/>
+          </p:spPr>
+          <p:txBody>
+            <a:bodyPr wrap="square" rtlCol="0">
+              <a:spAutoFit/>
+            </a:bodyPr>
+            <a:lstStyle/>
+            <a:p>
+              <a:pPr>
+                <a:lnSpc>
+                  <a:spcPct val="125000"/>
+                </a:lnSpc>
+              </a:pPr>
+              <a:r>
+                <a:rPr lang="zh-CN" altLang="en-US" sz="1400" dirty="0">
+                  <a:solidFill>
+                    <a:schemeClr val="bg1"/>
+                  </a:solidFill>
+                  <a:sym typeface="+mn-ea"/>
+                </a:rPr>
+                <a:t>和实验室中有工作内容相关的老师、前辈和</a:t>
+              </a:r>
+              <a:r>
+                <a:rPr lang="zh-CN" altLang="en-US" sz="1400" dirty="0">
+                  <a:solidFill>
+                    <a:schemeClr val="bg1"/>
+                  </a:solidFill>
+                  <a:sym typeface="+mn-ea"/>
+                </a:rPr>
+                <a:t>同学沟通不够顺畅，导致获取、提供帮助，和同步进展不够及时</a:t>
+              </a:r>
+              <a:endParaRPr lang="zh-CN" altLang="en-US" sz="1400" dirty="0">
+                <a:solidFill>
+                  <a:schemeClr val="bg1"/>
+                </a:solidFill>
+                <a:sym typeface="+mn-ea"/>
+              </a:endParaRPr>
+            </a:p>
+          </p:txBody>
+        </p:sp>
+      </p:grpSp>
+      <p:grpSp>
+        <p:nvGrpSpPr>
+          <p:cNvPr id="54" name="Group 34"/>
+          <p:cNvGrpSpPr/>
+          <p:nvPr/>
+        </p:nvGrpSpPr>
+        <p:grpSpPr>
+          <a:xfrm>
+            <a:off x="6995939" y="4842297"/>
+            <a:ext cx="281651" cy="409674"/>
+            <a:chOff x="4838700" y="2774950"/>
+            <a:chExt cx="279400" cy="406400"/>
+          </a:xfrm>
+          <a:solidFill>
+            <a:schemeClr val="bg1"/>
+          </a:solidFill>
+        </p:grpSpPr>
+        <p:sp>
+          <p:nvSpPr>
+            <p:cNvPr id="55" name="Freeform 60"/>
+            <p:cNvSpPr>
+              <a:spLocks noEditPoints="1"/>
+            </p:cNvSpPr>
+            <p:nvPr>
+              <p:custDataLst>
+                <p:tags r:id="rId18"/>
+              </p:custDataLst>
+            </p:nvPr>
+          </p:nvSpPr>
+          <p:spPr bwMode="auto">
+            <a:xfrm>
+              <a:off x="4838700" y="2774950"/>
+              <a:ext cx="279400" cy="406400"/>
+            </a:xfrm>
+            <a:custGeom>
+              <a:avLst/>
+              <a:gdLst/>
+              <a:ahLst/>
+              <a:cxnLst>
+                <a:cxn ang="0">
+                  <a:pos x="88" y="0"/>
+                </a:cxn>
+                <a:cxn ang="0">
+                  <a:pos x="54" y="6"/>
+                </a:cxn>
+                <a:cxn ang="0">
+                  <a:pos x="26" y="26"/>
+                </a:cxn>
+                <a:cxn ang="0">
+                  <a:pos x="6" y="54"/>
+                </a:cxn>
+                <a:cxn ang="0">
+                  <a:pos x="0" y="88"/>
+                </a:cxn>
+                <a:cxn ang="0">
+                  <a:pos x="2" y="100"/>
+                </a:cxn>
+                <a:cxn ang="0">
+                  <a:pos x="16" y="138"/>
+                </a:cxn>
+                <a:cxn ang="0">
+                  <a:pos x="40" y="184"/>
+                </a:cxn>
+                <a:cxn ang="0">
+                  <a:pos x="50" y="214"/>
+                </a:cxn>
+                <a:cxn ang="0">
+                  <a:pos x="62" y="246"/>
+                </a:cxn>
+                <a:cxn ang="0">
+                  <a:pos x="76" y="254"/>
+                </a:cxn>
+                <a:cxn ang="0">
+                  <a:pos x="88" y="256"/>
+                </a:cxn>
+                <a:cxn ang="0">
+                  <a:pos x="108" y="252"/>
+                </a:cxn>
+                <a:cxn ang="0">
+                  <a:pos x="118" y="238"/>
+                </a:cxn>
+                <a:cxn ang="0">
+                  <a:pos x="136" y="184"/>
+                </a:cxn>
+                <a:cxn ang="0">
+                  <a:pos x="146" y="162"/>
+                </a:cxn>
+                <a:cxn ang="0">
+                  <a:pos x="172" y="112"/>
+                </a:cxn>
+                <a:cxn ang="0">
+                  <a:pos x="176" y="88"/>
+                </a:cxn>
+                <a:cxn ang="0">
+                  <a:pos x="174" y="70"/>
+                </a:cxn>
+                <a:cxn ang="0">
+                  <a:pos x="160" y="38"/>
+                </a:cxn>
+                <a:cxn ang="0">
+                  <a:pos x="138" y="16"/>
+                </a:cxn>
+                <a:cxn ang="0">
+                  <a:pos x="106" y="2"/>
+                </a:cxn>
+                <a:cxn ang="0">
+                  <a:pos x="108" y="218"/>
+                </a:cxn>
+                <a:cxn ang="0">
+                  <a:pos x="70" y="222"/>
+                </a:cxn>
+                <a:cxn ang="0">
+                  <a:pos x="64" y="208"/>
+                </a:cxn>
+                <a:cxn ang="0">
+                  <a:pos x="114" y="200"/>
+                </a:cxn>
+                <a:cxn ang="0">
+                  <a:pos x="112" y="208"/>
+                </a:cxn>
+                <a:cxn ang="0">
+                  <a:pos x="108" y="218"/>
+                </a:cxn>
+                <a:cxn ang="0">
+                  <a:pos x="62" y="200"/>
+                </a:cxn>
+                <a:cxn ang="0">
+                  <a:pos x="120" y="184"/>
+                </a:cxn>
+                <a:cxn ang="0">
+                  <a:pos x="116" y="192"/>
+                </a:cxn>
+                <a:cxn ang="0">
+                  <a:pos x="88" y="240"/>
+                </a:cxn>
+                <a:cxn ang="0">
+                  <a:pos x="82" y="240"/>
+                </a:cxn>
+                <a:cxn ang="0">
+                  <a:pos x="76" y="236"/>
+                </a:cxn>
+                <a:cxn ang="0">
+                  <a:pos x="106" y="226"/>
+                </a:cxn>
+                <a:cxn ang="0">
+                  <a:pos x="102" y="234"/>
+                </a:cxn>
+                <a:cxn ang="0">
+                  <a:pos x="94" y="240"/>
+                </a:cxn>
+                <a:cxn ang="0">
+                  <a:pos x="126" y="168"/>
+                </a:cxn>
+                <a:cxn ang="0">
+                  <a:pos x="50" y="168"/>
+                </a:cxn>
+                <a:cxn ang="0">
+                  <a:pos x="38" y="142"/>
+                </a:cxn>
+                <a:cxn ang="0">
+                  <a:pos x="18" y="100"/>
+                </a:cxn>
+                <a:cxn ang="0">
+                  <a:pos x="16" y="88"/>
+                </a:cxn>
+                <a:cxn ang="0">
+                  <a:pos x="22" y="60"/>
+                </a:cxn>
+                <a:cxn ang="0">
+                  <a:pos x="38" y="38"/>
+                </a:cxn>
+                <a:cxn ang="0">
+                  <a:pos x="60" y="22"/>
+                </a:cxn>
+                <a:cxn ang="0">
+                  <a:pos x="88" y="16"/>
+                </a:cxn>
+                <a:cxn ang="0">
+                  <a:pos x="102" y="18"/>
+                </a:cxn>
+                <a:cxn ang="0">
+                  <a:pos x="128" y="28"/>
+                </a:cxn>
+                <a:cxn ang="0">
+                  <a:pos x="148" y="48"/>
+                </a:cxn>
+                <a:cxn ang="0">
+                  <a:pos x="158" y="74"/>
+                </a:cxn>
+                <a:cxn ang="0">
+                  <a:pos x="160" y="88"/>
+                </a:cxn>
+                <a:cxn ang="0">
+                  <a:pos x="154" y="114"/>
+                </a:cxn>
+                <a:cxn ang="0">
+                  <a:pos x="138" y="142"/>
+                </a:cxn>
+              </a:cxnLst>
+              <a:rect l="0" t="0" r="r" b="b"/>
+              <a:pathLst>
+                <a:path w="176" h="256">
+                  <a:moveTo>
+                    <a:pt x="88" y="0"/>
+                  </a:moveTo>
+                  <a:lnTo>
+                    <a:pt x="88" y="0"/>
+                  </a:lnTo>
+                  <a:lnTo>
+                    <a:pt x="70" y="2"/>
+                  </a:lnTo>
+                  <a:lnTo>
+                    <a:pt x="54" y="6"/>
+                  </a:lnTo>
+                  <a:lnTo>
+                    <a:pt x="38" y="16"/>
+                  </a:lnTo>
+                  <a:lnTo>
+                    <a:pt x="26" y="26"/>
+                  </a:lnTo>
+                  <a:lnTo>
+                    <a:pt x="16" y="38"/>
+                  </a:lnTo>
+                  <a:lnTo>
+                    <a:pt x="6" y="54"/>
+                  </a:lnTo>
+                  <a:lnTo>
+                    <a:pt x="2" y="70"/>
+                  </a:lnTo>
+                  <a:lnTo>
+                    <a:pt x="0" y="88"/>
+                  </a:lnTo>
+                  <a:lnTo>
+                    <a:pt x="0" y="88"/>
+                  </a:lnTo>
+                  <a:lnTo>
+                    <a:pt x="2" y="100"/>
+                  </a:lnTo>
+                  <a:lnTo>
+                    <a:pt x="4" y="112"/>
+                  </a:lnTo>
+                  <a:lnTo>
+                    <a:pt x="16" y="138"/>
+                  </a:lnTo>
+                  <a:lnTo>
+                    <a:pt x="30" y="162"/>
+                  </a:lnTo>
+                  <a:lnTo>
+                    <a:pt x="40" y="184"/>
+                  </a:lnTo>
+                  <a:lnTo>
+                    <a:pt x="40" y="184"/>
+                  </a:lnTo>
+                  <a:lnTo>
+                    <a:pt x="50" y="214"/>
+                  </a:lnTo>
+                  <a:lnTo>
+                    <a:pt x="58" y="238"/>
+                  </a:lnTo>
+                  <a:lnTo>
+                    <a:pt x="62" y="246"/>
+                  </a:lnTo>
+                  <a:lnTo>
+                    <a:pt x="68" y="252"/>
+                  </a:lnTo>
+                  <a:lnTo>
+                    <a:pt x="76" y="254"/>
+                  </a:lnTo>
+                  <a:lnTo>
+                    <a:pt x="88" y="256"/>
+                  </a:lnTo>
+                  <a:lnTo>
+                    <a:pt x="88" y="256"/>
+                  </a:lnTo>
+                  <a:lnTo>
+                    <a:pt x="100" y="254"/>
+                  </a:lnTo>
+                  <a:lnTo>
+                    <a:pt x="108" y="252"/>
+                  </a:lnTo>
+                  <a:lnTo>
+                    <a:pt x="114" y="246"/>
+                  </a:lnTo>
+                  <a:lnTo>
+                    <a:pt x="118" y="238"/>
+                  </a:lnTo>
+                  <a:lnTo>
+                    <a:pt x="126" y="214"/>
+                  </a:lnTo>
+                  <a:lnTo>
+                    <a:pt x="136" y="184"/>
+                  </a:lnTo>
+                  <a:lnTo>
+                    <a:pt x="136" y="184"/>
+                  </a:lnTo>
+                  <a:lnTo>
+                    <a:pt x="146" y="162"/>
+                  </a:lnTo>
+                  <a:lnTo>
+                    <a:pt x="160" y="138"/>
+                  </a:lnTo>
+                  <a:lnTo>
+                    <a:pt x="172" y="112"/>
+                  </a:lnTo>
+                  <a:lnTo>
+                    <a:pt x="174" y="100"/>
+                  </a:lnTo>
+                  <a:lnTo>
+                    <a:pt x="176" y="88"/>
+                  </a:lnTo>
+                  <a:lnTo>
+                    <a:pt x="176" y="88"/>
+                  </a:lnTo>
+                  <a:lnTo>
+                    <a:pt x="174" y="70"/>
+                  </a:lnTo>
+                  <a:lnTo>
+                    <a:pt x="170" y="54"/>
+                  </a:lnTo>
+                  <a:lnTo>
+                    <a:pt x="160" y="38"/>
+                  </a:lnTo>
+                  <a:lnTo>
+                    <a:pt x="150" y="26"/>
+                  </a:lnTo>
+                  <a:lnTo>
+                    <a:pt x="138" y="16"/>
+                  </a:lnTo>
+                  <a:lnTo>
+                    <a:pt x="122" y="6"/>
+                  </a:lnTo>
+                  <a:lnTo>
+                    <a:pt x="106" y="2"/>
+                  </a:lnTo>
+                  <a:lnTo>
+                    <a:pt x="88" y="0"/>
+                  </a:lnTo>
+                  <a:close/>
+                  <a:moveTo>
+                    <a:pt x="108" y="218"/>
+                  </a:moveTo>
+                  <a:lnTo>
+                    <a:pt x="70" y="222"/>
+                  </a:lnTo>
+                  <a:lnTo>
+                    <a:pt x="70" y="222"/>
+                  </a:lnTo>
+                  <a:lnTo>
+                    <a:pt x="64" y="208"/>
+                  </a:lnTo>
+                  <a:lnTo>
+                    <a:pt x="64" y="208"/>
+                  </a:lnTo>
+                  <a:lnTo>
+                    <a:pt x="64" y="206"/>
+                  </a:lnTo>
+                  <a:lnTo>
+                    <a:pt x="114" y="200"/>
+                  </a:lnTo>
+                  <a:lnTo>
+                    <a:pt x="114" y="200"/>
+                  </a:lnTo>
+                  <a:lnTo>
+                    <a:pt x="112" y="208"/>
+                  </a:lnTo>
+                  <a:lnTo>
+                    <a:pt x="112" y="208"/>
+                  </a:lnTo>
+                  <a:lnTo>
+                    <a:pt x="108" y="218"/>
+                  </a:lnTo>
+                  <a:close/>
+                  <a:moveTo>
+                    <a:pt x="62" y="200"/>
+                  </a:moveTo>
+                  <a:lnTo>
+                    <a:pt x="62" y="200"/>
+                  </a:lnTo>
+                  <a:lnTo>
+                    <a:pt x="56" y="184"/>
+                  </a:lnTo>
+                  <a:lnTo>
+                    <a:pt x="120" y="184"/>
+                  </a:lnTo>
+                  <a:lnTo>
+                    <a:pt x="120" y="184"/>
+                  </a:lnTo>
+                  <a:lnTo>
+                    <a:pt x="116" y="192"/>
+                  </a:lnTo>
+                  <a:lnTo>
+                    <a:pt x="62" y="200"/>
+                  </a:lnTo>
+                  <a:close/>
+                  <a:moveTo>
+                    <a:pt x="88" y="240"/>
+                  </a:moveTo>
+                  <a:lnTo>
+                    <a:pt x="88" y="240"/>
+                  </a:lnTo>
+                  <a:lnTo>
+                    <a:pt x="82" y="240"/>
+                  </a:lnTo>
+                  <a:lnTo>
+                    <a:pt x="78" y="238"/>
+                  </a:lnTo>
+                  <a:lnTo>
+                    <a:pt x="76" y="236"/>
+                  </a:lnTo>
+                  <a:lnTo>
+                    <a:pt x="72" y="230"/>
+                  </a:lnTo>
+                  <a:lnTo>
+                    <a:pt x="106" y="226"/>
+                  </a:lnTo>
+                  <a:lnTo>
+                    <a:pt x="106" y="226"/>
+                  </a:lnTo>
+                  <a:lnTo>
+                    <a:pt x="102" y="234"/>
+                  </a:lnTo>
+                  <a:lnTo>
+                    <a:pt x="98" y="238"/>
+                  </a:lnTo>
+                  <a:lnTo>
+                    <a:pt x="94" y="240"/>
+                  </a:lnTo>
+                  <a:lnTo>
+                    <a:pt x="88" y="240"/>
+                  </a:lnTo>
+                  <a:close/>
+                  <a:moveTo>
+                    <a:pt x="126" y="168"/>
+                  </a:moveTo>
+                  <a:lnTo>
+                    <a:pt x="50" y="168"/>
+                  </a:lnTo>
+                  <a:lnTo>
+                    <a:pt x="50" y="168"/>
+                  </a:lnTo>
+                  <a:lnTo>
+                    <a:pt x="38" y="142"/>
+                  </a:lnTo>
+                  <a:lnTo>
+                    <a:pt x="38" y="142"/>
+                  </a:lnTo>
+                  <a:lnTo>
+                    <a:pt x="22" y="114"/>
+                  </a:lnTo>
+                  <a:lnTo>
+                    <a:pt x="18" y="100"/>
+                  </a:lnTo>
+                  <a:lnTo>
+                    <a:pt x="16" y="88"/>
+                  </a:lnTo>
+                  <a:lnTo>
+                    <a:pt x="16" y="88"/>
+                  </a:lnTo>
+                  <a:lnTo>
+                    <a:pt x="18" y="74"/>
+                  </a:lnTo>
+                  <a:lnTo>
+                    <a:pt x="22" y="60"/>
+                  </a:lnTo>
+                  <a:lnTo>
+                    <a:pt x="28" y="48"/>
+                  </a:lnTo>
+                  <a:lnTo>
+                    <a:pt x="38" y="38"/>
+                  </a:lnTo>
+                  <a:lnTo>
+                    <a:pt x="48" y="28"/>
+                  </a:lnTo>
+                  <a:lnTo>
+                    <a:pt x="60" y="22"/>
+                  </a:lnTo>
+                  <a:lnTo>
+                    <a:pt x="74" y="18"/>
+                  </a:lnTo>
+                  <a:lnTo>
+                    <a:pt x="88" y="16"/>
+                  </a:lnTo>
+                  <a:lnTo>
+                    <a:pt x="88" y="16"/>
+                  </a:lnTo>
+                  <a:lnTo>
+                    <a:pt x="102" y="18"/>
+                  </a:lnTo>
+                  <a:lnTo>
+                    <a:pt x="116" y="22"/>
+                  </a:lnTo>
+                  <a:lnTo>
+                    <a:pt x="128" y="28"/>
+                  </a:lnTo>
+                  <a:lnTo>
+                    <a:pt x="138" y="38"/>
+                  </a:lnTo>
+                  <a:lnTo>
+                    <a:pt x="148" y="48"/>
+                  </a:lnTo>
+                  <a:lnTo>
+                    <a:pt x="154" y="60"/>
+                  </a:lnTo>
+                  <a:lnTo>
+                    <a:pt x="158" y="74"/>
+                  </a:lnTo>
+                  <a:lnTo>
+                    <a:pt x="160" y="88"/>
+                  </a:lnTo>
+                  <a:lnTo>
+                    <a:pt x="160" y="88"/>
+                  </a:lnTo>
+                  <a:lnTo>
+                    <a:pt x="158" y="100"/>
+                  </a:lnTo>
+                  <a:lnTo>
+                    <a:pt x="154" y="114"/>
+                  </a:lnTo>
+                  <a:lnTo>
+                    <a:pt x="138" y="142"/>
+                  </a:lnTo>
+                  <a:lnTo>
+                    <a:pt x="138" y="142"/>
+                  </a:lnTo>
+                  <a:lnTo>
+                    <a:pt x="126" y="168"/>
+                  </a:lnTo>
+                  <a:close/>
+                </a:path>
+              </a:pathLst>
+            </a:custGeom>
+            <a:grpFill/>
+            <a:ln w="9525">
+              <a:noFill/>
+              <a:round/>
+            </a:ln>
+          </p:spPr>
+          <p:txBody>
+            <a:bodyPr vert="horz" wrap="square" lIns="121888" tIns="60944" rIns="121888" bIns="60944" numCol="1" anchor="t" anchorCtr="0" compatLnSpc="1"/>
+            <a:lstStyle/>
+            <a:p>
+              <a:pPr defTabSz="1172210"/>
+              <a:endParaRPr lang="ar-SA" sz="3065">
+                <a:solidFill>
+                  <a:prstClr val="black"/>
+                </a:solidFill>
+                <a:latin typeface="Open Sans"/>
+              </a:endParaRPr>
+            </a:p>
+          </p:txBody>
+        </p:sp>
+        <p:sp>
+          <p:nvSpPr>
+            <p:cNvPr id="56" name="Freeform 66"/>
+            <p:cNvSpPr/>
+            <p:nvPr>
+              <p:custDataLst>
+                <p:tags r:id="rId19"/>
+              </p:custDataLst>
+            </p:nvPr>
+          </p:nvSpPr>
+          <p:spPr bwMode="auto">
+            <a:xfrm>
+              <a:off x="4902200" y="2838450"/>
+              <a:ext cx="82550" cy="82550"/>
+            </a:xfrm>
+            <a:custGeom>
+              <a:avLst/>
+              <a:gdLst/>
+              <a:ahLst/>
+              <a:cxnLst>
+                <a:cxn ang="0">
+                  <a:pos x="48" y="0"/>
+                </a:cxn>
+                <a:cxn ang="0">
+                  <a:pos x="48" y="0"/>
+                </a:cxn>
+                <a:cxn ang="0">
+                  <a:pos x="38" y="0"/>
+                </a:cxn>
+                <a:cxn ang="0">
+                  <a:pos x="30" y="4"/>
+                </a:cxn>
+                <a:cxn ang="0">
+                  <a:pos x="22" y="8"/>
+                </a:cxn>
+                <a:cxn ang="0">
+                  <a:pos x="14" y="14"/>
+                </a:cxn>
+                <a:cxn ang="0">
+                  <a:pos x="8" y="22"/>
+                </a:cxn>
+                <a:cxn ang="0">
+                  <a:pos x="4" y="30"/>
+                </a:cxn>
+                <a:cxn ang="0">
+                  <a:pos x="0" y="38"/>
+                </a:cxn>
+                <a:cxn ang="0">
+                  <a:pos x="0" y="48"/>
+                </a:cxn>
+                <a:cxn ang="0">
+                  <a:pos x="0" y="48"/>
+                </a:cxn>
+                <a:cxn ang="0">
+                  <a:pos x="2" y="50"/>
+                </a:cxn>
+                <a:cxn ang="0">
+                  <a:pos x="4" y="52"/>
+                </a:cxn>
+                <a:cxn ang="0">
+                  <a:pos x="4" y="52"/>
+                </a:cxn>
+                <a:cxn ang="0">
+                  <a:pos x="6" y="50"/>
+                </a:cxn>
+                <a:cxn ang="0">
+                  <a:pos x="8" y="48"/>
+                </a:cxn>
+                <a:cxn ang="0">
+                  <a:pos x="8" y="48"/>
+                </a:cxn>
+                <a:cxn ang="0">
+                  <a:pos x="8" y="40"/>
+                </a:cxn>
+                <a:cxn ang="0">
+                  <a:pos x="12" y="32"/>
+                </a:cxn>
+                <a:cxn ang="0">
+                  <a:pos x="14" y="26"/>
+                </a:cxn>
+                <a:cxn ang="0">
+                  <a:pos x="20" y="20"/>
+                </a:cxn>
+                <a:cxn ang="0">
+                  <a:pos x="26" y="14"/>
+                </a:cxn>
+                <a:cxn ang="0">
+                  <a:pos x="32" y="12"/>
+                </a:cxn>
+                <a:cxn ang="0">
+                  <a:pos x="40" y="8"/>
+                </a:cxn>
+                <a:cxn ang="0">
+                  <a:pos x="48" y="8"/>
+                </a:cxn>
+                <a:cxn ang="0">
+                  <a:pos x="48" y="8"/>
+                </a:cxn>
+                <a:cxn ang="0">
+                  <a:pos x="50" y="6"/>
+                </a:cxn>
+                <a:cxn ang="0">
+                  <a:pos x="52" y="4"/>
+                </a:cxn>
+                <a:cxn ang="0">
+                  <a:pos x="52" y="4"/>
+                </a:cxn>
+                <a:cxn ang="0">
+                  <a:pos x="50" y="2"/>
+                </a:cxn>
+                <a:cxn ang="0">
+                  <a:pos x="48" y="0"/>
+                </a:cxn>
+              </a:cxnLst>
+              <a:rect l="0" t="0" r="r" b="b"/>
+              <a:pathLst>
+                <a:path w="52" h="52">
+                  <a:moveTo>
+                    <a:pt x="48" y="0"/>
+                  </a:moveTo>
+                  <a:lnTo>
+                    <a:pt x="48" y="0"/>
+                  </a:lnTo>
+                  <a:lnTo>
+                    <a:pt x="38" y="0"/>
+                  </a:lnTo>
+                  <a:lnTo>
+                    <a:pt x="30" y="4"/>
+                  </a:lnTo>
+                  <a:lnTo>
+                    <a:pt x="22" y="8"/>
+                  </a:lnTo>
+                  <a:lnTo>
+                    <a:pt x="14" y="14"/>
+                  </a:lnTo>
+                  <a:lnTo>
+                    <a:pt x="8" y="22"/>
+                  </a:lnTo>
+                  <a:lnTo>
+                    <a:pt x="4" y="30"/>
+                  </a:lnTo>
+                  <a:lnTo>
+                    <a:pt x="0" y="38"/>
+                  </a:lnTo>
+                  <a:lnTo>
+                    <a:pt x="0" y="48"/>
+                  </a:lnTo>
+                  <a:lnTo>
+                    <a:pt x="0" y="48"/>
+                  </a:lnTo>
+                  <a:lnTo>
+                    <a:pt x="2" y="50"/>
+                  </a:lnTo>
+                  <a:lnTo>
+                    <a:pt x="4" y="52"/>
+                  </a:lnTo>
+                  <a:lnTo>
+                    <a:pt x="4" y="52"/>
+                  </a:lnTo>
+                  <a:lnTo>
+                    <a:pt x="6" y="50"/>
+                  </a:lnTo>
+                  <a:lnTo>
+                    <a:pt x="8" y="48"/>
+                  </a:lnTo>
+                  <a:lnTo>
+                    <a:pt x="8" y="48"/>
+                  </a:lnTo>
+                  <a:lnTo>
+                    <a:pt x="8" y="40"/>
+                  </a:lnTo>
+                  <a:lnTo>
+                    <a:pt x="12" y="32"/>
+                  </a:lnTo>
+                  <a:lnTo>
+                    <a:pt x="14" y="26"/>
+                  </a:lnTo>
+                  <a:lnTo>
+                    <a:pt x="20" y="20"/>
+                  </a:lnTo>
+                  <a:lnTo>
+                    <a:pt x="26" y="14"/>
+                  </a:lnTo>
+                  <a:lnTo>
+                    <a:pt x="32" y="12"/>
+                  </a:lnTo>
+                  <a:lnTo>
+                    <a:pt x="40" y="8"/>
+                  </a:lnTo>
+                  <a:lnTo>
+                    <a:pt x="48" y="8"/>
+                  </a:lnTo>
+                  <a:lnTo>
+                    <a:pt x="48" y="8"/>
+                  </a:lnTo>
+                  <a:lnTo>
+                    <a:pt x="50" y="6"/>
+                  </a:lnTo>
+                  <a:lnTo>
+                    <a:pt x="52" y="4"/>
+                  </a:lnTo>
+                  <a:lnTo>
+                    <a:pt x="52" y="4"/>
+                  </a:lnTo>
+                  <a:lnTo>
+                    <a:pt x="50" y="2"/>
+                  </a:lnTo>
+                  <a:lnTo>
+                    <a:pt x="48" y="0"/>
+                  </a:lnTo>
+                  <a:close/>
+                </a:path>
+              </a:pathLst>
+            </a:custGeom>
+            <a:grpFill/>
+            <a:ln w="9525">
+              <a:noFill/>
+              <a:round/>
+            </a:ln>
+          </p:spPr>
+          <p:txBody>
+            <a:bodyPr vert="horz" wrap="square" lIns="121888" tIns="60944" rIns="121888" bIns="60944" numCol="1" anchor="t" anchorCtr="0" compatLnSpc="1"/>
+            <a:lstStyle/>
+            <a:p>
+              <a:pPr defTabSz="1172210"/>
+              <a:endParaRPr lang="ar-SA" sz="3065">
+                <a:solidFill>
+                  <a:prstClr val="black"/>
+                </a:solidFill>
+                <a:latin typeface="Open Sans"/>
+              </a:endParaRPr>
+            </a:p>
+          </p:txBody>
+        </p:sp>
+        <p:sp>
+          <p:nvSpPr>
+            <p:cNvPr id="57" name="Freeform 67"/>
+            <p:cNvSpPr/>
+            <p:nvPr>
+              <p:custDataLst>
+                <p:tags r:id="rId20"/>
+              </p:custDataLst>
+            </p:nvPr>
           </p:nvSpPr>
           <p:spPr bwMode="auto">
             <a:xfrm>
@@ -16189,9 +17905,124 @@
 </p:tagLst>
 </file>
 
+<file path=ppt/tags/tag10.xml><?xml version="1.0" encoding="utf-8"?>
+<p:tagLst xmlns:p="http://schemas.openxmlformats.org/presentationml/2006/main">
+  <p:tag name="KSO_WM_BEAUTIFY_FLAG" val=""/>
+</p:tagLst>
+</file>
+
+<file path=ppt/tags/tag11.xml><?xml version="1.0" encoding="utf-8"?>
+<p:tagLst xmlns:p="http://schemas.openxmlformats.org/presentationml/2006/main">
+  <p:tag name="KSO_WM_BEAUTIFY_FLAG" val=""/>
+</p:tagLst>
+</file>
+
+<file path=ppt/tags/tag12.xml><?xml version="1.0" encoding="utf-8"?>
+<p:tagLst xmlns:p="http://schemas.openxmlformats.org/presentationml/2006/main">
+  <p:tag name="KSO_WM_BEAUTIFY_FLAG" val=""/>
+</p:tagLst>
+</file>
+
+<file path=ppt/tags/tag13.xml><?xml version="1.0" encoding="utf-8"?>
+<p:tagLst xmlns:p="http://schemas.openxmlformats.org/presentationml/2006/main">
+  <p:tag name="KSO_WM_BEAUTIFY_FLAG" val=""/>
+</p:tagLst>
+</file>
+
+<file path=ppt/tags/tag14.xml><?xml version="1.0" encoding="utf-8"?>
+<p:tagLst xmlns:p="http://schemas.openxmlformats.org/presentationml/2006/main">
+  <p:tag name="KSO_WM_BEAUTIFY_FLAG" val=""/>
+</p:tagLst>
+</file>
+
+<file path=ppt/tags/tag15.xml><?xml version="1.0" encoding="utf-8"?>
+<p:tagLst xmlns:p="http://schemas.openxmlformats.org/presentationml/2006/main">
+  <p:tag name="KSO_WM_BEAUTIFY_FLAG" val=""/>
+</p:tagLst>
+</file>
+
+<file path=ppt/tags/tag16.xml><?xml version="1.0" encoding="utf-8"?>
+<p:tagLst xmlns:p="http://schemas.openxmlformats.org/presentationml/2006/main">
+  <p:tag name="KSO_WM_BEAUTIFY_FLAG" val=""/>
+</p:tagLst>
+</file>
+
+<file path=ppt/tags/tag17.xml><?xml version="1.0" encoding="utf-8"?>
+<p:tagLst xmlns:p="http://schemas.openxmlformats.org/presentationml/2006/main">
+  <p:tag name="KSO_WM_BEAUTIFY_FLAG" val=""/>
+</p:tagLst>
+</file>
+
+<file path=ppt/tags/tag18.xml><?xml version="1.0" encoding="utf-8"?>
+<p:tagLst xmlns:p="http://schemas.openxmlformats.org/presentationml/2006/main">
+  <p:tag name="KSO_WM_BEAUTIFY_FLAG" val=""/>
+</p:tagLst>
+</file>
+
+<file path=ppt/tags/tag19.xml><?xml version="1.0" encoding="utf-8"?>
+<p:tagLst xmlns:p="http://schemas.openxmlformats.org/presentationml/2006/main">
+  <p:tag name="KSO_WM_BEAUTIFY_FLAG" val=""/>
+</p:tagLst>
+</file>
+
 <file path=ppt/tags/tag2.xml><?xml version="1.0" encoding="utf-8"?>
 <p:tagLst xmlns:p="http://schemas.openxmlformats.org/presentationml/2006/main">
   <p:tag name="KSO_WM_BEAUTIFY_FLAG" val=""/>
+</p:tagLst>
+</file>
+
+<file path=ppt/tags/tag20.xml><?xml version="1.0" encoding="utf-8"?>
+<p:tagLst xmlns:p="http://schemas.openxmlformats.org/presentationml/2006/main">
+  <p:tag name="KSO_WM_BEAUTIFY_FLAG" val=""/>
+</p:tagLst>
+</file>
+
+<file path=ppt/tags/tag21.xml><?xml version="1.0" encoding="utf-8"?>
+<p:tagLst xmlns:p="http://schemas.openxmlformats.org/presentationml/2006/main">
+  <p:tag name="KSO_WM_BEAUTIFY_FLAG" val=""/>
+</p:tagLst>
+</file>
+
+<file path=ppt/tags/tag22.xml><?xml version="1.0" encoding="utf-8"?>
+<p:tagLst xmlns:p="http://schemas.openxmlformats.org/presentationml/2006/main">
+  <p:tag name="KSO_WM_BEAUTIFY_FLAG" val=""/>
+</p:tagLst>
+</file>
+
+<file path=ppt/tags/tag23.xml><?xml version="1.0" encoding="utf-8"?>
+<p:tagLst xmlns:p="http://schemas.openxmlformats.org/presentationml/2006/main">
+  <p:tag name="KSO_WM_BEAUTIFY_FLAG" val=""/>
+</p:tagLst>
+</file>
+
+<file path=ppt/tags/tag24.xml><?xml version="1.0" encoding="utf-8"?>
+<p:tagLst xmlns:p="http://schemas.openxmlformats.org/presentationml/2006/main">
+  <p:tag name="KSO_WM_BEAUTIFY_FLAG" val=""/>
+</p:tagLst>
+</file>
+
+<file path=ppt/tags/tag25.xml><?xml version="1.0" encoding="utf-8"?>
+<p:tagLst xmlns:p="http://schemas.openxmlformats.org/presentationml/2006/main">
+  <p:tag name="KSO_WM_BEAUTIFY_FLAG" val=""/>
+</p:tagLst>
+</file>
+
+<file path=ppt/tags/tag26.xml><?xml version="1.0" encoding="utf-8"?>
+<p:tagLst xmlns:p="http://schemas.openxmlformats.org/presentationml/2006/main">
+  <p:tag name="KSO_WM_BEAUTIFY_FLAG" val=""/>
+</p:tagLst>
+</file>
+
+<file path=ppt/tags/tag27.xml><?xml version="1.0" encoding="utf-8"?>
+<p:tagLst xmlns:p="http://schemas.openxmlformats.org/presentationml/2006/main">
+  <p:tag name="KSO_WM_BEAUTIFY_FLAG" val=""/>
+</p:tagLst>
+</file>
+
+<file path=ppt/tags/tag28.xml><?xml version="1.0" encoding="utf-8"?>
+<p:tagLst xmlns:p="http://schemas.openxmlformats.org/presentationml/2006/main">
+  <p:tag name="KSO_WPP_MARK_KEY" val="799f9af7-6803-480d-b1c8-656e3df7a58d"/>
+  <p:tag name="COMMONDATA" val="eyJoZGlkIjoiZjliYTJlNDc0MmE2ZWExYWNmZjg3YjUyMjc3NWNhYWMifQ=="/>
 </p:tagLst>
 </file>
 
@@ -16221,8 +18052,19 @@
 
 <file path=ppt/tags/tag7.xml><?xml version="1.0" encoding="utf-8"?>
 <p:tagLst xmlns:p="http://schemas.openxmlformats.org/presentationml/2006/main">
-  <p:tag name="KSO_WPP_MARK_KEY" val="799f9af7-6803-480d-b1c8-656e3df7a58d"/>
-  <p:tag name="COMMONDATA" val="eyJoZGlkIjoiZjliYTJlNDc0MmE2ZWExYWNmZjg3YjUyMjc3NWNhYWMifQ=="/>
+  <p:tag name="KSO_WM_BEAUTIFY_FLAG" val=""/>
+</p:tagLst>
+</file>
+
+<file path=ppt/tags/tag8.xml><?xml version="1.0" encoding="utf-8"?>
+<p:tagLst xmlns:p="http://schemas.openxmlformats.org/presentationml/2006/main">
+  <p:tag name="KSO_WM_BEAUTIFY_FLAG" val=""/>
+</p:tagLst>
+</file>
+
+<file path=ppt/tags/tag9.xml><?xml version="1.0" encoding="utf-8"?>
+<p:tagLst xmlns:p="http://schemas.openxmlformats.org/presentationml/2006/main">
+  <p:tag name="KSO_WM_BEAUTIFY_FLAG" val=""/>
 </p:tagLst>
 </file>
 
